--- a/Finding Anagrams.pptx
+++ b/Finding Anagrams.pptx
@@ -10,6 +10,7 @@
     <p:sldId id="258" r:id="rId4"/>
     <p:sldId id="259" r:id="rId5"/>
     <p:sldId id="260" r:id="rId6"/>
+    <p:sldId id="261" r:id="rId7"/>
   </p:sldIdLst>
   <p:sldSz cx="12192000" cy="6858000"/>
   <p:notesSz cx="6858000" cy="9144000"/>
@@ -108,7 +109,4071 @@
       </a:defRPr>
     </a:lvl9pPr>
   </p:defaultTextStyle>
+  <p:extLst>
+    <p:ext uri="{EFAFB233-063F-42B5-8137-9DF3F51BA10A}">
+      <p15:sldGuideLst xmlns:p15="http://schemas.microsoft.com/office/powerpoint/2012/main"/>
+    </p:ext>
+  </p:extLst>
 </p:presentation>
+</file>
+
+<file path=ppt/diagrams/colors1.xml><?xml version="1.0" encoding="utf-8"?>
+<dgm:colorsDef xmlns:dgm="http://schemas.openxmlformats.org/drawingml/2006/diagram" xmlns:a="http://schemas.openxmlformats.org/drawingml/2006/main" uniqueId="urn:microsoft.com/office/officeart/2005/8/colors/accent1_2">
+  <dgm:title val=""/>
+  <dgm:desc val=""/>
+  <dgm:catLst>
+    <dgm:cat type="accent1" pri="11200"/>
+  </dgm:catLst>
+  <dgm:styleLbl name="node0">
+    <dgm:fillClrLst meth="repeat">
+      <a:schemeClr val="accent1"/>
+    </dgm:fillClrLst>
+    <dgm:linClrLst meth="repeat">
+      <a:schemeClr val="lt1"/>
+    </dgm:linClrLst>
+    <dgm:effectClrLst/>
+    <dgm:txLinClrLst/>
+    <dgm:txFillClrLst/>
+    <dgm:txEffectClrLst/>
+  </dgm:styleLbl>
+  <dgm:styleLbl name="alignNode1">
+    <dgm:fillClrLst meth="repeat">
+      <a:schemeClr val="accent1"/>
+    </dgm:fillClrLst>
+    <dgm:linClrLst meth="repeat">
+      <a:schemeClr val="accent1"/>
+    </dgm:linClrLst>
+    <dgm:effectClrLst/>
+    <dgm:txLinClrLst/>
+    <dgm:txFillClrLst/>
+    <dgm:txEffectClrLst/>
+  </dgm:styleLbl>
+  <dgm:styleLbl name="node1">
+    <dgm:fillClrLst meth="repeat">
+      <a:schemeClr val="accent1"/>
+    </dgm:fillClrLst>
+    <dgm:linClrLst meth="repeat">
+      <a:schemeClr val="lt1"/>
+    </dgm:linClrLst>
+    <dgm:effectClrLst/>
+    <dgm:txLinClrLst/>
+    <dgm:txFillClrLst/>
+    <dgm:txEffectClrLst/>
+  </dgm:styleLbl>
+  <dgm:styleLbl name="lnNode1">
+    <dgm:fillClrLst meth="repeat">
+      <a:schemeClr val="accent1"/>
+    </dgm:fillClrLst>
+    <dgm:linClrLst meth="repeat">
+      <a:schemeClr val="lt1"/>
+    </dgm:linClrLst>
+    <dgm:effectClrLst/>
+    <dgm:txLinClrLst/>
+    <dgm:txFillClrLst/>
+    <dgm:txEffectClrLst/>
+  </dgm:styleLbl>
+  <dgm:styleLbl name="vennNode1">
+    <dgm:fillClrLst meth="repeat">
+      <a:schemeClr val="accent1">
+        <a:alpha val="50000"/>
+      </a:schemeClr>
+    </dgm:fillClrLst>
+    <dgm:linClrLst meth="repeat">
+      <a:schemeClr val="lt1"/>
+    </dgm:linClrLst>
+    <dgm:effectClrLst/>
+    <dgm:txLinClrLst/>
+    <dgm:txFillClrLst/>
+    <dgm:txEffectClrLst/>
+  </dgm:styleLbl>
+  <dgm:styleLbl name="node2">
+    <dgm:fillClrLst meth="repeat">
+      <a:schemeClr val="accent1"/>
+    </dgm:fillClrLst>
+    <dgm:linClrLst meth="repeat">
+      <a:schemeClr val="lt1"/>
+    </dgm:linClrLst>
+    <dgm:effectClrLst/>
+    <dgm:txLinClrLst/>
+    <dgm:txFillClrLst/>
+    <dgm:txEffectClrLst/>
+  </dgm:styleLbl>
+  <dgm:styleLbl name="node3">
+    <dgm:fillClrLst meth="repeat">
+      <a:schemeClr val="accent1"/>
+    </dgm:fillClrLst>
+    <dgm:linClrLst meth="repeat">
+      <a:schemeClr val="lt1"/>
+    </dgm:linClrLst>
+    <dgm:effectClrLst/>
+    <dgm:txLinClrLst/>
+    <dgm:txFillClrLst/>
+    <dgm:txEffectClrLst/>
+  </dgm:styleLbl>
+  <dgm:styleLbl name="node4">
+    <dgm:fillClrLst meth="repeat">
+      <a:schemeClr val="accent1"/>
+    </dgm:fillClrLst>
+    <dgm:linClrLst meth="repeat">
+      <a:schemeClr val="lt1"/>
+    </dgm:linClrLst>
+    <dgm:effectClrLst/>
+    <dgm:txLinClrLst/>
+    <dgm:txFillClrLst/>
+    <dgm:txEffectClrLst/>
+  </dgm:styleLbl>
+  <dgm:styleLbl name="fgImgPlace1">
+    <dgm:fillClrLst meth="repeat">
+      <a:schemeClr val="accent1">
+        <a:tint val="50000"/>
+      </a:schemeClr>
+    </dgm:fillClrLst>
+    <dgm:linClrLst meth="repeat">
+      <a:schemeClr val="lt1"/>
+    </dgm:linClrLst>
+    <dgm:effectClrLst/>
+    <dgm:txLinClrLst/>
+    <dgm:txFillClrLst meth="repeat">
+      <a:schemeClr val="lt1"/>
+    </dgm:txFillClrLst>
+    <dgm:txEffectClrLst/>
+  </dgm:styleLbl>
+  <dgm:styleLbl name="alignImgPlace1">
+    <dgm:fillClrLst meth="repeat">
+      <a:schemeClr val="accent1">
+        <a:tint val="50000"/>
+      </a:schemeClr>
+    </dgm:fillClrLst>
+    <dgm:linClrLst meth="repeat">
+      <a:schemeClr val="lt1"/>
+    </dgm:linClrLst>
+    <dgm:effectClrLst/>
+    <dgm:txLinClrLst/>
+    <dgm:txFillClrLst meth="repeat">
+      <a:schemeClr val="lt1"/>
+    </dgm:txFillClrLst>
+    <dgm:txEffectClrLst/>
+  </dgm:styleLbl>
+  <dgm:styleLbl name="bgImgPlace1">
+    <dgm:fillClrLst meth="repeat">
+      <a:schemeClr val="accent1">
+        <a:tint val="50000"/>
+      </a:schemeClr>
+    </dgm:fillClrLst>
+    <dgm:linClrLst meth="repeat">
+      <a:schemeClr val="lt1"/>
+    </dgm:linClrLst>
+    <dgm:effectClrLst/>
+    <dgm:txLinClrLst/>
+    <dgm:txFillClrLst meth="repeat">
+      <a:schemeClr val="lt1"/>
+    </dgm:txFillClrLst>
+    <dgm:txEffectClrLst/>
+  </dgm:styleLbl>
+  <dgm:styleLbl name="sibTrans2D1">
+    <dgm:fillClrLst meth="repeat">
+      <a:schemeClr val="accent1">
+        <a:tint val="60000"/>
+      </a:schemeClr>
+    </dgm:fillClrLst>
+    <dgm:linClrLst meth="repeat">
+      <a:schemeClr val="accent1">
+        <a:tint val="60000"/>
+      </a:schemeClr>
+    </dgm:linClrLst>
+    <dgm:effectClrLst/>
+    <dgm:txLinClrLst/>
+    <dgm:txFillClrLst/>
+    <dgm:txEffectClrLst/>
+  </dgm:styleLbl>
+  <dgm:styleLbl name="fgSibTrans2D1">
+    <dgm:fillClrLst meth="repeat">
+      <a:schemeClr val="accent1">
+        <a:tint val="60000"/>
+      </a:schemeClr>
+    </dgm:fillClrLst>
+    <dgm:linClrLst meth="repeat">
+      <a:schemeClr val="accent1">
+        <a:tint val="60000"/>
+      </a:schemeClr>
+    </dgm:linClrLst>
+    <dgm:effectClrLst/>
+    <dgm:txLinClrLst/>
+    <dgm:txFillClrLst/>
+    <dgm:txEffectClrLst/>
+  </dgm:styleLbl>
+  <dgm:styleLbl name="bgSibTrans2D1">
+    <dgm:fillClrLst meth="repeat">
+      <a:schemeClr val="accent1">
+        <a:tint val="60000"/>
+      </a:schemeClr>
+    </dgm:fillClrLst>
+    <dgm:linClrLst meth="repeat">
+      <a:schemeClr val="accent1">
+        <a:tint val="60000"/>
+      </a:schemeClr>
+    </dgm:linClrLst>
+    <dgm:effectClrLst/>
+    <dgm:txLinClrLst/>
+    <dgm:txFillClrLst/>
+    <dgm:txEffectClrLst/>
+  </dgm:styleLbl>
+  <dgm:styleLbl name="sibTrans1D1">
+    <dgm:fillClrLst meth="repeat">
+      <a:schemeClr val="accent1"/>
+    </dgm:fillClrLst>
+    <dgm:linClrLst meth="repeat">
+      <a:schemeClr val="accent1"/>
+    </dgm:linClrLst>
+    <dgm:effectClrLst/>
+    <dgm:txLinClrLst/>
+    <dgm:txFillClrLst meth="repeat">
+      <a:schemeClr val="tx1"/>
+    </dgm:txFillClrLst>
+    <dgm:txEffectClrLst/>
+  </dgm:styleLbl>
+  <dgm:styleLbl name="callout">
+    <dgm:fillClrLst meth="repeat">
+      <a:schemeClr val="accent1"/>
+    </dgm:fillClrLst>
+    <dgm:linClrLst meth="repeat">
+      <a:schemeClr val="accent1">
+        <a:tint val="50000"/>
+      </a:schemeClr>
+    </dgm:linClrLst>
+    <dgm:effectClrLst/>
+    <dgm:txLinClrLst/>
+    <dgm:txFillClrLst meth="repeat">
+      <a:schemeClr val="tx1"/>
+    </dgm:txFillClrLst>
+    <dgm:txEffectClrLst/>
+  </dgm:styleLbl>
+  <dgm:styleLbl name="asst0">
+    <dgm:fillClrLst meth="repeat">
+      <a:schemeClr val="accent1"/>
+    </dgm:fillClrLst>
+    <dgm:linClrLst meth="repeat">
+      <a:schemeClr val="lt1"/>
+    </dgm:linClrLst>
+    <dgm:effectClrLst/>
+    <dgm:txLinClrLst/>
+    <dgm:txFillClrLst/>
+    <dgm:txEffectClrLst/>
+  </dgm:styleLbl>
+  <dgm:styleLbl name="asst1">
+    <dgm:fillClrLst meth="repeat">
+      <a:schemeClr val="accent1"/>
+    </dgm:fillClrLst>
+    <dgm:linClrLst meth="repeat">
+      <a:schemeClr val="lt1"/>
+    </dgm:linClrLst>
+    <dgm:effectClrLst/>
+    <dgm:txLinClrLst/>
+    <dgm:txFillClrLst/>
+    <dgm:txEffectClrLst/>
+  </dgm:styleLbl>
+  <dgm:styleLbl name="asst2">
+    <dgm:fillClrLst meth="repeat">
+      <a:schemeClr val="accent1"/>
+    </dgm:fillClrLst>
+    <dgm:linClrLst meth="repeat">
+      <a:schemeClr val="lt1"/>
+    </dgm:linClrLst>
+    <dgm:effectClrLst/>
+    <dgm:txLinClrLst/>
+    <dgm:txFillClrLst/>
+    <dgm:txEffectClrLst/>
+  </dgm:styleLbl>
+  <dgm:styleLbl name="asst3">
+    <dgm:fillClrLst meth="repeat">
+      <a:schemeClr val="accent1"/>
+    </dgm:fillClrLst>
+    <dgm:linClrLst meth="repeat">
+      <a:schemeClr val="lt1"/>
+    </dgm:linClrLst>
+    <dgm:effectClrLst/>
+    <dgm:txLinClrLst/>
+    <dgm:txFillClrLst/>
+    <dgm:txEffectClrLst/>
+  </dgm:styleLbl>
+  <dgm:styleLbl name="asst4">
+    <dgm:fillClrLst meth="repeat">
+      <a:schemeClr val="accent1"/>
+    </dgm:fillClrLst>
+    <dgm:linClrLst meth="repeat">
+      <a:schemeClr val="lt1"/>
+    </dgm:linClrLst>
+    <dgm:effectClrLst/>
+    <dgm:txLinClrLst/>
+    <dgm:txFillClrLst/>
+    <dgm:txEffectClrLst/>
+  </dgm:styleLbl>
+  <dgm:styleLbl name="parChTrans2D1">
+    <dgm:fillClrLst meth="repeat">
+      <a:schemeClr val="accent1">
+        <a:tint val="60000"/>
+      </a:schemeClr>
+    </dgm:fillClrLst>
+    <dgm:linClrLst meth="repeat">
+      <a:schemeClr val="accent1">
+        <a:tint val="60000"/>
+      </a:schemeClr>
+    </dgm:linClrLst>
+    <dgm:effectClrLst/>
+    <dgm:txLinClrLst/>
+    <dgm:txFillClrLst meth="repeat">
+      <a:schemeClr val="lt1"/>
+    </dgm:txFillClrLst>
+    <dgm:txEffectClrLst/>
+  </dgm:styleLbl>
+  <dgm:styleLbl name="parChTrans2D2">
+    <dgm:fillClrLst meth="repeat">
+      <a:schemeClr val="accent1"/>
+    </dgm:fillClrLst>
+    <dgm:linClrLst meth="repeat">
+      <a:schemeClr val="accent1"/>
+    </dgm:linClrLst>
+    <dgm:effectClrLst/>
+    <dgm:txLinClrLst/>
+    <dgm:txFillClrLst meth="repeat">
+      <a:schemeClr val="lt1"/>
+    </dgm:txFillClrLst>
+    <dgm:txEffectClrLst/>
+  </dgm:styleLbl>
+  <dgm:styleLbl name="parChTrans2D3">
+    <dgm:fillClrLst meth="repeat">
+      <a:schemeClr val="accent1"/>
+    </dgm:fillClrLst>
+    <dgm:linClrLst meth="repeat">
+      <a:schemeClr val="accent1"/>
+    </dgm:linClrLst>
+    <dgm:effectClrLst/>
+    <dgm:txLinClrLst/>
+    <dgm:txFillClrLst meth="repeat">
+      <a:schemeClr val="lt1"/>
+    </dgm:txFillClrLst>
+    <dgm:txEffectClrLst/>
+  </dgm:styleLbl>
+  <dgm:styleLbl name="parChTrans2D4">
+    <dgm:fillClrLst meth="repeat">
+      <a:schemeClr val="accent1"/>
+    </dgm:fillClrLst>
+    <dgm:linClrLst meth="repeat">
+      <a:schemeClr val="accent1"/>
+    </dgm:linClrLst>
+    <dgm:effectClrLst/>
+    <dgm:txLinClrLst/>
+    <dgm:txFillClrLst meth="repeat">
+      <a:schemeClr val="lt1"/>
+    </dgm:txFillClrLst>
+    <dgm:txEffectClrLst/>
+  </dgm:styleLbl>
+  <dgm:styleLbl name="parChTrans1D1">
+    <dgm:fillClrLst meth="repeat">
+      <a:schemeClr val="accent1"/>
+    </dgm:fillClrLst>
+    <dgm:linClrLst meth="repeat">
+      <a:schemeClr val="accent1">
+        <a:shade val="60000"/>
+      </a:schemeClr>
+    </dgm:linClrLst>
+    <dgm:effectClrLst/>
+    <dgm:txLinClrLst/>
+    <dgm:txFillClrLst meth="repeat">
+      <a:schemeClr val="tx1"/>
+    </dgm:txFillClrLst>
+    <dgm:txEffectClrLst/>
+  </dgm:styleLbl>
+  <dgm:styleLbl name="parChTrans1D2">
+    <dgm:fillClrLst meth="repeat">
+      <a:schemeClr val="accent1"/>
+    </dgm:fillClrLst>
+    <dgm:linClrLst meth="repeat">
+      <a:schemeClr val="accent1">
+        <a:shade val="60000"/>
+      </a:schemeClr>
+    </dgm:linClrLst>
+    <dgm:effectClrLst/>
+    <dgm:txLinClrLst/>
+    <dgm:txFillClrLst meth="repeat">
+      <a:schemeClr val="tx1"/>
+    </dgm:txFillClrLst>
+    <dgm:txEffectClrLst/>
+  </dgm:styleLbl>
+  <dgm:styleLbl name="parChTrans1D3">
+    <dgm:fillClrLst meth="repeat">
+      <a:schemeClr val="accent1"/>
+    </dgm:fillClrLst>
+    <dgm:linClrLst meth="repeat">
+      <a:schemeClr val="accent1">
+        <a:shade val="80000"/>
+      </a:schemeClr>
+    </dgm:linClrLst>
+    <dgm:effectClrLst/>
+    <dgm:txLinClrLst/>
+    <dgm:txFillClrLst meth="repeat">
+      <a:schemeClr val="tx1"/>
+    </dgm:txFillClrLst>
+    <dgm:txEffectClrLst/>
+  </dgm:styleLbl>
+  <dgm:styleLbl name="parChTrans1D4">
+    <dgm:fillClrLst meth="repeat">
+      <a:schemeClr val="accent1"/>
+    </dgm:fillClrLst>
+    <dgm:linClrLst meth="repeat">
+      <a:schemeClr val="accent1">
+        <a:shade val="80000"/>
+      </a:schemeClr>
+    </dgm:linClrLst>
+    <dgm:effectClrLst/>
+    <dgm:txLinClrLst/>
+    <dgm:txFillClrLst meth="repeat">
+      <a:schemeClr val="tx1"/>
+    </dgm:txFillClrLst>
+    <dgm:txEffectClrLst/>
+  </dgm:styleLbl>
+  <dgm:styleLbl name="fgAcc1">
+    <dgm:fillClrLst meth="repeat">
+      <a:schemeClr val="lt1">
+        <a:alpha val="90000"/>
+      </a:schemeClr>
+    </dgm:fillClrLst>
+    <dgm:linClrLst meth="repeat">
+      <a:schemeClr val="accent1"/>
+    </dgm:linClrLst>
+    <dgm:effectClrLst/>
+    <dgm:txLinClrLst/>
+    <dgm:txFillClrLst meth="repeat">
+      <a:schemeClr val="dk1"/>
+    </dgm:txFillClrLst>
+    <dgm:txEffectClrLst/>
+  </dgm:styleLbl>
+  <dgm:styleLbl name="conFgAcc1">
+    <dgm:fillClrLst meth="repeat">
+      <a:schemeClr val="lt1">
+        <a:alpha val="90000"/>
+      </a:schemeClr>
+    </dgm:fillClrLst>
+    <dgm:linClrLst meth="repeat">
+      <a:schemeClr val="accent1"/>
+    </dgm:linClrLst>
+    <dgm:effectClrLst/>
+    <dgm:txLinClrLst/>
+    <dgm:txFillClrLst meth="repeat">
+      <a:schemeClr val="dk1"/>
+    </dgm:txFillClrLst>
+    <dgm:txEffectClrLst/>
+  </dgm:styleLbl>
+  <dgm:styleLbl name="alignAcc1">
+    <dgm:fillClrLst meth="repeat">
+      <a:schemeClr val="lt1">
+        <a:alpha val="90000"/>
+      </a:schemeClr>
+    </dgm:fillClrLst>
+    <dgm:linClrLst meth="repeat">
+      <a:schemeClr val="accent1"/>
+    </dgm:linClrLst>
+    <dgm:effectClrLst/>
+    <dgm:txLinClrLst/>
+    <dgm:txFillClrLst meth="repeat">
+      <a:schemeClr val="dk1"/>
+    </dgm:txFillClrLst>
+    <dgm:txEffectClrLst/>
+  </dgm:styleLbl>
+  <dgm:styleLbl name="trAlignAcc1">
+    <dgm:fillClrLst meth="repeat">
+      <a:schemeClr val="lt1">
+        <a:alpha val="40000"/>
+      </a:schemeClr>
+    </dgm:fillClrLst>
+    <dgm:linClrLst meth="repeat">
+      <a:schemeClr val="accent1"/>
+    </dgm:linClrLst>
+    <dgm:effectClrLst/>
+    <dgm:txLinClrLst/>
+    <dgm:txFillClrLst meth="repeat">
+      <a:schemeClr val="dk1"/>
+    </dgm:txFillClrLst>
+    <dgm:txEffectClrLst/>
+  </dgm:styleLbl>
+  <dgm:styleLbl name="bgAcc1">
+    <dgm:fillClrLst meth="repeat">
+      <a:schemeClr val="lt1">
+        <a:alpha val="90000"/>
+      </a:schemeClr>
+    </dgm:fillClrLst>
+    <dgm:linClrLst meth="repeat">
+      <a:schemeClr val="accent1"/>
+    </dgm:linClrLst>
+    <dgm:effectClrLst/>
+    <dgm:txLinClrLst/>
+    <dgm:txFillClrLst meth="repeat">
+      <a:schemeClr val="dk1"/>
+    </dgm:txFillClrLst>
+    <dgm:txEffectClrLst/>
+  </dgm:styleLbl>
+  <dgm:styleLbl name="solidFgAcc1">
+    <dgm:fillClrLst meth="repeat">
+      <a:schemeClr val="lt1"/>
+    </dgm:fillClrLst>
+    <dgm:linClrLst meth="repeat">
+      <a:schemeClr val="accent1"/>
+    </dgm:linClrLst>
+    <dgm:effectClrLst/>
+    <dgm:txLinClrLst/>
+    <dgm:txFillClrLst meth="repeat">
+      <a:schemeClr val="dk1"/>
+    </dgm:txFillClrLst>
+    <dgm:txEffectClrLst/>
+  </dgm:styleLbl>
+  <dgm:styleLbl name="solidAlignAcc1">
+    <dgm:fillClrLst meth="repeat">
+      <a:schemeClr val="lt1"/>
+    </dgm:fillClrLst>
+    <dgm:linClrLst meth="repeat">
+      <a:schemeClr val="accent1"/>
+    </dgm:linClrLst>
+    <dgm:effectClrLst/>
+    <dgm:txLinClrLst/>
+    <dgm:txFillClrLst meth="repeat">
+      <a:schemeClr val="dk1"/>
+    </dgm:txFillClrLst>
+    <dgm:txEffectClrLst/>
+  </dgm:styleLbl>
+  <dgm:styleLbl name="solidBgAcc1">
+    <dgm:fillClrLst meth="repeat">
+      <a:schemeClr val="lt1"/>
+    </dgm:fillClrLst>
+    <dgm:linClrLst meth="repeat">
+      <a:schemeClr val="accent1"/>
+    </dgm:linClrLst>
+    <dgm:effectClrLst/>
+    <dgm:txLinClrLst/>
+    <dgm:txFillClrLst meth="repeat">
+      <a:schemeClr val="dk1"/>
+    </dgm:txFillClrLst>
+    <dgm:txEffectClrLst/>
+  </dgm:styleLbl>
+  <dgm:styleLbl name="fgAccFollowNode1">
+    <dgm:fillClrLst meth="repeat">
+      <a:schemeClr val="accent1">
+        <a:alpha val="90000"/>
+        <a:tint val="40000"/>
+      </a:schemeClr>
+    </dgm:fillClrLst>
+    <dgm:linClrLst meth="repeat">
+      <a:schemeClr val="accent1">
+        <a:alpha val="90000"/>
+        <a:tint val="40000"/>
+      </a:schemeClr>
+    </dgm:linClrLst>
+    <dgm:effectClrLst/>
+    <dgm:txLinClrLst/>
+    <dgm:txFillClrLst meth="repeat">
+      <a:schemeClr val="dk1"/>
+    </dgm:txFillClrLst>
+    <dgm:txEffectClrLst/>
+  </dgm:styleLbl>
+  <dgm:styleLbl name="alignAccFollowNode1">
+    <dgm:fillClrLst meth="repeat">
+      <a:schemeClr val="accent1">
+        <a:alpha val="90000"/>
+        <a:tint val="40000"/>
+      </a:schemeClr>
+    </dgm:fillClrLst>
+    <dgm:linClrLst meth="repeat">
+      <a:schemeClr val="accent1">
+        <a:alpha val="90000"/>
+        <a:tint val="40000"/>
+      </a:schemeClr>
+    </dgm:linClrLst>
+    <dgm:effectClrLst/>
+    <dgm:txLinClrLst/>
+    <dgm:txFillClrLst meth="repeat">
+      <a:schemeClr val="dk1"/>
+    </dgm:txFillClrLst>
+    <dgm:txEffectClrLst/>
+  </dgm:styleLbl>
+  <dgm:styleLbl name="bgAccFollowNode1">
+    <dgm:fillClrLst meth="repeat">
+      <a:schemeClr val="accent1">
+        <a:alpha val="90000"/>
+        <a:tint val="40000"/>
+      </a:schemeClr>
+    </dgm:fillClrLst>
+    <dgm:linClrLst meth="repeat">
+      <a:schemeClr val="accent1">
+        <a:alpha val="90000"/>
+        <a:tint val="40000"/>
+      </a:schemeClr>
+    </dgm:linClrLst>
+    <dgm:effectClrLst/>
+    <dgm:txLinClrLst/>
+    <dgm:txFillClrLst meth="repeat">
+      <a:schemeClr val="dk1"/>
+    </dgm:txFillClrLst>
+    <dgm:txEffectClrLst/>
+  </dgm:styleLbl>
+  <dgm:styleLbl name="fgAcc0">
+    <dgm:fillClrLst meth="repeat">
+      <a:schemeClr val="lt1">
+        <a:alpha val="90000"/>
+      </a:schemeClr>
+    </dgm:fillClrLst>
+    <dgm:linClrLst meth="repeat">
+      <a:schemeClr val="accent1"/>
+    </dgm:linClrLst>
+    <dgm:effectClrLst/>
+    <dgm:txLinClrLst/>
+    <dgm:txFillClrLst meth="repeat">
+      <a:schemeClr val="dk1"/>
+    </dgm:txFillClrLst>
+    <dgm:txEffectClrLst/>
+  </dgm:styleLbl>
+  <dgm:styleLbl name="fgAcc2">
+    <dgm:fillClrLst meth="repeat">
+      <a:schemeClr val="lt1">
+        <a:alpha val="90000"/>
+      </a:schemeClr>
+    </dgm:fillClrLst>
+    <dgm:linClrLst meth="repeat">
+      <a:schemeClr val="accent1"/>
+    </dgm:linClrLst>
+    <dgm:effectClrLst/>
+    <dgm:txLinClrLst/>
+    <dgm:txFillClrLst meth="repeat">
+      <a:schemeClr val="dk1"/>
+    </dgm:txFillClrLst>
+    <dgm:txEffectClrLst/>
+  </dgm:styleLbl>
+  <dgm:styleLbl name="fgAcc3">
+    <dgm:fillClrLst meth="repeat">
+      <a:schemeClr val="lt1">
+        <a:alpha val="90000"/>
+      </a:schemeClr>
+    </dgm:fillClrLst>
+    <dgm:linClrLst meth="repeat">
+      <a:schemeClr val="accent1"/>
+    </dgm:linClrLst>
+    <dgm:effectClrLst/>
+    <dgm:txLinClrLst/>
+    <dgm:txFillClrLst meth="repeat">
+      <a:schemeClr val="dk1"/>
+    </dgm:txFillClrLst>
+    <dgm:txEffectClrLst/>
+  </dgm:styleLbl>
+  <dgm:styleLbl name="fgAcc4">
+    <dgm:fillClrLst meth="repeat">
+      <a:schemeClr val="lt1">
+        <a:alpha val="90000"/>
+      </a:schemeClr>
+    </dgm:fillClrLst>
+    <dgm:linClrLst meth="repeat">
+      <a:schemeClr val="accent1"/>
+    </dgm:linClrLst>
+    <dgm:effectClrLst/>
+    <dgm:txLinClrLst/>
+    <dgm:txFillClrLst meth="repeat">
+      <a:schemeClr val="dk1"/>
+    </dgm:txFillClrLst>
+    <dgm:txEffectClrLst/>
+  </dgm:styleLbl>
+  <dgm:styleLbl name="bgShp">
+    <dgm:fillClrLst meth="repeat">
+      <a:schemeClr val="accent1">
+        <a:tint val="40000"/>
+      </a:schemeClr>
+    </dgm:fillClrLst>
+    <dgm:linClrLst meth="repeat">
+      <a:schemeClr val="accent1"/>
+    </dgm:linClrLst>
+    <dgm:effectClrLst/>
+    <dgm:txLinClrLst/>
+    <dgm:txFillClrLst meth="repeat">
+      <a:schemeClr val="dk1"/>
+    </dgm:txFillClrLst>
+    <dgm:txEffectClrLst/>
+  </dgm:styleLbl>
+  <dgm:styleLbl name="dkBgShp">
+    <dgm:fillClrLst meth="repeat">
+      <a:schemeClr val="accent1">
+        <a:shade val="80000"/>
+      </a:schemeClr>
+    </dgm:fillClrLst>
+    <dgm:linClrLst meth="repeat">
+      <a:schemeClr val="accent1"/>
+    </dgm:linClrLst>
+    <dgm:effectClrLst/>
+    <dgm:txLinClrLst/>
+    <dgm:txFillClrLst meth="repeat">
+      <a:schemeClr val="lt1"/>
+    </dgm:txFillClrLst>
+    <dgm:txEffectClrLst/>
+  </dgm:styleLbl>
+  <dgm:styleLbl name="trBgShp">
+    <dgm:fillClrLst meth="repeat">
+      <a:schemeClr val="accent1">
+        <a:tint val="50000"/>
+        <a:alpha val="40000"/>
+      </a:schemeClr>
+    </dgm:fillClrLst>
+    <dgm:linClrLst meth="repeat">
+      <a:schemeClr val="accent1"/>
+    </dgm:linClrLst>
+    <dgm:effectClrLst/>
+    <dgm:txLinClrLst/>
+    <dgm:txFillClrLst meth="repeat">
+      <a:schemeClr val="lt1"/>
+    </dgm:txFillClrLst>
+    <dgm:txEffectClrLst/>
+  </dgm:styleLbl>
+  <dgm:styleLbl name="fgShp">
+    <dgm:fillClrLst meth="repeat">
+      <a:schemeClr val="accent1">
+        <a:tint val="60000"/>
+      </a:schemeClr>
+    </dgm:fillClrLst>
+    <dgm:linClrLst meth="repeat">
+      <a:schemeClr val="lt1"/>
+    </dgm:linClrLst>
+    <dgm:effectClrLst/>
+    <dgm:txLinClrLst/>
+    <dgm:txFillClrLst meth="repeat">
+      <a:schemeClr val="dk1"/>
+    </dgm:txFillClrLst>
+    <dgm:txEffectClrLst/>
+  </dgm:styleLbl>
+  <dgm:styleLbl name="revTx">
+    <dgm:fillClrLst meth="repeat">
+      <a:schemeClr val="lt1">
+        <a:alpha val="0"/>
+      </a:schemeClr>
+    </dgm:fillClrLst>
+    <dgm:linClrLst meth="repeat">
+      <a:schemeClr val="dk1">
+        <a:alpha val="0"/>
+      </a:schemeClr>
+    </dgm:linClrLst>
+    <dgm:effectClrLst/>
+    <dgm:txLinClrLst/>
+    <dgm:txFillClrLst meth="repeat">
+      <a:schemeClr val="tx1"/>
+    </dgm:txFillClrLst>
+    <dgm:txEffectClrLst/>
+  </dgm:styleLbl>
+</dgm:colorsDef>
+</file>
+
+<file path=ppt/diagrams/data1.xml><?xml version="1.0" encoding="utf-8"?>
+<dgm:dataModel xmlns:dgm="http://schemas.openxmlformats.org/drawingml/2006/diagram" xmlns:a="http://schemas.openxmlformats.org/drawingml/2006/main">
+  <dgm:ptLst>
+    <dgm:pt modelId="{AB8AC430-1724-4A93-8287-9CD6A45DFD8E}" type="doc">
+      <dgm:prSet loTypeId="urn:microsoft.com/office/officeart/2009/3/layout/HorizontalOrganizationChart" loCatId="hierarchy" qsTypeId="urn:microsoft.com/office/officeart/2005/8/quickstyle/simple1" qsCatId="simple" csTypeId="urn:microsoft.com/office/officeart/2005/8/colors/accent1_2" csCatId="accent1" phldr="1"/>
+      <dgm:spPr/>
+      <dgm:t>
+        <a:bodyPr/>
+        <a:lstStyle/>
+        <a:p>
+          <a:endParaRPr lang="en-US"/>
+        </a:p>
+      </dgm:t>
+    </dgm:pt>
+    <dgm:pt modelId="{B0D5A71F-24BB-4F27-8577-8B40E716E3B5}">
+      <dgm:prSet phldrT="[Text]"/>
+      <dgm:spPr/>
+      <dgm:t>
+        <a:bodyPr/>
+        <a:lstStyle/>
+        <a:p>
+          <a:r>
+            <a:rPr lang="en-US" dirty="0"/>
+            <a:t>Terminator</a:t>
+          </a:r>
+        </a:p>
+      </dgm:t>
+    </dgm:pt>
+    <dgm:pt modelId="{A7C4699D-217F-41C9-9A39-5D48A78C6936}" type="parTrans" cxnId="{AFDEBBD7-1993-4E65-8FE1-5EBDB2A8CC5F}">
+      <dgm:prSet/>
+      <dgm:spPr/>
+      <dgm:t>
+        <a:bodyPr/>
+        <a:lstStyle/>
+        <a:p>
+          <a:endParaRPr lang="en-US"/>
+        </a:p>
+      </dgm:t>
+    </dgm:pt>
+    <dgm:pt modelId="{C6628C61-7355-4AFA-A809-8AAB703A15C2}" type="sibTrans" cxnId="{AFDEBBD7-1993-4E65-8FE1-5EBDB2A8CC5F}">
+      <dgm:prSet/>
+      <dgm:spPr/>
+      <dgm:t>
+        <a:bodyPr/>
+        <a:lstStyle/>
+        <a:p>
+          <a:endParaRPr lang="en-US"/>
+        </a:p>
+      </dgm:t>
+    </dgm:pt>
+    <dgm:pt modelId="{F8DDFC11-B3DD-400B-BB37-6A4A641451B4}">
+      <dgm:prSet phldrT="[Text]"/>
+      <dgm:spPr/>
+      <dgm:t>
+        <a:bodyPr/>
+        <a:lstStyle/>
+        <a:p>
+          <a:r>
+            <a:rPr lang="en-US" dirty="0"/>
+            <a:t>time</a:t>
+          </a:r>
+        </a:p>
+      </dgm:t>
+    </dgm:pt>
+    <dgm:pt modelId="{82DBA60C-341E-4A46-AE05-112CEF3B5C6D}" type="parTrans" cxnId="{8763D67A-D1EC-4136-8392-83092EEBDBCC}">
+      <dgm:prSet/>
+      <dgm:spPr/>
+      <dgm:t>
+        <a:bodyPr/>
+        <a:lstStyle/>
+        <a:p>
+          <a:endParaRPr lang="en-US"/>
+        </a:p>
+      </dgm:t>
+    </dgm:pt>
+    <dgm:pt modelId="{43D507E8-A320-4BB2-8033-A14B38060936}" type="sibTrans" cxnId="{8763D67A-D1EC-4136-8392-83092EEBDBCC}">
+      <dgm:prSet/>
+      <dgm:spPr/>
+      <dgm:t>
+        <a:bodyPr/>
+        <a:lstStyle/>
+        <a:p>
+          <a:endParaRPr lang="en-US"/>
+        </a:p>
+      </dgm:t>
+    </dgm:pt>
+    <dgm:pt modelId="{77C56C75-A7B7-4E1C-AF10-BF7097DDCC6B}">
+      <dgm:prSet phldrT="[Text]"/>
+      <dgm:spPr/>
+      <dgm:t>
+        <a:bodyPr/>
+        <a:lstStyle/>
+        <a:p>
+          <a:r>
+            <a:rPr lang="en-US" dirty="0"/>
+            <a:t>emit</a:t>
+          </a:r>
+        </a:p>
+      </dgm:t>
+    </dgm:pt>
+    <dgm:pt modelId="{D91A8CE2-07B9-4AB8-A1AD-9EE8C4B8F446}" type="parTrans" cxnId="{35470A4A-63FB-4ACC-B642-9D0E21E0FB19}">
+      <dgm:prSet/>
+      <dgm:spPr/>
+      <dgm:t>
+        <a:bodyPr/>
+        <a:lstStyle/>
+        <a:p>
+          <a:endParaRPr lang="en-US"/>
+        </a:p>
+      </dgm:t>
+    </dgm:pt>
+    <dgm:pt modelId="{830BDCE0-C683-4653-B5EA-5AEB98222271}" type="sibTrans" cxnId="{35470A4A-63FB-4ACC-B642-9D0E21E0FB19}">
+      <dgm:prSet/>
+      <dgm:spPr/>
+      <dgm:t>
+        <a:bodyPr/>
+        <a:lstStyle/>
+        <a:p>
+          <a:endParaRPr lang="en-US"/>
+        </a:p>
+      </dgm:t>
+    </dgm:pt>
+    <dgm:pt modelId="{A614FAEC-2CE1-4DAB-A61B-DC5B0C2DF112}">
+      <dgm:prSet phldrT="[Text]"/>
+      <dgm:spPr/>
+      <dgm:t>
+        <a:bodyPr/>
+        <a:lstStyle/>
+        <a:p>
+          <a:r>
+            <a:rPr lang="en-US" dirty="0"/>
+            <a:t>Item</a:t>
+          </a:r>
+        </a:p>
+      </dgm:t>
+    </dgm:pt>
+    <dgm:pt modelId="{20028FE8-143E-4833-BDF9-C0E2770B03DE}" type="parTrans" cxnId="{99C1FBBA-C5F7-414E-9B92-8601A05D14E1}">
+      <dgm:prSet/>
+      <dgm:spPr/>
+      <dgm:t>
+        <a:bodyPr/>
+        <a:lstStyle/>
+        <a:p>
+          <a:endParaRPr lang="en-US"/>
+        </a:p>
+      </dgm:t>
+    </dgm:pt>
+    <dgm:pt modelId="{F4FBA4E3-7C1E-4660-9672-B252CB472E23}" type="sibTrans" cxnId="{99C1FBBA-C5F7-414E-9B92-8601A05D14E1}">
+      <dgm:prSet/>
+      <dgm:spPr/>
+      <dgm:t>
+        <a:bodyPr/>
+        <a:lstStyle/>
+        <a:p>
+          <a:endParaRPr lang="en-US"/>
+        </a:p>
+      </dgm:t>
+    </dgm:pt>
+    <dgm:pt modelId="{FB9269E4-E822-4815-BB56-0A3B5079D8B8}">
+      <dgm:prSet/>
+      <dgm:spPr/>
+      <dgm:t>
+        <a:bodyPr/>
+        <a:lstStyle/>
+        <a:p>
+          <a:r>
+            <a:rPr lang="en-US" dirty="0"/>
+            <a:t>it</a:t>
+          </a:r>
+        </a:p>
+      </dgm:t>
+    </dgm:pt>
+    <dgm:pt modelId="{F6B7BD09-04EF-4881-AEB2-DD73E5D63B20}" type="parTrans" cxnId="{1F0FDE79-E8FF-4D5B-8D3C-F845253214AE}">
+      <dgm:prSet/>
+      <dgm:spPr/>
+      <dgm:t>
+        <a:bodyPr/>
+        <a:lstStyle/>
+        <a:p>
+          <a:endParaRPr lang="en-US"/>
+        </a:p>
+      </dgm:t>
+    </dgm:pt>
+    <dgm:pt modelId="{EC8119DB-55A5-4328-BF95-190D5D6F1119}" type="sibTrans" cxnId="{1F0FDE79-E8FF-4D5B-8D3C-F845253214AE}">
+      <dgm:prSet/>
+      <dgm:spPr/>
+      <dgm:t>
+        <a:bodyPr/>
+        <a:lstStyle/>
+        <a:p>
+          <a:endParaRPr lang="en-US"/>
+        </a:p>
+      </dgm:t>
+    </dgm:pt>
+    <dgm:pt modelId="{1854F000-E30D-43F0-B937-842AFEA57308}" type="pres">
+      <dgm:prSet presAssocID="{AB8AC430-1724-4A93-8287-9CD6A45DFD8E}" presName="hierChild1" presStyleCnt="0">
+        <dgm:presLayoutVars>
+          <dgm:orgChart val="1"/>
+          <dgm:chPref val="1"/>
+          <dgm:dir/>
+          <dgm:animOne val="branch"/>
+          <dgm:animLvl val="lvl"/>
+          <dgm:resizeHandles/>
+        </dgm:presLayoutVars>
+      </dgm:prSet>
+      <dgm:spPr/>
+    </dgm:pt>
+    <dgm:pt modelId="{C0001853-EF6B-4D69-AF0E-2CCF929E5718}" type="pres">
+      <dgm:prSet presAssocID="{B0D5A71F-24BB-4F27-8577-8B40E716E3B5}" presName="hierRoot1" presStyleCnt="0">
+        <dgm:presLayoutVars>
+          <dgm:hierBranch val="init"/>
+        </dgm:presLayoutVars>
+      </dgm:prSet>
+      <dgm:spPr/>
+    </dgm:pt>
+    <dgm:pt modelId="{5F74B67B-BBC8-44AB-8094-40EDA08AD2FD}" type="pres">
+      <dgm:prSet presAssocID="{B0D5A71F-24BB-4F27-8577-8B40E716E3B5}" presName="rootComposite1" presStyleCnt="0"/>
+      <dgm:spPr/>
+    </dgm:pt>
+    <dgm:pt modelId="{35B9B94E-26E7-49AC-B42E-1CAD3A006626}" type="pres">
+      <dgm:prSet presAssocID="{B0D5A71F-24BB-4F27-8577-8B40E716E3B5}" presName="rootText1" presStyleLbl="node0" presStyleIdx="0" presStyleCnt="1">
+        <dgm:presLayoutVars>
+          <dgm:chPref val="3"/>
+        </dgm:presLayoutVars>
+      </dgm:prSet>
+      <dgm:spPr/>
+    </dgm:pt>
+    <dgm:pt modelId="{78C4F0A8-7C5B-4855-9E7F-1BAD58E7B770}" type="pres">
+      <dgm:prSet presAssocID="{B0D5A71F-24BB-4F27-8577-8B40E716E3B5}" presName="rootConnector1" presStyleLbl="node1" presStyleIdx="0" presStyleCnt="0"/>
+      <dgm:spPr/>
+    </dgm:pt>
+    <dgm:pt modelId="{568E77E4-6977-4B6A-8B26-E55872EE6DC9}" type="pres">
+      <dgm:prSet presAssocID="{B0D5A71F-24BB-4F27-8577-8B40E716E3B5}" presName="hierChild2" presStyleCnt="0"/>
+      <dgm:spPr/>
+    </dgm:pt>
+    <dgm:pt modelId="{D0EEEAFD-4C8B-4F09-9EDF-0E5DBA0221FB}" type="pres">
+      <dgm:prSet presAssocID="{82DBA60C-341E-4A46-AE05-112CEF3B5C6D}" presName="Name64" presStyleLbl="parChTrans1D2" presStyleIdx="0" presStyleCnt="3"/>
+      <dgm:spPr/>
+    </dgm:pt>
+    <dgm:pt modelId="{2FA022F0-2CAD-4965-89E1-46BA3CA5EBF1}" type="pres">
+      <dgm:prSet presAssocID="{F8DDFC11-B3DD-400B-BB37-6A4A641451B4}" presName="hierRoot2" presStyleCnt="0">
+        <dgm:presLayoutVars>
+          <dgm:hierBranch val="init"/>
+        </dgm:presLayoutVars>
+      </dgm:prSet>
+      <dgm:spPr/>
+    </dgm:pt>
+    <dgm:pt modelId="{05269A17-E956-4852-85E8-EFF613602074}" type="pres">
+      <dgm:prSet presAssocID="{F8DDFC11-B3DD-400B-BB37-6A4A641451B4}" presName="rootComposite" presStyleCnt="0"/>
+      <dgm:spPr/>
+    </dgm:pt>
+    <dgm:pt modelId="{56C45DEC-50C0-4EB7-A99B-F05622F81FA7}" type="pres">
+      <dgm:prSet presAssocID="{F8DDFC11-B3DD-400B-BB37-6A4A641451B4}" presName="rootText" presStyleLbl="node2" presStyleIdx="0" presStyleCnt="3">
+        <dgm:presLayoutVars>
+          <dgm:chPref val="3"/>
+        </dgm:presLayoutVars>
+      </dgm:prSet>
+      <dgm:spPr/>
+    </dgm:pt>
+    <dgm:pt modelId="{CAEC081A-FA63-4521-8BF5-E7B79D588787}" type="pres">
+      <dgm:prSet presAssocID="{F8DDFC11-B3DD-400B-BB37-6A4A641451B4}" presName="rootConnector" presStyleLbl="node2" presStyleIdx="0" presStyleCnt="3"/>
+      <dgm:spPr/>
+    </dgm:pt>
+    <dgm:pt modelId="{550F29B9-1B0C-4014-8898-7EDF7B7EE005}" type="pres">
+      <dgm:prSet presAssocID="{F8DDFC11-B3DD-400B-BB37-6A4A641451B4}" presName="hierChild4" presStyleCnt="0"/>
+      <dgm:spPr/>
+    </dgm:pt>
+    <dgm:pt modelId="{4F68EF50-5ED0-45AA-9E72-4AEAEF8235EE}" type="pres">
+      <dgm:prSet presAssocID="{F6B7BD09-04EF-4881-AEB2-DD73E5D63B20}" presName="Name64" presStyleLbl="parChTrans1D3" presStyleIdx="0" presStyleCnt="1"/>
+      <dgm:spPr/>
+    </dgm:pt>
+    <dgm:pt modelId="{36EFDA7C-A789-406E-BCEF-832858752049}" type="pres">
+      <dgm:prSet presAssocID="{FB9269E4-E822-4815-BB56-0A3B5079D8B8}" presName="hierRoot2" presStyleCnt="0">
+        <dgm:presLayoutVars>
+          <dgm:hierBranch val="init"/>
+        </dgm:presLayoutVars>
+      </dgm:prSet>
+      <dgm:spPr/>
+    </dgm:pt>
+    <dgm:pt modelId="{160B68AB-CBDB-4AC7-88A3-ED565DD26DE0}" type="pres">
+      <dgm:prSet presAssocID="{FB9269E4-E822-4815-BB56-0A3B5079D8B8}" presName="rootComposite" presStyleCnt="0"/>
+      <dgm:spPr/>
+    </dgm:pt>
+    <dgm:pt modelId="{2575D2B9-A48C-48A9-9B5F-96A76BB2EA3A}" type="pres">
+      <dgm:prSet presAssocID="{FB9269E4-E822-4815-BB56-0A3B5079D8B8}" presName="rootText" presStyleLbl="node3" presStyleIdx="0" presStyleCnt="1" custLinFactY="40984" custLinFactNeighborX="499" custLinFactNeighborY="100000">
+        <dgm:presLayoutVars>
+          <dgm:chPref val="3"/>
+        </dgm:presLayoutVars>
+      </dgm:prSet>
+      <dgm:spPr/>
+    </dgm:pt>
+    <dgm:pt modelId="{30815831-E2C5-4306-8188-9F2948FA4E21}" type="pres">
+      <dgm:prSet presAssocID="{FB9269E4-E822-4815-BB56-0A3B5079D8B8}" presName="rootConnector" presStyleLbl="node3" presStyleIdx="0" presStyleCnt="1"/>
+      <dgm:spPr/>
+    </dgm:pt>
+    <dgm:pt modelId="{F24DA3D2-E04A-4CA0-8B93-7C32CF5DBE23}" type="pres">
+      <dgm:prSet presAssocID="{FB9269E4-E822-4815-BB56-0A3B5079D8B8}" presName="hierChild4" presStyleCnt="0"/>
+      <dgm:spPr/>
+    </dgm:pt>
+    <dgm:pt modelId="{B46F0DEC-E46D-4DB2-AD4A-06C5D8667F79}" type="pres">
+      <dgm:prSet presAssocID="{FB9269E4-E822-4815-BB56-0A3B5079D8B8}" presName="hierChild5" presStyleCnt="0"/>
+      <dgm:spPr/>
+    </dgm:pt>
+    <dgm:pt modelId="{61817994-C499-402B-B107-D2C313EC8A1C}" type="pres">
+      <dgm:prSet presAssocID="{F8DDFC11-B3DD-400B-BB37-6A4A641451B4}" presName="hierChild5" presStyleCnt="0"/>
+      <dgm:spPr/>
+    </dgm:pt>
+    <dgm:pt modelId="{4D78D305-1A7D-411F-966A-EE91F42498DA}" type="pres">
+      <dgm:prSet presAssocID="{D91A8CE2-07B9-4AB8-A1AD-9EE8C4B8F446}" presName="Name64" presStyleLbl="parChTrans1D2" presStyleIdx="1" presStyleCnt="3"/>
+      <dgm:spPr/>
+    </dgm:pt>
+    <dgm:pt modelId="{F33751BB-D748-4A0E-805F-0D5A2F9ADA1A}" type="pres">
+      <dgm:prSet presAssocID="{77C56C75-A7B7-4E1C-AF10-BF7097DDCC6B}" presName="hierRoot2" presStyleCnt="0">
+        <dgm:presLayoutVars>
+          <dgm:hierBranch val="init"/>
+        </dgm:presLayoutVars>
+      </dgm:prSet>
+      <dgm:spPr/>
+    </dgm:pt>
+    <dgm:pt modelId="{4789F7BD-0416-4775-8651-BA1981829812}" type="pres">
+      <dgm:prSet presAssocID="{77C56C75-A7B7-4E1C-AF10-BF7097DDCC6B}" presName="rootComposite" presStyleCnt="0"/>
+      <dgm:spPr/>
+    </dgm:pt>
+    <dgm:pt modelId="{86795C6E-63DA-4029-827E-444FA402629E}" type="pres">
+      <dgm:prSet presAssocID="{77C56C75-A7B7-4E1C-AF10-BF7097DDCC6B}" presName="rootText" presStyleLbl="node2" presStyleIdx="1" presStyleCnt="3">
+        <dgm:presLayoutVars>
+          <dgm:chPref val="3"/>
+        </dgm:presLayoutVars>
+      </dgm:prSet>
+      <dgm:spPr/>
+    </dgm:pt>
+    <dgm:pt modelId="{7574676C-BB26-4CB1-9FAE-2FE7097D60EA}" type="pres">
+      <dgm:prSet presAssocID="{77C56C75-A7B7-4E1C-AF10-BF7097DDCC6B}" presName="rootConnector" presStyleLbl="node2" presStyleIdx="1" presStyleCnt="3"/>
+      <dgm:spPr/>
+    </dgm:pt>
+    <dgm:pt modelId="{3BA58D95-A07A-4678-A7EB-9A9DD347B83B}" type="pres">
+      <dgm:prSet presAssocID="{77C56C75-A7B7-4E1C-AF10-BF7097DDCC6B}" presName="hierChild4" presStyleCnt="0"/>
+      <dgm:spPr/>
+    </dgm:pt>
+    <dgm:pt modelId="{7CEABB5A-A030-4482-9D3D-0BD747F3807C}" type="pres">
+      <dgm:prSet presAssocID="{77C56C75-A7B7-4E1C-AF10-BF7097DDCC6B}" presName="hierChild5" presStyleCnt="0"/>
+      <dgm:spPr/>
+    </dgm:pt>
+    <dgm:pt modelId="{D88CA6C8-F1C8-4296-ABF2-E25D6648C20A}" type="pres">
+      <dgm:prSet presAssocID="{20028FE8-143E-4833-BDF9-C0E2770B03DE}" presName="Name64" presStyleLbl="parChTrans1D2" presStyleIdx="2" presStyleCnt="3"/>
+      <dgm:spPr/>
+    </dgm:pt>
+    <dgm:pt modelId="{3629E66D-A0FD-47E4-8CF3-DD6FF5458E7A}" type="pres">
+      <dgm:prSet presAssocID="{A614FAEC-2CE1-4DAB-A61B-DC5B0C2DF112}" presName="hierRoot2" presStyleCnt="0">
+        <dgm:presLayoutVars>
+          <dgm:hierBranch val="init"/>
+        </dgm:presLayoutVars>
+      </dgm:prSet>
+      <dgm:spPr/>
+    </dgm:pt>
+    <dgm:pt modelId="{F9390976-F5D0-4B53-ACA4-669B60F783A1}" type="pres">
+      <dgm:prSet presAssocID="{A614FAEC-2CE1-4DAB-A61B-DC5B0C2DF112}" presName="rootComposite" presStyleCnt="0"/>
+      <dgm:spPr/>
+    </dgm:pt>
+    <dgm:pt modelId="{9FBC2CD8-B302-4022-AB0E-42AE40CD38B4}" type="pres">
+      <dgm:prSet presAssocID="{A614FAEC-2CE1-4DAB-A61B-DC5B0C2DF112}" presName="rootText" presStyleLbl="node2" presStyleIdx="2" presStyleCnt="3">
+        <dgm:presLayoutVars>
+          <dgm:chPref val="3"/>
+        </dgm:presLayoutVars>
+      </dgm:prSet>
+      <dgm:spPr/>
+    </dgm:pt>
+    <dgm:pt modelId="{DA37828C-624A-4EA0-B0B7-8F295621F6AF}" type="pres">
+      <dgm:prSet presAssocID="{A614FAEC-2CE1-4DAB-A61B-DC5B0C2DF112}" presName="rootConnector" presStyleLbl="node2" presStyleIdx="2" presStyleCnt="3"/>
+      <dgm:spPr/>
+    </dgm:pt>
+    <dgm:pt modelId="{F77A6407-A041-4F06-BFC7-202E13AAF961}" type="pres">
+      <dgm:prSet presAssocID="{A614FAEC-2CE1-4DAB-A61B-DC5B0C2DF112}" presName="hierChild4" presStyleCnt="0"/>
+      <dgm:spPr/>
+    </dgm:pt>
+    <dgm:pt modelId="{7B6D423D-4BFD-4D19-B89A-26C64E5DC62B}" type="pres">
+      <dgm:prSet presAssocID="{A614FAEC-2CE1-4DAB-A61B-DC5B0C2DF112}" presName="hierChild5" presStyleCnt="0"/>
+      <dgm:spPr/>
+    </dgm:pt>
+    <dgm:pt modelId="{CE202E78-1E59-4808-B292-C780A02B05A5}" type="pres">
+      <dgm:prSet presAssocID="{B0D5A71F-24BB-4F27-8577-8B40E716E3B5}" presName="hierChild3" presStyleCnt="0"/>
+      <dgm:spPr/>
+    </dgm:pt>
+  </dgm:ptLst>
+  <dgm:cxnLst>
+    <dgm:cxn modelId="{F8E17903-5605-4F4F-9018-A24F7D7B7CD1}" type="presOf" srcId="{FB9269E4-E822-4815-BB56-0A3B5079D8B8}" destId="{2575D2B9-A48C-48A9-9B5F-96A76BB2EA3A}" srcOrd="0" destOrd="0" presId="urn:microsoft.com/office/officeart/2009/3/layout/HorizontalOrganizationChart"/>
+    <dgm:cxn modelId="{E6970D1F-EBB3-4F0E-96CA-92923BD17848}" type="presOf" srcId="{FB9269E4-E822-4815-BB56-0A3B5079D8B8}" destId="{30815831-E2C5-4306-8188-9F2948FA4E21}" srcOrd="1" destOrd="0" presId="urn:microsoft.com/office/officeart/2009/3/layout/HorizontalOrganizationChart"/>
+    <dgm:cxn modelId="{87B0F23F-6385-4B3D-AD64-13F0EB319F5D}" type="presOf" srcId="{20028FE8-143E-4833-BDF9-C0E2770B03DE}" destId="{D88CA6C8-F1C8-4296-ABF2-E25D6648C20A}" srcOrd="0" destOrd="0" presId="urn:microsoft.com/office/officeart/2009/3/layout/HorizontalOrganizationChart"/>
+    <dgm:cxn modelId="{F3AC6948-0314-42E9-9073-6D2E3D4433FC}" type="presOf" srcId="{77C56C75-A7B7-4E1C-AF10-BF7097DDCC6B}" destId="{86795C6E-63DA-4029-827E-444FA402629E}" srcOrd="0" destOrd="0" presId="urn:microsoft.com/office/officeart/2009/3/layout/HorizontalOrganizationChart"/>
+    <dgm:cxn modelId="{35470A4A-63FB-4ACC-B642-9D0E21E0FB19}" srcId="{B0D5A71F-24BB-4F27-8577-8B40E716E3B5}" destId="{77C56C75-A7B7-4E1C-AF10-BF7097DDCC6B}" srcOrd="1" destOrd="0" parTransId="{D91A8CE2-07B9-4AB8-A1AD-9EE8C4B8F446}" sibTransId="{830BDCE0-C683-4653-B5EA-5AEB98222271}"/>
+    <dgm:cxn modelId="{56119672-79A9-41C8-A140-0404CBB8E69E}" type="presOf" srcId="{A614FAEC-2CE1-4DAB-A61B-DC5B0C2DF112}" destId="{9FBC2CD8-B302-4022-AB0E-42AE40CD38B4}" srcOrd="0" destOrd="0" presId="urn:microsoft.com/office/officeart/2009/3/layout/HorizontalOrganizationChart"/>
+    <dgm:cxn modelId="{A0353E54-8DAC-4C26-A4A6-D06C9DD1BCB7}" type="presOf" srcId="{B0D5A71F-24BB-4F27-8577-8B40E716E3B5}" destId="{35B9B94E-26E7-49AC-B42E-1CAD3A006626}" srcOrd="0" destOrd="0" presId="urn:microsoft.com/office/officeart/2009/3/layout/HorizontalOrganizationChart"/>
+    <dgm:cxn modelId="{C93BEF55-A414-47D2-8557-65249A161520}" type="presOf" srcId="{77C56C75-A7B7-4E1C-AF10-BF7097DDCC6B}" destId="{7574676C-BB26-4CB1-9FAE-2FE7097D60EA}" srcOrd="1" destOrd="0" presId="urn:microsoft.com/office/officeart/2009/3/layout/HorizontalOrganizationChart"/>
+    <dgm:cxn modelId="{50963D57-82D7-447E-B8F0-138AD7E8B4D8}" type="presOf" srcId="{82DBA60C-341E-4A46-AE05-112CEF3B5C6D}" destId="{D0EEEAFD-4C8B-4F09-9EDF-0E5DBA0221FB}" srcOrd="0" destOrd="0" presId="urn:microsoft.com/office/officeart/2009/3/layout/HorizontalOrganizationChart"/>
+    <dgm:cxn modelId="{2C2C5757-1A08-4A27-AAE2-77EF350F62E1}" type="presOf" srcId="{F8DDFC11-B3DD-400B-BB37-6A4A641451B4}" destId="{56C45DEC-50C0-4EB7-A99B-F05622F81FA7}" srcOrd="0" destOrd="0" presId="urn:microsoft.com/office/officeart/2009/3/layout/HorizontalOrganizationChart"/>
+    <dgm:cxn modelId="{939B1F59-5BD2-47D6-944D-B1A946907FB8}" type="presOf" srcId="{D91A8CE2-07B9-4AB8-A1AD-9EE8C4B8F446}" destId="{4D78D305-1A7D-411F-966A-EE91F42498DA}" srcOrd="0" destOrd="0" presId="urn:microsoft.com/office/officeart/2009/3/layout/HorizontalOrganizationChart"/>
+    <dgm:cxn modelId="{1F0FDE79-E8FF-4D5B-8D3C-F845253214AE}" srcId="{F8DDFC11-B3DD-400B-BB37-6A4A641451B4}" destId="{FB9269E4-E822-4815-BB56-0A3B5079D8B8}" srcOrd="0" destOrd="0" parTransId="{F6B7BD09-04EF-4881-AEB2-DD73E5D63B20}" sibTransId="{EC8119DB-55A5-4328-BF95-190D5D6F1119}"/>
+    <dgm:cxn modelId="{8763D67A-D1EC-4136-8392-83092EEBDBCC}" srcId="{B0D5A71F-24BB-4F27-8577-8B40E716E3B5}" destId="{F8DDFC11-B3DD-400B-BB37-6A4A641451B4}" srcOrd="0" destOrd="0" parTransId="{82DBA60C-341E-4A46-AE05-112CEF3B5C6D}" sibTransId="{43D507E8-A320-4BB2-8033-A14B38060936}"/>
+    <dgm:cxn modelId="{99C1FBBA-C5F7-414E-9B92-8601A05D14E1}" srcId="{B0D5A71F-24BB-4F27-8577-8B40E716E3B5}" destId="{A614FAEC-2CE1-4DAB-A61B-DC5B0C2DF112}" srcOrd="2" destOrd="0" parTransId="{20028FE8-143E-4833-BDF9-C0E2770B03DE}" sibTransId="{F4FBA4E3-7C1E-4660-9672-B252CB472E23}"/>
+    <dgm:cxn modelId="{49DA2CC8-E9F0-477E-A507-AA8C65DB061B}" type="presOf" srcId="{F6B7BD09-04EF-4881-AEB2-DD73E5D63B20}" destId="{4F68EF50-5ED0-45AA-9E72-4AEAEF8235EE}" srcOrd="0" destOrd="0" presId="urn:microsoft.com/office/officeart/2009/3/layout/HorizontalOrganizationChart"/>
+    <dgm:cxn modelId="{AFDEBBD7-1993-4E65-8FE1-5EBDB2A8CC5F}" srcId="{AB8AC430-1724-4A93-8287-9CD6A45DFD8E}" destId="{B0D5A71F-24BB-4F27-8577-8B40E716E3B5}" srcOrd="0" destOrd="0" parTransId="{A7C4699D-217F-41C9-9A39-5D48A78C6936}" sibTransId="{C6628C61-7355-4AFA-A809-8AAB703A15C2}"/>
+    <dgm:cxn modelId="{128BC0E1-BA47-4461-952B-96FCF9BE5DC3}" type="presOf" srcId="{AB8AC430-1724-4A93-8287-9CD6A45DFD8E}" destId="{1854F000-E30D-43F0-B937-842AFEA57308}" srcOrd="0" destOrd="0" presId="urn:microsoft.com/office/officeart/2009/3/layout/HorizontalOrganizationChart"/>
+    <dgm:cxn modelId="{9D31C0E9-91C2-4158-B278-A8723C1D3B9B}" type="presOf" srcId="{F8DDFC11-B3DD-400B-BB37-6A4A641451B4}" destId="{CAEC081A-FA63-4521-8BF5-E7B79D588787}" srcOrd="1" destOrd="0" presId="urn:microsoft.com/office/officeart/2009/3/layout/HorizontalOrganizationChart"/>
+    <dgm:cxn modelId="{F2C5BFF7-CB30-4D3A-9B3B-54CACAA82CDE}" type="presOf" srcId="{B0D5A71F-24BB-4F27-8577-8B40E716E3B5}" destId="{78C4F0A8-7C5B-4855-9E7F-1BAD58E7B770}" srcOrd="1" destOrd="0" presId="urn:microsoft.com/office/officeart/2009/3/layout/HorizontalOrganizationChart"/>
+    <dgm:cxn modelId="{681EA0FF-35B3-433D-B18F-E873A0EE0927}" type="presOf" srcId="{A614FAEC-2CE1-4DAB-A61B-DC5B0C2DF112}" destId="{DA37828C-624A-4EA0-B0B7-8F295621F6AF}" srcOrd="1" destOrd="0" presId="urn:microsoft.com/office/officeart/2009/3/layout/HorizontalOrganizationChart"/>
+    <dgm:cxn modelId="{D95D301A-38EF-4477-A5B0-4FAD3A86FECB}" type="presParOf" srcId="{1854F000-E30D-43F0-B937-842AFEA57308}" destId="{C0001853-EF6B-4D69-AF0E-2CCF929E5718}" srcOrd="0" destOrd="0" presId="urn:microsoft.com/office/officeart/2009/3/layout/HorizontalOrganizationChart"/>
+    <dgm:cxn modelId="{9A72FFB8-BAE4-4760-B08D-211578B3DE92}" type="presParOf" srcId="{C0001853-EF6B-4D69-AF0E-2CCF929E5718}" destId="{5F74B67B-BBC8-44AB-8094-40EDA08AD2FD}" srcOrd="0" destOrd="0" presId="urn:microsoft.com/office/officeart/2009/3/layout/HorizontalOrganizationChart"/>
+    <dgm:cxn modelId="{E22EF7C4-7015-4727-B265-CADB152FD217}" type="presParOf" srcId="{5F74B67B-BBC8-44AB-8094-40EDA08AD2FD}" destId="{35B9B94E-26E7-49AC-B42E-1CAD3A006626}" srcOrd="0" destOrd="0" presId="urn:microsoft.com/office/officeart/2009/3/layout/HorizontalOrganizationChart"/>
+    <dgm:cxn modelId="{1D886223-F701-4273-86BE-A7C57428B9D1}" type="presParOf" srcId="{5F74B67B-BBC8-44AB-8094-40EDA08AD2FD}" destId="{78C4F0A8-7C5B-4855-9E7F-1BAD58E7B770}" srcOrd="1" destOrd="0" presId="urn:microsoft.com/office/officeart/2009/3/layout/HorizontalOrganizationChart"/>
+    <dgm:cxn modelId="{4324638C-143D-4689-BE81-748613DE49A9}" type="presParOf" srcId="{C0001853-EF6B-4D69-AF0E-2CCF929E5718}" destId="{568E77E4-6977-4B6A-8B26-E55872EE6DC9}" srcOrd="1" destOrd="0" presId="urn:microsoft.com/office/officeart/2009/3/layout/HorizontalOrganizationChart"/>
+    <dgm:cxn modelId="{BF755099-4FE1-44EA-865A-A22B5D222597}" type="presParOf" srcId="{568E77E4-6977-4B6A-8B26-E55872EE6DC9}" destId="{D0EEEAFD-4C8B-4F09-9EDF-0E5DBA0221FB}" srcOrd="0" destOrd="0" presId="urn:microsoft.com/office/officeart/2009/3/layout/HorizontalOrganizationChart"/>
+    <dgm:cxn modelId="{2FD199C1-71FA-486B-A8DD-A27C41CFB610}" type="presParOf" srcId="{568E77E4-6977-4B6A-8B26-E55872EE6DC9}" destId="{2FA022F0-2CAD-4965-89E1-46BA3CA5EBF1}" srcOrd="1" destOrd="0" presId="urn:microsoft.com/office/officeart/2009/3/layout/HorizontalOrganizationChart"/>
+    <dgm:cxn modelId="{9B56F08E-94FA-422C-AF37-560F1D5A3101}" type="presParOf" srcId="{2FA022F0-2CAD-4965-89E1-46BA3CA5EBF1}" destId="{05269A17-E956-4852-85E8-EFF613602074}" srcOrd="0" destOrd="0" presId="urn:microsoft.com/office/officeart/2009/3/layout/HorizontalOrganizationChart"/>
+    <dgm:cxn modelId="{1006925B-2C98-4C44-BC4E-6C23E406E817}" type="presParOf" srcId="{05269A17-E956-4852-85E8-EFF613602074}" destId="{56C45DEC-50C0-4EB7-A99B-F05622F81FA7}" srcOrd="0" destOrd="0" presId="urn:microsoft.com/office/officeart/2009/3/layout/HorizontalOrganizationChart"/>
+    <dgm:cxn modelId="{B1367F3D-AC69-4DAD-8253-EB4B98D14B9D}" type="presParOf" srcId="{05269A17-E956-4852-85E8-EFF613602074}" destId="{CAEC081A-FA63-4521-8BF5-E7B79D588787}" srcOrd="1" destOrd="0" presId="urn:microsoft.com/office/officeart/2009/3/layout/HorizontalOrganizationChart"/>
+    <dgm:cxn modelId="{0245F198-EB1B-4C9E-BB7B-D067F484E056}" type="presParOf" srcId="{2FA022F0-2CAD-4965-89E1-46BA3CA5EBF1}" destId="{550F29B9-1B0C-4014-8898-7EDF7B7EE005}" srcOrd="1" destOrd="0" presId="urn:microsoft.com/office/officeart/2009/3/layout/HorizontalOrganizationChart"/>
+    <dgm:cxn modelId="{B61CF52A-2B5F-489D-8087-E7251EF98BAD}" type="presParOf" srcId="{550F29B9-1B0C-4014-8898-7EDF7B7EE005}" destId="{4F68EF50-5ED0-45AA-9E72-4AEAEF8235EE}" srcOrd="0" destOrd="0" presId="urn:microsoft.com/office/officeart/2009/3/layout/HorizontalOrganizationChart"/>
+    <dgm:cxn modelId="{ABE4E9C3-9664-49E2-89E2-D46A3FA85D5C}" type="presParOf" srcId="{550F29B9-1B0C-4014-8898-7EDF7B7EE005}" destId="{36EFDA7C-A789-406E-BCEF-832858752049}" srcOrd="1" destOrd="0" presId="urn:microsoft.com/office/officeart/2009/3/layout/HorizontalOrganizationChart"/>
+    <dgm:cxn modelId="{39367E86-10EB-4D1F-88CC-5B4D7F442A98}" type="presParOf" srcId="{36EFDA7C-A789-406E-BCEF-832858752049}" destId="{160B68AB-CBDB-4AC7-88A3-ED565DD26DE0}" srcOrd="0" destOrd="0" presId="urn:microsoft.com/office/officeart/2009/3/layout/HorizontalOrganizationChart"/>
+    <dgm:cxn modelId="{B3DC440C-E725-4362-BD90-07C101929CBE}" type="presParOf" srcId="{160B68AB-CBDB-4AC7-88A3-ED565DD26DE0}" destId="{2575D2B9-A48C-48A9-9B5F-96A76BB2EA3A}" srcOrd="0" destOrd="0" presId="urn:microsoft.com/office/officeart/2009/3/layout/HorizontalOrganizationChart"/>
+    <dgm:cxn modelId="{AAD1455E-A811-4367-AB41-337EAB8978AF}" type="presParOf" srcId="{160B68AB-CBDB-4AC7-88A3-ED565DD26DE0}" destId="{30815831-E2C5-4306-8188-9F2948FA4E21}" srcOrd="1" destOrd="0" presId="urn:microsoft.com/office/officeart/2009/3/layout/HorizontalOrganizationChart"/>
+    <dgm:cxn modelId="{0098EBF0-68D2-4811-8F8F-EBD7B903C057}" type="presParOf" srcId="{36EFDA7C-A789-406E-BCEF-832858752049}" destId="{F24DA3D2-E04A-4CA0-8B93-7C32CF5DBE23}" srcOrd="1" destOrd="0" presId="urn:microsoft.com/office/officeart/2009/3/layout/HorizontalOrganizationChart"/>
+    <dgm:cxn modelId="{C65FC10E-62B7-44E0-94F0-651938D48782}" type="presParOf" srcId="{36EFDA7C-A789-406E-BCEF-832858752049}" destId="{B46F0DEC-E46D-4DB2-AD4A-06C5D8667F79}" srcOrd="2" destOrd="0" presId="urn:microsoft.com/office/officeart/2009/3/layout/HorizontalOrganizationChart"/>
+    <dgm:cxn modelId="{5323C656-7426-46C4-A71A-F1A4F33F7D30}" type="presParOf" srcId="{2FA022F0-2CAD-4965-89E1-46BA3CA5EBF1}" destId="{61817994-C499-402B-B107-D2C313EC8A1C}" srcOrd="2" destOrd="0" presId="urn:microsoft.com/office/officeart/2009/3/layout/HorizontalOrganizationChart"/>
+    <dgm:cxn modelId="{0ECBC577-07AE-4FF2-8607-1DF2646CBC89}" type="presParOf" srcId="{568E77E4-6977-4B6A-8B26-E55872EE6DC9}" destId="{4D78D305-1A7D-411F-966A-EE91F42498DA}" srcOrd="2" destOrd="0" presId="urn:microsoft.com/office/officeart/2009/3/layout/HorizontalOrganizationChart"/>
+    <dgm:cxn modelId="{EF8CBE4A-72C7-4B16-AAC8-10135DB0BD29}" type="presParOf" srcId="{568E77E4-6977-4B6A-8B26-E55872EE6DC9}" destId="{F33751BB-D748-4A0E-805F-0D5A2F9ADA1A}" srcOrd="3" destOrd="0" presId="urn:microsoft.com/office/officeart/2009/3/layout/HorizontalOrganizationChart"/>
+    <dgm:cxn modelId="{6EAFBE34-4687-4B48-8F63-27E2CF3C5E9E}" type="presParOf" srcId="{F33751BB-D748-4A0E-805F-0D5A2F9ADA1A}" destId="{4789F7BD-0416-4775-8651-BA1981829812}" srcOrd="0" destOrd="0" presId="urn:microsoft.com/office/officeart/2009/3/layout/HorizontalOrganizationChart"/>
+    <dgm:cxn modelId="{2F01EFBD-A0C4-4914-A429-3552FF3599A1}" type="presParOf" srcId="{4789F7BD-0416-4775-8651-BA1981829812}" destId="{86795C6E-63DA-4029-827E-444FA402629E}" srcOrd="0" destOrd="0" presId="urn:microsoft.com/office/officeart/2009/3/layout/HorizontalOrganizationChart"/>
+    <dgm:cxn modelId="{BEBCF381-DE4B-42F1-9C84-7C29F3E517A2}" type="presParOf" srcId="{4789F7BD-0416-4775-8651-BA1981829812}" destId="{7574676C-BB26-4CB1-9FAE-2FE7097D60EA}" srcOrd="1" destOrd="0" presId="urn:microsoft.com/office/officeart/2009/3/layout/HorizontalOrganizationChart"/>
+    <dgm:cxn modelId="{76ABE40E-823A-4ED9-8ED4-AC60E112A27D}" type="presParOf" srcId="{F33751BB-D748-4A0E-805F-0D5A2F9ADA1A}" destId="{3BA58D95-A07A-4678-A7EB-9A9DD347B83B}" srcOrd="1" destOrd="0" presId="urn:microsoft.com/office/officeart/2009/3/layout/HorizontalOrganizationChart"/>
+    <dgm:cxn modelId="{8DA3BEAB-AE6D-40A7-95C6-AE54C8015508}" type="presParOf" srcId="{F33751BB-D748-4A0E-805F-0D5A2F9ADA1A}" destId="{7CEABB5A-A030-4482-9D3D-0BD747F3807C}" srcOrd="2" destOrd="0" presId="urn:microsoft.com/office/officeart/2009/3/layout/HorizontalOrganizationChart"/>
+    <dgm:cxn modelId="{7CCC60D1-4823-4476-BB34-83D860758BA0}" type="presParOf" srcId="{568E77E4-6977-4B6A-8B26-E55872EE6DC9}" destId="{D88CA6C8-F1C8-4296-ABF2-E25D6648C20A}" srcOrd="4" destOrd="0" presId="urn:microsoft.com/office/officeart/2009/3/layout/HorizontalOrganizationChart"/>
+    <dgm:cxn modelId="{C2AF4EF3-1E8B-471D-82FF-1C2C46F84341}" type="presParOf" srcId="{568E77E4-6977-4B6A-8B26-E55872EE6DC9}" destId="{3629E66D-A0FD-47E4-8CF3-DD6FF5458E7A}" srcOrd="5" destOrd="0" presId="urn:microsoft.com/office/officeart/2009/3/layout/HorizontalOrganizationChart"/>
+    <dgm:cxn modelId="{8AB96D45-1F40-48F6-8C1E-ABC34AD413F6}" type="presParOf" srcId="{3629E66D-A0FD-47E4-8CF3-DD6FF5458E7A}" destId="{F9390976-F5D0-4B53-ACA4-669B60F783A1}" srcOrd="0" destOrd="0" presId="urn:microsoft.com/office/officeart/2009/3/layout/HorizontalOrganizationChart"/>
+    <dgm:cxn modelId="{5369D41C-C77C-4E9D-8E32-90CE2AEBECB0}" type="presParOf" srcId="{F9390976-F5D0-4B53-ACA4-669B60F783A1}" destId="{9FBC2CD8-B302-4022-AB0E-42AE40CD38B4}" srcOrd="0" destOrd="0" presId="urn:microsoft.com/office/officeart/2009/3/layout/HorizontalOrganizationChart"/>
+    <dgm:cxn modelId="{B10E6DA4-FFAE-4588-BB42-F559DDE0B1D9}" type="presParOf" srcId="{F9390976-F5D0-4B53-ACA4-669B60F783A1}" destId="{DA37828C-624A-4EA0-B0B7-8F295621F6AF}" srcOrd="1" destOrd="0" presId="urn:microsoft.com/office/officeart/2009/3/layout/HorizontalOrganizationChart"/>
+    <dgm:cxn modelId="{1FCC4233-6F66-46BC-837B-1146BADF834C}" type="presParOf" srcId="{3629E66D-A0FD-47E4-8CF3-DD6FF5458E7A}" destId="{F77A6407-A041-4F06-BFC7-202E13AAF961}" srcOrd="1" destOrd="0" presId="urn:microsoft.com/office/officeart/2009/3/layout/HorizontalOrganizationChart"/>
+    <dgm:cxn modelId="{310B8F74-4278-407B-93A7-F0AC33D4E8D8}" type="presParOf" srcId="{3629E66D-A0FD-47E4-8CF3-DD6FF5458E7A}" destId="{7B6D423D-4BFD-4D19-B89A-26C64E5DC62B}" srcOrd="2" destOrd="0" presId="urn:microsoft.com/office/officeart/2009/3/layout/HorizontalOrganizationChart"/>
+    <dgm:cxn modelId="{8A7D46E9-4612-4849-8263-D9799A2BDB95}" type="presParOf" srcId="{C0001853-EF6B-4D69-AF0E-2CCF929E5718}" destId="{CE202E78-1E59-4808-B292-C780A02B05A5}" srcOrd="2" destOrd="0" presId="urn:microsoft.com/office/officeart/2009/3/layout/HorizontalOrganizationChart"/>
+  </dgm:cxnLst>
+  <dgm:bg/>
+  <dgm:whole/>
+  <dgm:extLst>
+    <a:ext uri="http://schemas.microsoft.com/office/drawing/2008/diagram">
+      <dsp:dataModelExt xmlns:dsp="http://schemas.microsoft.com/office/drawing/2008/diagram" relId="rId6" minVer="http://schemas.openxmlformats.org/drawingml/2006/diagram"/>
+    </a:ext>
+  </dgm:extLst>
+</dgm:dataModel>
+</file>
+
+<file path=ppt/diagrams/drawing1.xml><?xml version="1.0" encoding="utf-8"?>
+<dsp:drawing xmlns:dgm="http://schemas.openxmlformats.org/drawingml/2006/diagram" xmlns:dsp="http://schemas.microsoft.com/office/drawing/2008/diagram" xmlns:a="http://schemas.openxmlformats.org/drawingml/2006/main">
+  <dsp:spTree>
+    <dsp:nvGrpSpPr>
+      <dsp:cNvPr id="0" name=""/>
+      <dsp:cNvGrpSpPr/>
+    </dsp:nvGrpSpPr>
+    <dsp:grpSpPr/>
+    <dsp:sp modelId="{D88CA6C8-F1C8-4296-ABF2-E25D6648C20A}">
+      <dsp:nvSpPr>
+        <dsp:cNvPr id="0" name=""/>
+        <dsp:cNvSpPr/>
+      </dsp:nvSpPr>
+      <dsp:spPr>
+        <a:xfrm>
+          <a:off x="2391916" y="2709333"/>
+          <a:ext cx="477738" cy="1027137"/>
+        </a:xfrm>
+        <a:custGeom>
+          <a:avLst/>
+          <a:gdLst/>
+          <a:ahLst/>
+          <a:cxnLst/>
+          <a:rect l="0" t="0" r="0" b="0"/>
+          <a:pathLst>
+            <a:path>
+              <a:moveTo>
+                <a:pt x="0" y="0"/>
+              </a:moveTo>
+              <a:lnTo>
+                <a:pt x="238869" y="0"/>
+              </a:lnTo>
+              <a:lnTo>
+                <a:pt x="238869" y="1027137"/>
+              </a:lnTo>
+              <a:lnTo>
+                <a:pt x="477738" y="1027137"/>
+              </a:lnTo>
+            </a:path>
+          </a:pathLst>
+        </a:custGeom>
+        <a:noFill/>
+        <a:ln w="12700" cap="flat" cmpd="sng" algn="ctr">
+          <a:solidFill>
+            <a:schemeClr val="accent1">
+              <a:shade val="60000"/>
+              <a:hueOff val="0"/>
+              <a:satOff val="0"/>
+              <a:lumOff val="0"/>
+              <a:alphaOff val="0"/>
+            </a:schemeClr>
+          </a:solidFill>
+          <a:prstDash val="solid"/>
+          <a:miter lim="800000"/>
+        </a:ln>
+        <a:effectLst/>
+      </dsp:spPr>
+      <dsp:style>
+        <a:lnRef idx="2">
+          <a:scrgbClr r="0" g="0" b="0"/>
+        </a:lnRef>
+        <a:fillRef idx="0">
+          <a:scrgbClr r="0" g="0" b="0"/>
+        </a:fillRef>
+        <a:effectRef idx="0">
+          <a:scrgbClr r="0" g="0" b="0"/>
+        </a:effectRef>
+        <a:fontRef idx="minor"/>
+      </dsp:style>
+    </dsp:sp>
+    <dsp:sp modelId="{4D78D305-1A7D-411F-966A-EE91F42498DA}">
+      <dsp:nvSpPr>
+        <dsp:cNvPr id="0" name=""/>
+        <dsp:cNvSpPr/>
+      </dsp:nvSpPr>
+      <dsp:spPr>
+        <a:xfrm>
+          <a:off x="2391916" y="2663613"/>
+          <a:ext cx="477738" cy="91440"/>
+        </a:xfrm>
+        <a:custGeom>
+          <a:avLst/>
+          <a:gdLst/>
+          <a:ahLst/>
+          <a:cxnLst/>
+          <a:rect l="0" t="0" r="0" b="0"/>
+          <a:pathLst>
+            <a:path>
+              <a:moveTo>
+                <a:pt x="0" y="45720"/>
+              </a:moveTo>
+              <a:lnTo>
+                <a:pt x="477738" y="45720"/>
+              </a:lnTo>
+            </a:path>
+          </a:pathLst>
+        </a:custGeom>
+        <a:noFill/>
+        <a:ln w="12700" cap="flat" cmpd="sng" algn="ctr">
+          <a:solidFill>
+            <a:schemeClr val="accent1">
+              <a:shade val="60000"/>
+              <a:hueOff val="0"/>
+              <a:satOff val="0"/>
+              <a:lumOff val="0"/>
+              <a:alphaOff val="0"/>
+            </a:schemeClr>
+          </a:solidFill>
+          <a:prstDash val="solid"/>
+          <a:miter lim="800000"/>
+        </a:ln>
+        <a:effectLst/>
+      </dsp:spPr>
+      <dsp:style>
+        <a:lnRef idx="2">
+          <a:scrgbClr r="0" g="0" b="0"/>
+        </a:lnRef>
+        <a:fillRef idx="0">
+          <a:scrgbClr r="0" g="0" b="0"/>
+        </a:fillRef>
+        <a:effectRef idx="0">
+          <a:scrgbClr r="0" g="0" b="0"/>
+        </a:effectRef>
+        <a:fontRef idx="minor"/>
+      </dsp:style>
+    </dsp:sp>
+    <dsp:sp modelId="{4F68EF50-5ED0-45AA-9E72-4AEAEF8235EE}">
+      <dsp:nvSpPr>
+        <dsp:cNvPr id="0" name=""/>
+        <dsp:cNvSpPr/>
+      </dsp:nvSpPr>
+      <dsp:spPr>
+        <a:xfrm>
+          <a:off x="5258345" y="1682196"/>
+          <a:ext cx="480962" cy="1027140"/>
+        </a:xfrm>
+        <a:custGeom>
+          <a:avLst/>
+          <a:gdLst/>
+          <a:ahLst/>
+          <a:cxnLst/>
+          <a:rect l="0" t="0" r="0" b="0"/>
+          <a:pathLst>
+            <a:path>
+              <a:moveTo>
+                <a:pt x="0" y="0"/>
+              </a:moveTo>
+              <a:lnTo>
+                <a:pt x="242093" y="0"/>
+              </a:lnTo>
+              <a:lnTo>
+                <a:pt x="242093" y="1027140"/>
+              </a:lnTo>
+              <a:lnTo>
+                <a:pt x="480962" y="1027140"/>
+              </a:lnTo>
+            </a:path>
+          </a:pathLst>
+        </a:custGeom>
+        <a:noFill/>
+        <a:ln w="12700" cap="flat" cmpd="sng" algn="ctr">
+          <a:solidFill>
+            <a:schemeClr val="accent1">
+              <a:shade val="80000"/>
+              <a:hueOff val="0"/>
+              <a:satOff val="0"/>
+              <a:lumOff val="0"/>
+              <a:alphaOff val="0"/>
+            </a:schemeClr>
+          </a:solidFill>
+          <a:prstDash val="solid"/>
+          <a:miter lim="800000"/>
+        </a:ln>
+        <a:effectLst/>
+      </dsp:spPr>
+      <dsp:style>
+        <a:lnRef idx="2">
+          <a:scrgbClr r="0" g="0" b="0"/>
+        </a:lnRef>
+        <a:fillRef idx="0">
+          <a:scrgbClr r="0" g="0" b="0"/>
+        </a:fillRef>
+        <a:effectRef idx="0">
+          <a:scrgbClr r="0" g="0" b="0"/>
+        </a:effectRef>
+        <a:fontRef idx="minor"/>
+      </dsp:style>
+    </dsp:sp>
+    <dsp:sp modelId="{D0EEEAFD-4C8B-4F09-9EDF-0E5DBA0221FB}">
+      <dsp:nvSpPr>
+        <dsp:cNvPr id="0" name=""/>
+        <dsp:cNvSpPr/>
+      </dsp:nvSpPr>
+      <dsp:spPr>
+        <a:xfrm>
+          <a:off x="2391916" y="1682196"/>
+          <a:ext cx="477738" cy="1027137"/>
+        </a:xfrm>
+        <a:custGeom>
+          <a:avLst/>
+          <a:gdLst/>
+          <a:ahLst/>
+          <a:cxnLst/>
+          <a:rect l="0" t="0" r="0" b="0"/>
+          <a:pathLst>
+            <a:path>
+              <a:moveTo>
+                <a:pt x="0" y="1027137"/>
+              </a:moveTo>
+              <a:lnTo>
+                <a:pt x="238869" y="1027137"/>
+              </a:lnTo>
+              <a:lnTo>
+                <a:pt x="238869" y="0"/>
+              </a:lnTo>
+              <a:lnTo>
+                <a:pt x="477738" y="0"/>
+              </a:lnTo>
+            </a:path>
+          </a:pathLst>
+        </a:custGeom>
+        <a:noFill/>
+        <a:ln w="12700" cap="flat" cmpd="sng" algn="ctr">
+          <a:solidFill>
+            <a:schemeClr val="accent1">
+              <a:shade val="60000"/>
+              <a:hueOff val="0"/>
+              <a:satOff val="0"/>
+              <a:lumOff val="0"/>
+              <a:alphaOff val="0"/>
+            </a:schemeClr>
+          </a:solidFill>
+          <a:prstDash val="solid"/>
+          <a:miter lim="800000"/>
+        </a:ln>
+        <a:effectLst/>
+      </dsp:spPr>
+      <dsp:style>
+        <a:lnRef idx="2">
+          <a:scrgbClr r="0" g="0" b="0"/>
+        </a:lnRef>
+        <a:fillRef idx="0">
+          <a:scrgbClr r="0" g="0" b="0"/>
+        </a:fillRef>
+        <a:effectRef idx="0">
+          <a:scrgbClr r="0" g="0" b="0"/>
+        </a:effectRef>
+        <a:fontRef idx="minor"/>
+      </dsp:style>
+    </dsp:sp>
+    <dsp:sp modelId="{35B9B94E-26E7-49AC-B42E-1CAD3A006626}">
+      <dsp:nvSpPr>
+        <dsp:cNvPr id="0" name=""/>
+        <dsp:cNvSpPr/>
+      </dsp:nvSpPr>
+      <dsp:spPr>
+        <a:xfrm>
+          <a:off x="3224" y="2345058"/>
+          <a:ext cx="2388691" cy="728550"/>
+        </a:xfrm>
+        <a:prstGeom prst="rect">
+          <a:avLst/>
+        </a:prstGeom>
+        <a:solidFill>
+          <a:schemeClr val="accent1">
+            <a:hueOff val="0"/>
+            <a:satOff val="0"/>
+            <a:lumOff val="0"/>
+            <a:alphaOff val="0"/>
+          </a:schemeClr>
+        </a:solidFill>
+        <a:ln w="12700" cap="flat" cmpd="sng" algn="ctr">
+          <a:solidFill>
+            <a:schemeClr val="lt1">
+              <a:hueOff val="0"/>
+              <a:satOff val="0"/>
+              <a:lumOff val="0"/>
+              <a:alphaOff val="0"/>
+            </a:schemeClr>
+          </a:solidFill>
+          <a:prstDash val="solid"/>
+          <a:miter lim="800000"/>
+        </a:ln>
+        <a:effectLst/>
+      </dsp:spPr>
+      <dsp:style>
+        <a:lnRef idx="2">
+          <a:scrgbClr r="0" g="0" b="0"/>
+        </a:lnRef>
+        <a:fillRef idx="1">
+          <a:scrgbClr r="0" g="0" b="0"/>
+        </a:fillRef>
+        <a:effectRef idx="0">
+          <a:scrgbClr r="0" g="0" b="0"/>
+        </a:effectRef>
+        <a:fontRef idx="minor">
+          <a:schemeClr val="lt1"/>
+        </a:fontRef>
+      </dsp:style>
+      <dsp:txBody>
+        <a:bodyPr spcFirstLastPara="0" vert="horz" wrap="square" lIns="26035" tIns="26035" rIns="26035" bIns="26035" numCol="1" spcCol="1270" anchor="ctr" anchorCtr="0">
+          <a:noAutofit/>
+        </a:bodyPr>
+        <a:lstStyle/>
+        <a:p>
+          <a:pPr marL="0" lvl="0" indent="0" algn="ctr" defTabSz="1822450">
+            <a:lnSpc>
+              <a:spcPct val="90000"/>
+            </a:lnSpc>
+            <a:spcBef>
+              <a:spcPct val="0"/>
+            </a:spcBef>
+            <a:spcAft>
+              <a:spcPct val="35000"/>
+            </a:spcAft>
+            <a:buNone/>
+          </a:pPr>
+          <a:r>
+            <a:rPr lang="en-US" sz="4100" kern="1200" dirty="0"/>
+            <a:t>Terminator</a:t>
+          </a:r>
+        </a:p>
+      </dsp:txBody>
+      <dsp:txXfrm>
+        <a:off x="3224" y="2345058"/>
+        <a:ext cx="2388691" cy="728550"/>
+      </dsp:txXfrm>
+    </dsp:sp>
+    <dsp:sp modelId="{56C45DEC-50C0-4EB7-A99B-F05622F81FA7}">
+      <dsp:nvSpPr>
+        <dsp:cNvPr id="0" name=""/>
+        <dsp:cNvSpPr/>
+      </dsp:nvSpPr>
+      <dsp:spPr>
+        <a:xfrm>
+          <a:off x="2869654" y="1317920"/>
+          <a:ext cx="2388691" cy="728550"/>
+        </a:xfrm>
+        <a:prstGeom prst="rect">
+          <a:avLst/>
+        </a:prstGeom>
+        <a:solidFill>
+          <a:schemeClr val="accent1">
+            <a:hueOff val="0"/>
+            <a:satOff val="0"/>
+            <a:lumOff val="0"/>
+            <a:alphaOff val="0"/>
+          </a:schemeClr>
+        </a:solidFill>
+        <a:ln w="12700" cap="flat" cmpd="sng" algn="ctr">
+          <a:solidFill>
+            <a:schemeClr val="lt1">
+              <a:hueOff val="0"/>
+              <a:satOff val="0"/>
+              <a:lumOff val="0"/>
+              <a:alphaOff val="0"/>
+            </a:schemeClr>
+          </a:solidFill>
+          <a:prstDash val="solid"/>
+          <a:miter lim="800000"/>
+        </a:ln>
+        <a:effectLst/>
+      </dsp:spPr>
+      <dsp:style>
+        <a:lnRef idx="2">
+          <a:scrgbClr r="0" g="0" b="0"/>
+        </a:lnRef>
+        <a:fillRef idx="1">
+          <a:scrgbClr r="0" g="0" b="0"/>
+        </a:fillRef>
+        <a:effectRef idx="0">
+          <a:scrgbClr r="0" g="0" b="0"/>
+        </a:effectRef>
+        <a:fontRef idx="minor">
+          <a:schemeClr val="lt1"/>
+        </a:fontRef>
+      </dsp:style>
+      <dsp:txBody>
+        <a:bodyPr spcFirstLastPara="0" vert="horz" wrap="square" lIns="26035" tIns="26035" rIns="26035" bIns="26035" numCol="1" spcCol="1270" anchor="ctr" anchorCtr="0">
+          <a:noAutofit/>
+        </a:bodyPr>
+        <a:lstStyle/>
+        <a:p>
+          <a:pPr marL="0" lvl="0" indent="0" algn="ctr" defTabSz="1822450">
+            <a:lnSpc>
+              <a:spcPct val="90000"/>
+            </a:lnSpc>
+            <a:spcBef>
+              <a:spcPct val="0"/>
+            </a:spcBef>
+            <a:spcAft>
+              <a:spcPct val="35000"/>
+            </a:spcAft>
+            <a:buNone/>
+          </a:pPr>
+          <a:r>
+            <a:rPr lang="en-US" sz="4100" kern="1200" dirty="0"/>
+            <a:t>time</a:t>
+          </a:r>
+        </a:p>
+      </dsp:txBody>
+      <dsp:txXfrm>
+        <a:off x="2869654" y="1317920"/>
+        <a:ext cx="2388691" cy="728550"/>
+      </dsp:txXfrm>
+    </dsp:sp>
+    <dsp:sp modelId="{2575D2B9-A48C-48A9-9B5F-96A76BB2EA3A}">
+      <dsp:nvSpPr>
+        <dsp:cNvPr id="0" name=""/>
+        <dsp:cNvSpPr/>
+      </dsp:nvSpPr>
+      <dsp:spPr>
+        <a:xfrm>
+          <a:off x="5739308" y="2345060"/>
+          <a:ext cx="2388691" cy="728550"/>
+        </a:xfrm>
+        <a:prstGeom prst="rect">
+          <a:avLst/>
+        </a:prstGeom>
+        <a:solidFill>
+          <a:schemeClr val="accent1">
+            <a:hueOff val="0"/>
+            <a:satOff val="0"/>
+            <a:lumOff val="0"/>
+            <a:alphaOff val="0"/>
+          </a:schemeClr>
+        </a:solidFill>
+        <a:ln w="12700" cap="flat" cmpd="sng" algn="ctr">
+          <a:solidFill>
+            <a:schemeClr val="lt1">
+              <a:hueOff val="0"/>
+              <a:satOff val="0"/>
+              <a:lumOff val="0"/>
+              <a:alphaOff val="0"/>
+            </a:schemeClr>
+          </a:solidFill>
+          <a:prstDash val="solid"/>
+          <a:miter lim="800000"/>
+        </a:ln>
+        <a:effectLst/>
+      </dsp:spPr>
+      <dsp:style>
+        <a:lnRef idx="2">
+          <a:scrgbClr r="0" g="0" b="0"/>
+        </a:lnRef>
+        <a:fillRef idx="1">
+          <a:scrgbClr r="0" g="0" b="0"/>
+        </a:fillRef>
+        <a:effectRef idx="0">
+          <a:scrgbClr r="0" g="0" b="0"/>
+        </a:effectRef>
+        <a:fontRef idx="minor">
+          <a:schemeClr val="lt1"/>
+        </a:fontRef>
+      </dsp:style>
+      <dsp:txBody>
+        <a:bodyPr spcFirstLastPara="0" vert="horz" wrap="square" lIns="26035" tIns="26035" rIns="26035" bIns="26035" numCol="1" spcCol="1270" anchor="ctr" anchorCtr="0">
+          <a:noAutofit/>
+        </a:bodyPr>
+        <a:lstStyle/>
+        <a:p>
+          <a:pPr marL="0" lvl="0" indent="0" algn="ctr" defTabSz="1822450">
+            <a:lnSpc>
+              <a:spcPct val="90000"/>
+            </a:lnSpc>
+            <a:spcBef>
+              <a:spcPct val="0"/>
+            </a:spcBef>
+            <a:spcAft>
+              <a:spcPct val="35000"/>
+            </a:spcAft>
+            <a:buNone/>
+          </a:pPr>
+          <a:r>
+            <a:rPr lang="en-US" sz="4100" kern="1200" dirty="0"/>
+            <a:t>it</a:t>
+          </a:r>
+        </a:p>
+      </dsp:txBody>
+      <dsp:txXfrm>
+        <a:off x="5739308" y="2345060"/>
+        <a:ext cx="2388691" cy="728550"/>
+      </dsp:txXfrm>
+    </dsp:sp>
+    <dsp:sp modelId="{86795C6E-63DA-4029-827E-444FA402629E}">
+      <dsp:nvSpPr>
+        <dsp:cNvPr id="0" name=""/>
+        <dsp:cNvSpPr/>
+      </dsp:nvSpPr>
+      <dsp:spPr>
+        <a:xfrm>
+          <a:off x="2869654" y="2345058"/>
+          <a:ext cx="2388691" cy="728550"/>
+        </a:xfrm>
+        <a:prstGeom prst="rect">
+          <a:avLst/>
+        </a:prstGeom>
+        <a:solidFill>
+          <a:schemeClr val="accent1">
+            <a:hueOff val="0"/>
+            <a:satOff val="0"/>
+            <a:lumOff val="0"/>
+            <a:alphaOff val="0"/>
+          </a:schemeClr>
+        </a:solidFill>
+        <a:ln w="12700" cap="flat" cmpd="sng" algn="ctr">
+          <a:solidFill>
+            <a:schemeClr val="lt1">
+              <a:hueOff val="0"/>
+              <a:satOff val="0"/>
+              <a:lumOff val="0"/>
+              <a:alphaOff val="0"/>
+            </a:schemeClr>
+          </a:solidFill>
+          <a:prstDash val="solid"/>
+          <a:miter lim="800000"/>
+        </a:ln>
+        <a:effectLst/>
+      </dsp:spPr>
+      <dsp:style>
+        <a:lnRef idx="2">
+          <a:scrgbClr r="0" g="0" b="0"/>
+        </a:lnRef>
+        <a:fillRef idx="1">
+          <a:scrgbClr r="0" g="0" b="0"/>
+        </a:fillRef>
+        <a:effectRef idx="0">
+          <a:scrgbClr r="0" g="0" b="0"/>
+        </a:effectRef>
+        <a:fontRef idx="minor">
+          <a:schemeClr val="lt1"/>
+        </a:fontRef>
+      </dsp:style>
+      <dsp:txBody>
+        <a:bodyPr spcFirstLastPara="0" vert="horz" wrap="square" lIns="26035" tIns="26035" rIns="26035" bIns="26035" numCol="1" spcCol="1270" anchor="ctr" anchorCtr="0">
+          <a:noAutofit/>
+        </a:bodyPr>
+        <a:lstStyle/>
+        <a:p>
+          <a:pPr marL="0" lvl="0" indent="0" algn="ctr" defTabSz="1822450">
+            <a:lnSpc>
+              <a:spcPct val="90000"/>
+            </a:lnSpc>
+            <a:spcBef>
+              <a:spcPct val="0"/>
+            </a:spcBef>
+            <a:spcAft>
+              <a:spcPct val="35000"/>
+            </a:spcAft>
+            <a:buNone/>
+          </a:pPr>
+          <a:r>
+            <a:rPr lang="en-US" sz="4100" kern="1200" dirty="0"/>
+            <a:t>emit</a:t>
+          </a:r>
+        </a:p>
+      </dsp:txBody>
+      <dsp:txXfrm>
+        <a:off x="2869654" y="2345058"/>
+        <a:ext cx="2388691" cy="728550"/>
+      </dsp:txXfrm>
+    </dsp:sp>
+    <dsp:sp modelId="{9FBC2CD8-B302-4022-AB0E-42AE40CD38B4}">
+      <dsp:nvSpPr>
+        <dsp:cNvPr id="0" name=""/>
+        <dsp:cNvSpPr/>
+      </dsp:nvSpPr>
+      <dsp:spPr>
+        <a:xfrm>
+          <a:off x="2869654" y="3372195"/>
+          <a:ext cx="2388691" cy="728550"/>
+        </a:xfrm>
+        <a:prstGeom prst="rect">
+          <a:avLst/>
+        </a:prstGeom>
+        <a:solidFill>
+          <a:schemeClr val="accent1">
+            <a:hueOff val="0"/>
+            <a:satOff val="0"/>
+            <a:lumOff val="0"/>
+            <a:alphaOff val="0"/>
+          </a:schemeClr>
+        </a:solidFill>
+        <a:ln w="12700" cap="flat" cmpd="sng" algn="ctr">
+          <a:solidFill>
+            <a:schemeClr val="lt1">
+              <a:hueOff val="0"/>
+              <a:satOff val="0"/>
+              <a:lumOff val="0"/>
+              <a:alphaOff val="0"/>
+            </a:schemeClr>
+          </a:solidFill>
+          <a:prstDash val="solid"/>
+          <a:miter lim="800000"/>
+        </a:ln>
+        <a:effectLst/>
+      </dsp:spPr>
+      <dsp:style>
+        <a:lnRef idx="2">
+          <a:scrgbClr r="0" g="0" b="0"/>
+        </a:lnRef>
+        <a:fillRef idx="1">
+          <a:scrgbClr r="0" g="0" b="0"/>
+        </a:fillRef>
+        <a:effectRef idx="0">
+          <a:scrgbClr r="0" g="0" b="0"/>
+        </a:effectRef>
+        <a:fontRef idx="minor">
+          <a:schemeClr val="lt1"/>
+        </a:fontRef>
+      </dsp:style>
+      <dsp:txBody>
+        <a:bodyPr spcFirstLastPara="0" vert="horz" wrap="square" lIns="26035" tIns="26035" rIns="26035" bIns="26035" numCol="1" spcCol="1270" anchor="ctr" anchorCtr="0">
+          <a:noAutofit/>
+        </a:bodyPr>
+        <a:lstStyle/>
+        <a:p>
+          <a:pPr marL="0" lvl="0" indent="0" algn="ctr" defTabSz="1822450">
+            <a:lnSpc>
+              <a:spcPct val="90000"/>
+            </a:lnSpc>
+            <a:spcBef>
+              <a:spcPct val="0"/>
+            </a:spcBef>
+            <a:spcAft>
+              <a:spcPct val="35000"/>
+            </a:spcAft>
+            <a:buNone/>
+          </a:pPr>
+          <a:r>
+            <a:rPr lang="en-US" sz="4100" kern="1200" dirty="0"/>
+            <a:t>Item</a:t>
+          </a:r>
+        </a:p>
+      </dsp:txBody>
+      <dsp:txXfrm>
+        <a:off x="2869654" y="3372195"/>
+        <a:ext cx="2388691" cy="728550"/>
+      </dsp:txXfrm>
+    </dsp:sp>
+  </dsp:spTree>
+</dsp:drawing>
+</file>
+
+<file path=ppt/diagrams/layout1.xml><?xml version="1.0" encoding="utf-8"?>
+<dgm:layoutDef xmlns:dgm="http://schemas.openxmlformats.org/drawingml/2006/diagram" xmlns:a="http://schemas.openxmlformats.org/drawingml/2006/main" uniqueId="urn:microsoft.com/office/officeart/2009/3/layout/HorizontalOrganizationChart">
+  <dgm:title val=""/>
+  <dgm:desc val=""/>
+  <dgm:catLst>
+    <dgm:cat type="hierarchy" pri="4300"/>
+  </dgm:catLst>
+  <dgm:sampData>
+    <dgm:dataModel>
+      <dgm:ptLst>
+        <dgm:pt modelId="0" type="doc"/>
+        <dgm:pt modelId="1">
+          <dgm:prSet phldr="1"/>
+        </dgm:pt>
+        <dgm:pt modelId="2" type="asst">
+          <dgm:prSet phldr="1"/>
+        </dgm:pt>
+        <dgm:pt modelId="3">
+          <dgm:prSet phldr="1"/>
+        </dgm:pt>
+        <dgm:pt modelId="4">
+          <dgm:prSet phldr="1"/>
+        </dgm:pt>
+        <dgm:pt modelId="5">
+          <dgm:prSet phldr="1"/>
+        </dgm:pt>
+      </dgm:ptLst>
+      <dgm:cxnLst>
+        <dgm:cxn modelId="5" srcId="0" destId="1" srcOrd="0" destOrd="0"/>
+        <dgm:cxn modelId="6" srcId="1" destId="2" srcOrd="0" destOrd="0"/>
+        <dgm:cxn modelId="7" srcId="1" destId="3" srcOrd="1" destOrd="0"/>
+        <dgm:cxn modelId="8" srcId="1" destId="4" srcOrd="2" destOrd="0"/>
+        <dgm:cxn modelId="9" srcId="1" destId="5" srcOrd="3" destOrd="0"/>
+      </dgm:cxnLst>
+      <dgm:bg/>
+      <dgm:whole/>
+    </dgm:dataModel>
+  </dgm:sampData>
+  <dgm:styleData>
+    <dgm:dataModel>
+      <dgm:ptLst>
+        <dgm:pt modelId="0" type="doc"/>
+        <dgm:pt modelId="1"/>
+        <dgm:pt modelId="12"/>
+        <dgm:pt modelId="13"/>
+      </dgm:ptLst>
+      <dgm:cxnLst>
+        <dgm:cxn modelId="2" srcId="0" destId="1" srcOrd="0" destOrd="0"/>
+        <dgm:cxn modelId="16" srcId="1" destId="12" srcOrd="1" destOrd="0"/>
+        <dgm:cxn modelId="17" srcId="1" destId="13" srcOrd="2" destOrd="0"/>
+      </dgm:cxnLst>
+      <dgm:bg/>
+      <dgm:whole/>
+    </dgm:dataModel>
+  </dgm:styleData>
+  <dgm:clrData>
+    <dgm:dataModel>
+      <dgm:ptLst>
+        <dgm:pt modelId="0" type="doc"/>
+        <dgm:pt modelId="1"/>
+        <dgm:pt modelId="11" type="asst"/>
+        <dgm:pt modelId="12"/>
+        <dgm:pt modelId="13"/>
+        <dgm:pt modelId="14"/>
+      </dgm:ptLst>
+      <dgm:cxnLst>
+        <dgm:cxn modelId="2" srcId="0" destId="1" srcOrd="0" destOrd="0"/>
+        <dgm:cxn modelId="15" srcId="1" destId="11" srcOrd="0" destOrd="0"/>
+        <dgm:cxn modelId="16" srcId="1" destId="12" srcOrd="1" destOrd="0"/>
+        <dgm:cxn modelId="17" srcId="1" destId="13" srcOrd="2" destOrd="0"/>
+        <dgm:cxn modelId="18" srcId="1" destId="14" srcOrd="2" destOrd="0"/>
+      </dgm:cxnLst>
+      <dgm:bg/>
+      <dgm:whole/>
+    </dgm:dataModel>
+  </dgm:clrData>
+  <dgm:layoutNode name="hierChild1">
+    <dgm:varLst>
+      <dgm:orgChart val="1"/>
+      <dgm:chPref val="1"/>
+      <dgm:dir/>
+      <dgm:animOne val="branch"/>
+      <dgm:animLvl val="lvl"/>
+      <dgm:resizeHandles/>
+    </dgm:varLst>
+    <dgm:choose name="Name0">
+      <dgm:if name="Name1" func="var" arg="dir" op="equ" val="norm">
+        <dgm:alg type="hierChild">
+          <dgm:param type="linDir" val="fromT"/>
+          <dgm:param type="chAlign" val="l"/>
+        </dgm:alg>
+      </dgm:if>
+      <dgm:else name="Name2">
+        <dgm:alg type="hierChild">
+          <dgm:param type="linDir" val="fromT"/>
+          <dgm:param type="chAlign" val="r"/>
+        </dgm:alg>
+      </dgm:else>
+    </dgm:choose>
+    <dgm:shape xmlns:r="http://schemas.openxmlformats.org/officeDocument/2006/relationships" r:blip="">
+      <dgm:adjLst/>
+    </dgm:shape>
+    <dgm:presOf/>
+    <dgm:constrLst>
+      <dgm:constr type="w" for="des" forName="rootComposite1" refType="w" fact="10"/>
+      <dgm:constr type="h" for="des" forName="rootComposite1" refType="w" refFor="des" refForName="rootComposite1" fact="0.305"/>
+      <dgm:constr type="w" for="des" forName="rootComposite" refType="w" fact="10"/>
+      <dgm:constr type="h" for="des" forName="rootComposite" refType="w" refFor="des" refForName="rootComposite1" fact="0.305"/>
+      <dgm:constr type="w" for="des" forName="rootComposite3" refType="w" fact="10"/>
+      <dgm:constr type="h" for="des" forName="rootComposite3" refType="w" refFor="des" refForName="rootComposite1" fact="0.305"/>
+      <dgm:constr type="primFontSz" for="des" ptType="node" op="equ"/>
+      <dgm:constr type="sp" for="des" op="equ"/>
+      <dgm:constr type="sp" for="des" forName="hierRoot1" refType="w" refFor="des" refForName="rootComposite1" fact="0.2"/>
+      <dgm:constr type="sp" for="des" forName="hierRoot2" refType="sp" refFor="des" refForName="hierRoot1"/>
+      <dgm:constr type="sp" for="des" forName="hierRoot3" refType="sp" refFor="des" refForName="hierRoot1"/>
+      <dgm:constr type="sibSp" refType="w" refFor="des" refForName="rootComposite1" fact="0.125"/>
+      <dgm:constr type="sibSp" for="des" forName="hierChild2" refType="sibSp"/>
+      <dgm:constr type="sibSp" for="des" forName="hierChild3" refType="sibSp"/>
+      <dgm:constr type="sibSp" for="des" forName="hierChild4" refType="sibSp"/>
+      <dgm:constr type="sibSp" for="des" forName="hierChild5" refType="sibSp"/>
+      <dgm:constr type="sibSp" for="des" forName="hierChild6" refType="sibSp"/>
+      <dgm:constr type="sibSp" for="des" forName="hierChild7" refType="sibSp"/>
+      <dgm:constr type="secSibSp" refType="w" refFor="des" refForName="rootComposite1" fact="0.125"/>
+      <dgm:constr type="secSibSp" for="des" forName="hierChild2" refType="secSibSp"/>
+      <dgm:constr type="secSibSp" for="des" forName="hierChild3" refType="secSibSp"/>
+      <dgm:constr type="secSibSp" for="des" forName="hierChild4" refType="secSibSp"/>
+      <dgm:constr type="secSibSp" for="des" forName="hierChild5" refType="secSibSp"/>
+      <dgm:constr type="secSibSp" for="des" forName="hierChild6" refType="secSibSp"/>
+      <dgm:constr type="secSibSp" for="des" forName="hierChild7" refType="secSibSp"/>
+    </dgm:constrLst>
+    <dgm:ruleLst/>
+    <dgm:forEach name="Name3" axis="ch">
+      <dgm:forEach name="Name4" axis="self" ptType="node">
+        <dgm:layoutNode name="hierRoot1">
+          <dgm:varLst>
+            <dgm:hierBranch val="init"/>
+          </dgm:varLst>
+          <dgm:choose name="Name5">
+            <dgm:if name="Name6" func="var" arg="hierBranch" op="equ" val="l">
+              <dgm:choose name="Name7">
+                <dgm:if name="Name8" func="var" arg="dir" op="equ" val="norm">
+                  <dgm:alg type="hierRoot">
+                    <dgm:param type="hierAlign" val="lT"/>
+                  </dgm:alg>
+                  <dgm:constrLst>
+                    <dgm:constr type="alignOff" val="0.75"/>
+                  </dgm:constrLst>
+                </dgm:if>
+                <dgm:else name="Name9">
+                  <dgm:alg type="hierRoot">
+                    <dgm:param type="hierAlign" val="rT"/>
+                  </dgm:alg>
+                  <dgm:constrLst>
+                    <dgm:constr type="alignOff" val="0.75"/>
+                  </dgm:constrLst>
+                </dgm:else>
+              </dgm:choose>
+            </dgm:if>
+            <dgm:if name="Name10" func="var" arg="hierBranch" op="equ" val="r">
+              <dgm:choose name="Name11">
+                <dgm:if name="Name12" func="var" arg="dir" op="equ" val="norm">
+                  <dgm:alg type="hierRoot">
+                    <dgm:param type="hierAlign" val="lB"/>
+                  </dgm:alg>
+                  <dgm:constrLst>
+                    <dgm:constr type="alignOff" val="0.75"/>
+                  </dgm:constrLst>
+                </dgm:if>
+                <dgm:else name="Name13">
+                  <dgm:alg type="hierRoot">
+                    <dgm:param type="hierAlign" val="rB"/>
+                  </dgm:alg>
+                  <dgm:constrLst>
+                    <dgm:constr type="alignOff" val="0.75"/>
+                  </dgm:constrLst>
+                </dgm:else>
+              </dgm:choose>
+            </dgm:if>
+            <dgm:if name="Name14" func="var" arg="hierBranch" op="equ" val="hang">
+              <dgm:choose name="Name15">
+                <dgm:if name="Name16" func="var" arg="dir" op="equ" val="norm">
+                  <dgm:alg type="hierRoot">
+                    <dgm:param type="hierAlign" val="lCtrCh"/>
+                  </dgm:alg>
+                  <dgm:constrLst>
+                    <dgm:constr type="alignOff" val="0.65"/>
+                  </dgm:constrLst>
+                </dgm:if>
+                <dgm:else name="Name17">
+                  <dgm:alg type="hierRoot">
+                    <dgm:param type="hierAlign" val="rCtrCh"/>
+                  </dgm:alg>
+                  <dgm:constrLst>
+                    <dgm:constr type="alignOff" val="0.65"/>
+                  </dgm:constrLst>
+                </dgm:else>
+              </dgm:choose>
+            </dgm:if>
+            <dgm:else name="Name18">
+              <dgm:choose name="Name19">
+                <dgm:if name="Name20" func="var" arg="dir" op="equ" val="norm">
+                  <dgm:alg type="hierRoot">
+                    <dgm:param type="hierAlign" val="lCtrCh"/>
+                  </dgm:alg>
+                  <dgm:constrLst>
+                    <dgm:constr type="alignOff"/>
+                    <dgm:constr type="bendDist" for="des" ptType="parTrans" refType="sp" fact="0.5"/>
+                  </dgm:constrLst>
+                </dgm:if>
+                <dgm:else name="Name21">
+                  <dgm:alg type="hierRoot">
+                    <dgm:param type="hierAlign" val="rCtrCh"/>
+                  </dgm:alg>
+                  <dgm:constrLst>
+                    <dgm:constr type="alignOff"/>
+                    <dgm:constr type="bendDist" for="des" ptType="parTrans" refType="sp" fact="0.5"/>
+                  </dgm:constrLst>
+                </dgm:else>
+              </dgm:choose>
+            </dgm:else>
+          </dgm:choose>
+          <dgm:shape xmlns:r="http://schemas.openxmlformats.org/officeDocument/2006/relationships" r:blip="">
+            <dgm:adjLst/>
+          </dgm:shape>
+          <dgm:presOf/>
+          <dgm:ruleLst/>
+          <dgm:layoutNode name="rootComposite1">
+            <dgm:alg type="composite"/>
+            <dgm:shape xmlns:r="http://schemas.openxmlformats.org/officeDocument/2006/relationships" r:blip="">
+              <dgm:adjLst/>
+            </dgm:shape>
+            <dgm:presOf axis="self" ptType="node" cnt="1"/>
+            <dgm:choose name="Name22">
+              <dgm:if name="Name23" func="var" arg="hierBranch" op="equ" val="init">
+                <dgm:constrLst>
+                  <dgm:constr type="l" for="ch" forName="rootText1"/>
+                  <dgm:constr type="t" for="ch" forName="rootText1"/>
+                  <dgm:constr type="w" for="ch" forName="rootText1" refType="w"/>
+                  <dgm:constr type="h" for="ch" forName="rootText1" refType="h"/>
+                  <dgm:constr type="l" for="ch" forName="rootConnector1"/>
+                  <dgm:constr type="t" for="ch" forName="rootConnector1"/>
+                  <dgm:constr type="w" for="ch" forName="rootConnector1" refType="w" refFor="ch" refForName="rootText1" fact="0.2"/>
+                  <dgm:constr type="h" for="ch" forName="rootConnector1" refType="h" refFor="ch" refForName="rootText1"/>
+                </dgm:constrLst>
+              </dgm:if>
+              <dgm:if name="Name24" func="var" arg="hierBranch" op="equ" val="l">
+                <dgm:constrLst>
+                  <dgm:constr type="l" for="ch" forName="rootText1"/>
+                  <dgm:constr type="t" for="ch" forName="rootText1"/>
+                  <dgm:constr type="w" for="ch" forName="rootText1" refType="w"/>
+                  <dgm:constr type="h" for="ch" forName="rootText1" refType="h"/>
+                  <dgm:constr type="r" for="ch" forName="rootConnector1" refType="w"/>
+                  <dgm:constr type="t" for="ch" forName="rootConnector1"/>
+                  <dgm:constr type="w" for="ch" forName="rootConnector1" refType="w" refFor="ch" refForName="rootText1" fact="0.2"/>
+                  <dgm:constr type="h" for="ch" forName="rootConnector1" refType="h" refFor="ch" refForName="rootText1"/>
+                </dgm:constrLst>
+              </dgm:if>
+              <dgm:if name="Name25" func="var" arg="hierBranch" op="equ" val="r">
+                <dgm:constrLst>
+                  <dgm:constr type="l" for="ch" forName="rootText1"/>
+                  <dgm:constr type="t" for="ch" forName="rootText1"/>
+                  <dgm:constr type="w" for="ch" forName="rootText1" refType="w"/>
+                  <dgm:constr type="h" for="ch" forName="rootText1" refType="h"/>
+                  <dgm:constr type="l" for="ch" forName="rootConnector1"/>
+                  <dgm:constr type="t" for="ch" forName="rootConnector1"/>
+                  <dgm:constr type="w" for="ch" forName="rootConnector1" refType="w" refFor="ch" refForName="rootText1" fact="0.2"/>
+                  <dgm:constr type="h" for="ch" forName="rootConnector1" refType="h" refFor="ch" refForName="rootText1"/>
+                </dgm:constrLst>
+              </dgm:if>
+              <dgm:else name="Name26">
+                <dgm:constrLst>
+                  <dgm:constr type="l" for="ch" forName="rootText1"/>
+                  <dgm:constr type="t" for="ch" forName="rootText1"/>
+                  <dgm:constr type="w" for="ch" forName="rootText1" refType="w"/>
+                  <dgm:constr type="h" for="ch" forName="rootText1" refType="h"/>
+                  <dgm:constr type="r" for="ch" forName="rootConnector1" refType="w"/>
+                  <dgm:constr type="t" for="ch" forName="rootConnector1"/>
+                  <dgm:constr type="w" for="ch" forName="rootConnector1" refType="w" refFor="ch" refForName="rootText1" fact="0.2"/>
+                  <dgm:constr type="h" for="ch" forName="rootConnector1" refType="h" refFor="ch" refForName="rootText1"/>
+                </dgm:constrLst>
+              </dgm:else>
+            </dgm:choose>
+            <dgm:ruleLst/>
+            <dgm:layoutNode name="rootText1" styleLbl="node0">
+              <dgm:varLst>
+                <dgm:chPref val="3"/>
+              </dgm:varLst>
+              <dgm:alg type="tx"/>
+              <dgm:shape xmlns:r="http://schemas.openxmlformats.org/officeDocument/2006/relationships" type="rect" r:blip="">
+                <dgm:adjLst/>
+              </dgm:shape>
+              <dgm:presOf axis="self" ptType="node" cnt="1"/>
+              <dgm:constrLst>
+                <dgm:constr type="primFontSz" val="65"/>
+                <dgm:constr type="lMarg" refType="primFontSz" fact="0.05"/>
+                <dgm:constr type="rMarg" refType="primFontSz" fact="0.05"/>
+                <dgm:constr type="tMarg" refType="primFontSz" fact="0.05"/>
+                <dgm:constr type="bMarg" refType="primFontSz" fact="0.05"/>
+              </dgm:constrLst>
+              <dgm:ruleLst>
+                <dgm:rule type="primFontSz" val="5" fact="NaN" max="NaN"/>
+              </dgm:ruleLst>
+            </dgm:layoutNode>
+            <dgm:layoutNode name="rootConnector1" moveWith="rootText1">
+              <dgm:alg type="sp"/>
+              <dgm:shape xmlns:r="http://schemas.openxmlformats.org/officeDocument/2006/relationships" type="rect" r:blip="" hideGeom="1">
+                <dgm:adjLst/>
+              </dgm:shape>
+              <dgm:presOf axis="self" ptType="node" cnt="1"/>
+              <dgm:constrLst/>
+              <dgm:ruleLst/>
+            </dgm:layoutNode>
+          </dgm:layoutNode>
+          <dgm:layoutNode name="hierChild2">
+            <dgm:choose name="Name27">
+              <dgm:if name="Name28" func="var" arg="hierBranch" op="equ" val="l">
+                <dgm:choose name="Name29">
+                  <dgm:if name="Name30" func="var" arg="dir" op="equ" val="norm">
+                    <dgm:alg type="hierChild">
+                      <dgm:param type="chAlign" val="t"/>
+                      <dgm:param type="linDir" val="fromL"/>
+                    </dgm:alg>
+                  </dgm:if>
+                  <dgm:else name="Name31">
+                    <dgm:alg type="hierChild">
+                      <dgm:param type="chAlign" val="t"/>
+                      <dgm:param type="linDir" val="fromR"/>
+                    </dgm:alg>
+                  </dgm:else>
+                </dgm:choose>
+              </dgm:if>
+              <dgm:if name="Name32" func="var" arg="hierBranch" op="equ" val="r">
+                <dgm:choose name="Name33">
+                  <dgm:if name="Name34" func="var" arg="dir" op="equ" val="norm">
+                    <dgm:alg type="hierChild">
+                      <dgm:param type="chAlign" val="b"/>
+                      <dgm:param type="linDir" val="fromL"/>
+                    </dgm:alg>
+                  </dgm:if>
+                  <dgm:else name="Name35">
+                    <dgm:alg type="hierChild">
+                      <dgm:param type="chAlign" val="b"/>
+                      <dgm:param type="linDir" val="fromR"/>
+                    </dgm:alg>
+                  </dgm:else>
+                </dgm:choose>
+              </dgm:if>
+              <dgm:if name="Name36" func="var" arg="hierBranch" op="equ" val="hang">
+                <dgm:choose name="Name37">
+                  <dgm:if name="Name38" func="var" arg="dir" op="equ" val="norm">
+                    <dgm:alg type="hierChild">
+                      <dgm:param type="chAlign" val="l"/>
+                      <dgm:param type="linDir" val="fromT"/>
+                      <dgm:param type="secChAlign" val="t"/>
+                      <dgm:param type="secLinDir" val="fromL"/>
+                    </dgm:alg>
+                  </dgm:if>
+                  <dgm:else name="Name39">
+                    <dgm:alg type="hierChild">
+                      <dgm:param type="chAlign" val="r"/>
+                      <dgm:param type="linDir" val="fromT"/>
+                      <dgm:param type="secChAlign" val="t"/>
+                      <dgm:param type="secLinDir" val="fromR"/>
+                    </dgm:alg>
+                  </dgm:else>
+                </dgm:choose>
+              </dgm:if>
+              <dgm:else name="Name40">
+                <dgm:choose name="Name41">
+                  <dgm:if name="Name42" func="var" arg="dir" op="equ" val="norm">
+                    <dgm:alg type="hierChild">
+                      <dgm:param type="linDir" val="fromT"/>
+                      <dgm:param type="chAlign" val="l"/>
+                    </dgm:alg>
+                  </dgm:if>
+                  <dgm:else name="Name43">
+                    <dgm:alg type="hierChild">
+                      <dgm:param type="linDir" val="fromT"/>
+                      <dgm:param type="chAlign" val="r"/>
+                    </dgm:alg>
+                  </dgm:else>
+                </dgm:choose>
+              </dgm:else>
+            </dgm:choose>
+            <dgm:shape xmlns:r="http://schemas.openxmlformats.org/officeDocument/2006/relationships" r:blip="">
+              <dgm:adjLst/>
+            </dgm:shape>
+            <dgm:presOf/>
+            <dgm:constrLst/>
+            <dgm:ruleLst/>
+            <dgm:forEach name="rep2a" axis="ch" ptType="nonAsst">
+              <dgm:forEach name="Name44" axis="precedSib" ptType="parTrans" st="-1" cnt="1">
+                <dgm:choose name="Name45">
+                  <dgm:if name="Name46" func="var" arg="hierBranch" op="equ" val="hang">
+                    <dgm:layoutNode name="Name47">
+                      <dgm:choose name="Name48">
+                        <dgm:if name="Name49" func="var" arg="dir" op="equ" val="norm">
+                          <dgm:alg type="conn">
+                            <dgm:param type="connRout" val="bend"/>
+                            <dgm:param type="dim" val="1D"/>
+                            <dgm:param type="endSty" val="noArr"/>
+                            <dgm:param type="begPts" val="midR"/>
+                            <dgm:param type="endPts" val="bCtr tCtr"/>
+                          </dgm:alg>
+                        </dgm:if>
+                        <dgm:else name="Name50">
+                          <dgm:alg type="conn">
+                            <dgm:param type="connRout" val="bend"/>
+                            <dgm:param type="dim" val="1D"/>
+                            <dgm:param type="endSty" val="noArr"/>
+                            <dgm:param type="begPts" val="midL"/>
+                            <dgm:param type="endPts" val="bCtr tCtr"/>
+                          </dgm:alg>
+                        </dgm:else>
+                      </dgm:choose>
+                      <dgm:shape xmlns:r="http://schemas.openxmlformats.org/officeDocument/2006/relationships" type="conn" r:blip="" zOrderOff="-99999">
+                        <dgm:adjLst/>
+                      </dgm:shape>
+                      <dgm:presOf axis="self"/>
+                      <dgm:constrLst>
+                        <dgm:constr type="begPad"/>
+                        <dgm:constr type="endPad"/>
+                      </dgm:constrLst>
+                      <dgm:ruleLst/>
+                    </dgm:layoutNode>
+                  </dgm:if>
+                  <dgm:if name="Name51" func="var" arg="hierBranch" op="equ" val="l">
+                    <dgm:layoutNode name="Name52">
+                      <dgm:choose name="Name53">
+                        <dgm:if name="Name54" func="var" arg="dir" op="equ" val="norm">
+                          <dgm:alg type="conn">
+                            <dgm:param type="connRout" val="bend"/>
+                            <dgm:param type="dim" val="1D"/>
+                            <dgm:param type="endSty" val="noArr"/>
+                            <dgm:param type="begPts" val="midR"/>
+                            <dgm:param type="endPts" val="tCtr"/>
+                          </dgm:alg>
+                        </dgm:if>
+                        <dgm:else name="Name55">
+                          <dgm:alg type="conn">
+                            <dgm:param type="connRout" val="bend"/>
+                            <dgm:param type="dim" val="1D"/>
+                            <dgm:param type="endSty" val="noArr"/>
+                            <dgm:param type="begPts" val="midL"/>
+                            <dgm:param type="endPts" val="tCtr"/>
+                          </dgm:alg>
+                        </dgm:else>
+                      </dgm:choose>
+                      <dgm:shape xmlns:r="http://schemas.openxmlformats.org/officeDocument/2006/relationships" type="conn" r:blip="" zOrderOff="-99999">
+                        <dgm:adjLst/>
+                      </dgm:shape>
+                      <dgm:presOf axis="self"/>
+                      <dgm:constrLst>
+                        <dgm:constr type="begPad"/>
+                        <dgm:constr type="endPad"/>
+                      </dgm:constrLst>
+                      <dgm:ruleLst/>
+                    </dgm:layoutNode>
+                  </dgm:if>
+                  <dgm:if name="Name56" func="var" arg="hierBranch" op="equ" val="r">
+                    <dgm:layoutNode name="Name57">
+                      <dgm:choose name="Name58">
+                        <dgm:if name="Name59" func="var" arg="dir" op="equ" val="norm">
+                          <dgm:alg type="conn">
+                            <dgm:param type="connRout" val="bend"/>
+                            <dgm:param type="dim" val="1D"/>
+                            <dgm:param type="endSty" val="noArr"/>
+                            <dgm:param type="begPts" val="midR"/>
+                            <dgm:param type="endPts" val="bCtr"/>
+                          </dgm:alg>
+                        </dgm:if>
+                        <dgm:else name="Name60">
+                          <dgm:alg type="conn">
+                            <dgm:param type="connRout" val="bend"/>
+                            <dgm:param type="dim" val="1D"/>
+                            <dgm:param type="endSty" val="noArr"/>
+                            <dgm:param type="begPts" val="midL"/>
+                            <dgm:param type="endPts" val="bCtr"/>
+                          </dgm:alg>
+                        </dgm:else>
+                      </dgm:choose>
+                      <dgm:shape xmlns:r="http://schemas.openxmlformats.org/officeDocument/2006/relationships" type="conn" r:blip="" zOrderOff="-99999">
+                        <dgm:adjLst/>
+                      </dgm:shape>
+                      <dgm:presOf axis="self"/>
+                      <dgm:constrLst>
+                        <dgm:constr type="begPad"/>
+                        <dgm:constr type="endPad"/>
+                      </dgm:constrLst>
+                      <dgm:ruleLst/>
+                    </dgm:layoutNode>
+                  </dgm:if>
+                  <dgm:else name="Name61">
+                    <dgm:choose name="Name62">
+                      <dgm:if name="Name63" func="var" arg="dir" op="equ" val="norm">
+                        <dgm:layoutNode name="Name64">
+                          <dgm:alg type="conn">
+                            <dgm:param type="connRout" val="bend"/>
+                            <dgm:param type="dim" val="1D"/>
+                            <dgm:param type="endSty" val="noArr"/>
+                            <dgm:param type="begPts" val="midR"/>
+                            <dgm:param type="endPts" val="midL"/>
+                            <dgm:param type="bendPt" val="end"/>
+                          </dgm:alg>
+                          <dgm:shape xmlns:r="http://schemas.openxmlformats.org/officeDocument/2006/relationships" type="conn" r:blip="" zOrderOff="-99999">
+                            <dgm:adjLst/>
+                          </dgm:shape>
+                          <dgm:presOf axis="self"/>
+                          <dgm:constrLst>
+                            <dgm:constr type="begPad"/>
+                            <dgm:constr type="endPad"/>
+                          </dgm:constrLst>
+                          <dgm:ruleLst/>
+                        </dgm:layoutNode>
+                      </dgm:if>
+                      <dgm:else name="Name65">
+                        <dgm:layoutNode name="Name66">
+                          <dgm:alg type="conn">
+                            <dgm:param type="connRout" val="bend"/>
+                            <dgm:param type="dim" val="1D"/>
+                            <dgm:param type="endSty" val="noArr"/>
+                            <dgm:param type="begPts" val="midL"/>
+                            <dgm:param type="endPts" val="midR"/>
+                            <dgm:param type="bendPt" val="end"/>
+                          </dgm:alg>
+                          <dgm:shape xmlns:r="http://schemas.openxmlformats.org/officeDocument/2006/relationships" type="conn" r:blip="" zOrderOff="-99999">
+                            <dgm:adjLst/>
+                          </dgm:shape>
+                          <dgm:presOf axis="self"/>
+                          <dgm:constrLst>
+                            <dgm:constr type="begPad"/>
+                            <dgm:constr type="endPad"/>
+                          </dgm:constrLst>
+                          <dgm:ruleLst/>
+                        </dgm:layoutNode>
+                      </dgm:else>
+                    </dgm:choose>
+                  </dgm:else>
+                </dgm:choose>
+              </dgm:forEach>
+              <dgm:layoutNode name="hierRoot2">
+                <dgm:varLst>
+                  <dgm:hierBranch val="init"/>
+                </dgm:varLst>
+                <dgm:choose name="Name67">
+                  <dgm:if name="Name68" func="var" arg="hierBranch" op="equ" val="l">
+                    <dgm:choose name="Name69">
+                      <dgm:if name="Name70" func="var" arg="dir" op="equ" val="norm">
+                        <dgm:alg type="hierRoot">
+                          <dgm:param type="hierAlign" val="lT"/>
+                        </dgm:alg>
+                        <dgm:constrLst>
+                          <dgm:constr type="alignOff" val="0.75"/>
+                        </dgm:constrLst>
+                      </dgm:if>
+                      <dgm:else name="Name71">
+                        <dgm:alg type="hierRoot">
+                          <dgm:param type="hierAlign" val="rT"/>
+                        </dgm:alg>
+                        <dgm:constrLst>
+                          <dgm:constr type="alignOff" val="0.75"/>
+                        </dgm:constrLst>
+                      </dgm:else>
+                    </dgm:choose>
+                  </dgm:if>
+                  <dgm:if name="Name72" func="var" arg="hierBranch" op="equ" val="r">
+                    <dgm:choose name="Name73">
+                      <dgm:if name="Name74" func="var" arg="dir" op="equ" val="norm">
+                        <dgm:alg type="hierRoot">
+                          <dgm:param type="hierAlign" val="lB"/>
+                        </dgm:alg>
+                        <dgm:constrLst>
+                          <dgm:constr type="alignOff" val="0.75"/>
+                        </dgm:constrLst>
+                      </dgm:if>
+                      <dgm:else name="Name75">
+                        <dgm:alg type="hierRoot">
+                          <dgm:param type="hierAlign" val="rB"/>
+                        </dgm:alg>
+                        <dgm:constrLst>
+                          <dgm:constr type="alignOff" val="0.75"/>
+                        </dgm:constrLst>
+                      </dgm:else>
+                    </dgm:choose>
+                  </dgm:if>
+                  <dgm:if name="Name76" func="var" arg="hierBranch" op="equ" val="hang">
+                    <dgm:choose name="Name77">
+                      <dgm:if name="Name78" func="var" arg="dir" op="equ" val="norm">
+                        <dgm:alg type="hierRoot">
+                          <dgm:param type="hierAlign" val="lCtrCh"/>
+                        </dgm:alg>
+                        <dgm:constrLst>
+                          <dgm:constr type="alignOff" val="0.65"/>
+                        </dgm:constrLst>
+                      </dgm:if>
+                      <dgm:else name="Name79">
+                        <dgm:alg type="hierRoot">
+                          <dgm:param type="hierAlign" val="rCtrCh"/>
+                        </dgm:alg>
+                        <dgm:constrLst>
+                          <dgm:constr type="alignOff" val="0.65"/>
+                        </dgm:constrLst>
+                      </dgm:else>
+                    </dgm:choose>
+                  </dgm:if>
+                  <dgm:else name="Name80">
+                    <dgm:choose name="Name81">
+                      <dgm:if name="Name82" func="var" arg="dir" op="equ" val="norm">
+                        <dgm:alg type="hierRoot">
+                          <dgm:param type="hierAlign" val="lCtrCh"/>
+                        </dgm:alg>
+                        <dgm:constrLst>
+                          <dgm:constr type="alignOff"/>
+                          <dgm:constr type="bendDist" for="des" ptType="parTrans" refType="sp" fact="0.5"/>
+                        </dgm:constrLst>
+                      </dgm:if>
+                      <dgm:else name="Name83">
+                        <dgm:alg type="hierRoot">
+                          <dgm:param type="hierAlign" val="rCtrCh"/>
+                        </dgm:alg>
+                        <dgm:constrLst>
+                          <dgm:constr type="alignOff"/>
+                          <dgm:constr type="bendDist" for="des" ptType="parTrans" refType="sp" fact="0.5"/>
+                        </dgm:constrLst>
+                      </dgm:else>
+                    </dgm:choose>
+                  </dgm:else>
+                </dgm:choose>
+                <dgm:shape xmlns:r="http://schemas.openxmlformats.org/officeDocument/2006/relationships" r:blip="">
+                  <dgm:adjLst/>
+                </dgm:shape>
+                <dgm:presOf/>
+                <dgm:ruleLst/>
+                <dgm:layoutNode name="rootComposite">
+                  <dgm:alg type="composite"/>
+                  <dgm:shape xmlns:r="http://schemas.openxmlformats.org/officeDocument/2006/relationships" r:blip="">
+                    <dgm:adjLst/>
+                  </dgm:shape>
+                  <dgm:presOf axis="self" ptType="node" cnt="1"/>
+                  <dgm:choose name="Name84">
+                    <dgm:if name="Name85" func="var" arg="hierBranch" op="equ" val="init">
+                      <dgm:constrLst>
+                        <dgm:constr type="l" for="ch" forName="rootText"/>
+                        <dgm:constr type="t" for="ch" forName="rootText"/>
+                        <dgm:constr type="w" for="ch" forName="rootText" refType="w"/>
+                        <dgm:constr type="h" for="ch" forName="rootText" refType="h"/>
+                        <dgm:constr type="l" for="ch" forName="rootConnector"/>
+                        <dgm:constr type="t" for="ch" forName="rootConnector"/>
+                        <dgm:constr type="w" for="ch" forName="rootConnector" refType="w" refFor="ch" refForName="rootText" fact="0.2"/>
+                        <dgm:constr type="h" for="ch" forName="rootConnector" refType="h" refFor="ch" refForName="rootText"/>
+                      </dgm:constrLst>
+                    </dgm:if>
+                    <dgm:if name="Name86" func="var" arg="hierBranch" op="equ" val="l">
+                      <dgm:constrLst>
+                        <dgm:constr type="l" for="ch" forName="rootText"/>
+                        <dgm:constr type="t" for="ch" forName="rootText"/>
+                        <dgm:constr type="w" for="ch" forName="rootText" refType="w"/>
+                        <dgm:constr type="h" for="ch" forName="rootText" refType="h"/>
+                        <dgm:constr type="r" for="ch" forName="rootConnector" refType="w"/>
+                        <dgm:constr type="t" for="ch" forName="rootConnector"/>
+                        <dgm:constr type="w" for="ch" forName="rootConnector" refType="w" refFor="ch" refForName="rootText" fact="0.2"/>
+                        <dgm:constr type="h" for="ch" forName="rootConnector" refType="h" refFor="ch" refForName="rootText"/>
+                      </dgm:constrLst>
+                    </dgm:if>
+                    <dgm:if name="Name87" func="var" arg="hierBranch" op="equ" val="r">
+                      <dgm:constrLst>
+                        <dgm:constr type="l" for="ch" forName="rootText"/>
+                        <dgm:constr type="t" for="ch" forName="rootText"/>
+                        <dgm:constr type="w" for="ch" forName="rootText" refType="w"/>
+                        <dgm:constr type="h" for="ch" forName="rootText" refType="h"/>
+                        <dgm:constr type="l" for="ch" forName="rootConnector"/>
+                        <dgm:constr type="t" for="ch" forName="rootConnector"/>
+                        <dgm:constr type="w" for="ch" forName="rootConnector" refType="w" refFor="ch" refForName="rootText" fact="0.2"/>
+                        <dgm:constr type="h" for="ch" forName="rootConnector" refType="h" refFor="ch" refForName="rootText"/>
+                      </dgm:constrLst>
+                    </dgm:if>
+                    <dgm:else name="Name88">
+                      <dgm:constrLst>
+                        <dgm:constr type="l" for="ch" forName="rootText"/>
+                        <dgm:constr type="t" for="ch" forName="rootText"/>
+                        <dgm:constr type="w" for="ch" forName="rootText" refType="w"/>
+                        <dgm:constr type="h" for="ch" forName="rootText" refType="h"/>
+                        <dgm:constr type="r" for="ch" forName="rootConnector" refType="w"/>
+                        <dgm:constr type="t" for="ch" forName="rootConnector"/>
+                        <dgm:constr type="w" for="ch" forName="rootConnector" refType="w" refFor="ch" refForName="rootText" fact="0.2"/>
+                        <dgm:constr type="h" for="ch" forName="rootConnector" refType="h" refFor="ch" refForName="rootText"/>
+                      </dgm:constrLst>
+                    </dgm:else>
+                  </dgm:choose>
+                  <dgm:ruleLst/>
+                  <dgm:layoutNode name="rootText">
+                    <dgm:varLst>
+                      <dgm:chPref val="3"/>
+                    </dgm:varLst>
+                    <dgm:alg type="tx"/>
+                    <dgm:shape xmlns:r="http://schemas.openxmlformats.org/officeDocument/2006/relationships" type="rect" r:blip="">
+                      <dgm:adjLst/>
+                    </dgm:shape>
+                    <dgm:presOf axis="self" ptType="node" cnt="1"/>
+                    <dgm:constrLst>
+                      <dgm:constr type="primFontSz" val="65"/>
+                      <dgm:constr type="lMarg" refType="primFontSz" fact="0.05"/>
+                      <dgm:constr type="rMarg" refType="primFontSz" fact="0.05"/>
+                      <dgm:constr type="tMarg" refType="primFontSz" fact="0.05"/>
+                      <dgm:constr type="bMarg" refType="primFontSz" fact="0.05"/>
+                    </dgm:constrLst>
+                    <dgm:ruleLst>
+                      <dgm:rule type="primFontSz" val="5" fact="NaN" max="NaN"/>
+                    </dgm:ruleLst>
+                  </dgm:layoutNode>
+                  <dgm:layoutNode name="rootConnector" moveWith="rootText">
+                    <dgm:alg type="sp"/>
+                    <dgm:shape xmlns:r="http://schemas.openxmlformats.org/officeDocument/2006/relationships" type="rect" r:blip="" hideGeom="1">
+                      <dgm:adjLst/>
+                    </dgm:shape>
+                    <dgm:presOf axis="self" ptType="node" cnt="1"/>
+                    <dgm:constrLst/>
+                    <dgm:ruleLst/>
+                  </dgm:layoutNode>
+                </dgm:layoutNode>
+                <dgm:layoutNode name="hierChild4">
+                  <dgm:choose name="Name89">
+                    <dgm:if name="Name90" func="var" arg="hierBranch" op="equ" val="l">
+                      <dgm:choose name="Name91">
+                        <dgm:if name="Name92" func="var" arg="dir" op="equ" val="norm">
+                          <dgm:alg type="hierChild">
+                            <dgm:param type="chAlign" val="t"/>
+                            <dgm:param type="linDir" val="fromL"/>
+                          </dgm:alg>
+                        </dgm:if>
+                        <dgm:else name="Name93">
+                          <dgm:alg type="hierChild">
+                            <dgm:param type="chAlign" val="t"/>
+                            <dgm:param type="linDir" val="fromR"/>
+                          </dgm:alg>
+                        </dgm:else>
+                      </dgm:choose>
+                    </dgm:if>
+                    <dgm:if name="Name94" func="var" arg="hierBranch" op="equ" val="r">
+                      <dgm:choose name="Name95">
+                        <dgm:if name="Name96" func="var" arg="dir" op="equ" val="norm">
+                          <dgm:alg type="hierChild">
+                            <dgm:param type="chAlign" val="b"/>
+                            <dgm:param type="linDir" val="fromL"/>
+                          </dgm:alg>
+                        </dgm:if>
+                        <dgm:else name="Name97">
+                          <dgm:alg type="hierChild">
+                            <dgm:param type="chAlign" val="b"/>
+                            <dgm:param type="linDir" val="fromR"/>
+                          </dgm:alg>
+                        </dgm:else>
+                      </dgm:choose>
+                    </dgm:if>
+                    <dgm:if name="Name98" func="var" arg="hierBranch" op="equ" val="hang">
+                      <dgm:choose name="Name99">
+                        <dgm:if name="Name100" func="var" arg="dir" op="equ" val="norm">
+                          <dgm:alg type="hierChild">
+                            <dgm:param type="chAlign" val="l"/>
+                            <dgm:param type="linDir" val="fromT"/>
+                            <dgm:param type="secChAlign" val="t"/>
+                            <dgm:param type="secLinDir" val="fromL"/>
+                          </dgm:alg>
+                        </dgm:if>
+                        <dgm:else name="Name101">
+                          <dgm:alg type="hierChild">
+                            <dgm:param type="chAlign" val="r"/>
+                            <dgm:param type="linDir" val="fromT"/>
+                            <dgm:param type="secChAlign" val="t"/>
+                            <dgm:param type="secLinDir" val="fromR"/>
+                          </dgm:alg>
+                        </dgm:else>
+                      </dgm:choose>
+                    </dgm:if>
+                    <dgm:else name="Name102">
+                      <dgm:choose name="Name103">
+                        <dgm:if name="Name104" func="var" arg="dir" op="equ" val="norm">
+                          <dgm:alg type="hierChild">
+                            <dgm:param type="linDir" val="fromT"/>
+                            <dgm:param type="chAlign" val="l"/>
+                          </dgm:alg>
+                        </dgm:if>
+                        <dgm:else name="Name105">
+                          <dgm:alg type="hierChild">
+                            <dgm:param type="linDir" val="fromT"/>
+                            <dgm:param type="chAlign" val="r"/>
+                          </dgm:alg>
+                        </dgm:else>
+                      </dgm:choose>
+                    </dgm:else>
+                  </dgm:choose>
+                  <dgm:shape xmlns:r="http://schemas.openxmlformats.org/officeDocument/2006/relationships" r:blip="">
+                    <dgm:adjLst/>
+                  </dgm:shape>
+                  <dgm:presOf/>
+                  <dgm:constrLst/>
+                  <dgm:ruleLst/>
+                  <dgm:forEach name="Name106" ref="rep2a"/>
+                </dgm:layoutNode>
+                <dgm:layoutNode name="hierChild5">
+                  <dgm:choose name="Name107">
+                    <dgm:if name="Name108" func="var" arg="dir" op="equ" val="norm">
+                      <dgm:alg type="hierChild">
+                        <dgm:param type="chAlign" val="l"/>
+                        <dgm:param type="linDir" val="fromT"/>
+                        <dgm:param type="secChAlign" val="t"/>
+                        <dgm:param type="secLinDir" val="fromL"/>
+                      </dgm:alg>
+                    </dgm:if>
+                    <dgm:else name="Name109">
+                      <dgm:alg type="hierChild">
+                        <dgm:param type="chAlign" val="r"/>
+                        <dgm:param type="linDir" val="fromT"/>
+                        <dgm:param type="secChAlign" val="t"/>
+                        <dgm:param type="secLinDir" val="fromR"/>
+                      </dgm:alg>
+                    </dgm:else>
+                  </dgm:choose>
+                  <dgm:shape xmlns:r="http://schemas.openxmlformats.org/officeDocument/2006/relationships" r:blip="">
+                    <dgm:adjLst/>
+                  </dgm:shape>
+                  <dgm:presOf/>
+                  <dgm:constrLst/>
+                  <dgm:ruleLst/>
+                  <dgm:forEach name="Name110" ref="rep2b"/>
+                </dgm:layoutNode>
+              </dgm:layoutNode>
+            </dgm:forEach>
+          </dgm:layoutNode>
+          <dgm:layoutNode name="hierChild3">
+            <dgm:choose name="Name111">
+              <dgm:if name="Name112" func="var" arg="dir" op="equ" val="norm">
+                <dgm:alg type="hierChild">
+                  <dgm:param type="chAlign" val="l"/>
+                  <dgm:param type="linDir" val="fromT"/>
+                  <dgm:param type="secChAlign" val="t"/>
+                  <dgm:param type="secLinDir" val="fromL"/>
+                </dgm:alg>
+              </dgm:if>
+              <dgm:else name="Name113">
+                <dgm:alg type="hierChild">
+                  <dgm:param type="chAlign" val="r"/>
+                  <dgm:param type="linDir" val="fromT"/>
+                  <dgm:param type="secChAlign" val="t"/>
+                  <dgm:param type="secLinDir" val="fromR"/>
+                </dgm:alg>
+              </dgm:else>
+            </dgm:choose>
+            <dgm:shape xmlns:r="http://schemas.openxmlformats.org/officeDocument/2006/relationships" r:blip="">
+              <dgm:adjLst/>
+            </dgm:shape>
+            <dgm:presOf/>
+            <dgm:constrLst/>
+            <dgm:ruleLst/>
+            <dgm:forEach name="rep2b" axis="ch" ptType="asst">
+              <dgm:forEach name="Name114" axis="precedSib" ptType="parTrans" st="-1" cnt="1">
+                <dgm:layoutNode name="Name115">
+                  <dgm:choose name="Name116">
+                    <dgm:if name="Name117" func="var" arg="dir" op="equ" val="norm">
+                      <dgm:alg type="conn">
+                        <dgm:param type="connRout" val="bend"/>
+                        <dgm:param type="dim" val="1D"/>
+                        <dgm:param type="endSty" val="noArr"/>
+                        <dgm:param type="begPts" val="midR"/>
+                        <dgm:param type="endPts" val="bCtr tCtr"/>
+                      </dgm:alg>
+                    </dgm:if>
+                    <dgm:else name="Name118">
+                      <dgm:alg type="conn">
+                        <dgm:param type="connRout" val="bend"/>
+                        <dgm:param type="dim" val="1D"/>
+                        <dgm:param type="endSty" val="noArr"/>
+                        <dgm:param type="begPts" val="midL"/>
+                        <dgm:param type="endPts" val="bCtr tCtr"/>
+                      </dgm:alg>
+                    </dgm:else>
+                  </dgm:choose>
+                  <dgm:shape xmlns:r="http://schemas.openxmlformats.org/officeDocument/2006/relationships" type="conn" r:blip="" zOrderOff="-99999">
+                    <dgm:adjLst/>
+                  </dgm:shape>
+                  <dgm:presOf axis="self"/>
+                  <dgm:constrLst>
+                    <dgm:constr type="begPad"/>
+                    <dgm:constr type="endPad"/>
+                  </dgm:constrLst>
+                  <dgm:ruleLst/>
+                </dgm:layoutNode>
+              </dgm:forEach>
+              <dgm:layoutNode name="hierRoot3">
+                <dgm:varLst>
+                  <dgm:hierBranch val="init"/>
+                </dgm:varLst>
+                <dgm:choose name="Name119">
+                  <dgm:if name="Name120" func="var" arg="hierBranch" op="equ" val="l">
+                    <dgm:choose name="Name121">
+                      <dgm:if name="Name122" func="var" arg="dir" op="equ" val="norm">
+                        <dgm:alg type="hierRoot">
+                          <dgm:param type="hierAlign" val="lT"/>
+                        </dgm:alg>
+                        <dgm:constrLst>
+                          <dgm:constr type="alignOff" val="0.75"/>
+                        </dgm:constrLst>
+                      </dgm:if>
+                      <dgm:else name="Name123">
+                        <dgm:alg type="hierRoot">
+                          <dgm:param type="hierAlign" val="rT"/>
+                        </dgm:alg>
+                        <dgm:constrLst>
+                          <dgm:constr type="alignOff" val="0.75"/>
+                        </dgm:constrLst>
+                      </dgm:else>
+                    </dgm:choose>
+                  </dgm:if>
+                  <dgm:if name="Name124" func="var" arg="hierBranch" op="equ" val="r">
+                    <dgm:choose name="Name125">
+                      <dgm:if name="Name126" func="var" arg="dir" op="equ" val="norm">
+                        <dgm:alg type="hierRoot">
+                          <dgm:param type="hierAlign" val="lB"/>
+                        </dgm:alg>
+                        <dgm:constrLst>
+                          <dgm:constr type="alignOff" val="0.75"/>
+                        </dgm:constrLst>
+                      </dgm:if>
+                      <dgm:else name="Name127">
+                        <dgm:alg type="hierRoot">
+                          <dgm:param type="hierAlign" val="rB"/>
+                        </dgm:alg>
+                        <dgm:constrLst>
+                          <dgm:constr type="alignOff" val="0.75"/>
+                        </dgm:constrLst>
+                      </dgm:else>
+                    </dgm:choose>
+                  </dgm:if>
+                  <dgm:if name="Name128" func="var" arg="hierBranch" op="equ" val="hang">
+                    <dgm:choose name="Name129">
+                      <dgm:if name="Name130" func="var" arg="dir" op="equ" val="norm">
+                        <dgm:alg type="hierRoot">
+                          <dgm:param type="hierAlign" val="lCtrCh"/>
+                        </dgm:alg>
+                        <dgm:constrLst>
+                          <dgm:constr type="alignOff" val="0.65"/>
+                        </dgm:constrLst>
+                      </dgm:if>
+                      <dgm:else name="Name131">
+                        <dgm:alg type="hierRoot">
+                          <dgm:param type="hierAlign" val="rCtrCh"/>
+                        </dgm:alg>
+                        <dgm:constrLst>
+                          <dgm:constr type="alignOff" val="0.65"/>
+                        </dgm:constrLst>
+                      </dgm:else>
+                    </dgm:choose>
+                  </dgm:if>
+                  <dgm:else name="Name132">
+                    <dgm:choose name="Name133">
+                      <dgm:if name="Name134" func="var" arg="dir" op="equ" val="norm">
+                        <dgm:alg type="hierRoot">
+                          <dgm:param type="hierAlign" val="lCtrCh"/>
+                        </dgm:alg>
+                        <dgm:constrLst>
+                          <dgm:constr type="alignOff"/>
+                          <dgm:constr type="bendDist" for="des" ptType="parTrans" refType="sp" fact="0.5"/>
+                        </dgm:constrLst>
+                      </dgm:if>
+                      <dgm:else name="Name135">
+                        <dgm:alg type="hierRoot">
+                          <dgm:param type="hierAlign" val="rCtrCh"/>
+                        </dgm:alg>
+                        <dgm:constrLst>
+                          <dgm:constr type="alignOff"/>
+                          <dgm:constr type="bendDist" for="des" ptType="parTrans" refType="sp" fact="0.5"/>
+                        </dgm:constrLst>
+                      </dgm:else>
+                    </dgm:choose>
+                  </dgm:else>
+                </dgm:choose>
+                <dgm:shape xmlns:r="http://schemas.openxmlformats.org/officeDocument/2006/relationships" r:blip="">
+                  <dgm:adjLst/>
+                </dgm:shape>
+                <dgm:presOf/>
+                <dgm:ruleLst/>
+                <dgm:layoutNode name="rootComposite3">
+                  <dgm:alg type="composite"/>
+                  <dgm:shape xmlns:r="http://schemas.openxmlformats.org/officeDocument/2006/relationships" r:blip="">
+                    <dgm:adjLst/>
+                  </dgm:shape>
+                  <dgm:presOf axis="self" ptType="node" cnt="1"/>
+                  <dgm:choose name="Name136">
+                    <dgm:if name="Name137" func="var" arg="hierBranch" op="equ" val="init">
+                      <dgm:constrLst>
+                        <dgm:constr type="l" for="ch" forName="rootText3"/>
+                        <dgm:constr type="t" for="ch" forName="rootText3"/>
+                        <dgm:constr type="w" for="ch" forName="rootText3" refType="w"/>
+                        <dgm:constr type="h" for="ch" forName="rootText3" refType="h"/>
+                        <dgm:constr type="l" for="ch" forName="rootConnector3"/>
+                        <dgm:constr type="t" for="ch" forName="rootConnector3"/>
+                        <dgm:constr type="w" for="ch" forName="rootConnector3" refType="w" refFor="ch" refForName="rootText3" fact="0.2"/>
+                        <dgm:constr type="h" for="ch" forName="rootConnector3" refType="h" refFor="ch" refForName="rootText3"/>
+                      </dgm:constrLst>
+                    </dgm:if>
+                    <dgm:if name="Name138" func="var" arg="hierBranch" op="equ" val="l">
+                      <dgm:constrLst>
+                        <dgm:constr type="l" for="ch" forName="rootText3"/>
+                        <dgm:constr type="t" for="ch" forName="rootText3"/>
+                        <dgm:constr type="w" for="ch" forName="rootText3" refType="w"/>
+                        <dgm:constr type="h" for="ch" forName="rootText3" refType="h"/>
+                        <dgm:constr type="r" for="ch" forName="rootConnector3" refType="w"/>
+                        <dgm:constr type="t" for="ch" forName="rootConnector3"/>
+                        <dgm:constr type="w" for="ch" forName="rootConnector3" refType="w" refFor="ch" refForName="rootText3" fact="0.2"/>
+                        <dgm:constr type="h" for="ch" forName="rootConnector3" refType="h" refFor="ch" refForName="rootText3"/>
+                      </dgm:constrLst>
+                    </dgm:if>
+                    <dgm:if name="Name139" func="var" arg="hierBranch" op="equ" val="r">
+                      <dgm:constrLst>
+                        <dgm:constr type="l" for="ch" forName="rootText3"/>
+                        <dgm:constr type="t" for="ch" forName="rootText3"/>
+                        <dgm:constr type="w" for="ch" forName="rootText3" refType="w"/>
+                        <dgm:constr type="h" for="ch" forName="rootText3" refType="h"/>
+                        <dgm:constr type="l" for="ch" forName="rootConnector3"/>
+                        <dgm:constr type="t" for="ch" forName="rootConnector3"/>
+                        <dgm:constr type="w" for="ch" forName="rootConnector3" refType="w" refFor="ch" refForName="rootText3" fact="0.2"/>
+                        <dgm:constr type="h" for="ch" forName="rootConnector3" refType="h" refFor="ch" refForName="rootText3"/>
+                      </dgm:constrLst>
+                    </dgm:if>
+                    <dgm:else name="Name140">
+                      <dgm:constrLst>
+                        <dgm:constr type="l" for="ch" forName="rootText3"/>
+                        <dgm:constr type="t" for="ch" forName="rootText3"/>
+                        <dgm:constr type="w" for="ch" forName="rootText3" refType="w"/>
+                        <dgm:constr type="h" for="ch" forName="rootText3" refType="h"/>
+                        <dgm:constr type="r" for="ch" forName="rootConnector3" refType="w"/>
+                        <dgm:constr type="t" for="ch" forName="rootConnector3"/>
+                        <dgm:constr type="w" for="ch" forName="rootConnector3" refType="w" refFor="ch" refForName="rootText3" fact="0.2"/>
+                        <dgm:constr type="h" for="ch" forName="rootConnector3" refType="h" refFor="ch" refForName="rootText3"/>
+                      </dgm:constrLst>
+                    </dgm:else>
+                  </dgm:choose>
+                  <dgm:ruleLst/>
+                  <dgm:layoutNode name="rootText3">
+                    <dgm:varLst>
+                      <dgm:chPref val="3"/>
+                    </dgm:varLst>
+                    <dgm:alg type="tx"/>
+                    <dgm:shape xmlns:r="http://schemas.openxmlformats.org/officeDocument/2006/relationships" type="rect" r:blip="">
+                      <dgm:adjLst/>
+                    </dgm:shape>
+                    <dgm:presOf axis="self" ptType="node" cnt="1"/>
+                    <dgm:constrLst>
+                      <dgm:constr type="primFontSz" val="65"/>
+                      <dgm:constr type="lMarg" refType="primFontSz" fact="0.05"/>
+                      <dgm:constr type="rMarg" refType="primFontSz" fact="0.05"/>
+                      <dgm:constr type="tMarg" refType="primFontSz" fact="0.05"/>
+                      <dgm:constr type="bMarg" refType="primFontSz" fact="0.05"/>
+                    </dgm:constrLst>
+                    <dgm:ruleLst>
+                      <dgm:rule type="primFontSz" val="5" fact="NaN" max="NaN"/>
+                    </dgm:ruleLst>
+                  </dgm:layoutNode>
+                  <dgm:layoutNode name="rootConnector3" moveWith="rootText1">
+                    <dgm:alg type="sp"/>
+                    <dgm:shape xmlns:r="http://schemas.openxmlformats.org/officeDocument/2006/relationships" type="rect" r:blip="" hideGeom="1">
+                      <dgm:adjLst/>
+                    </dgm:shape>
+                    <dgm:presOf axis="self" ptType="node" cnt="1"/>
+                    <dgm:constrLst/>
+                    <dgm:ruleLst/>
+                  </dgm:layoutNode>
+                </dgm:layoutNode>
+                <dgm:layoutNode name="hierChild6">
+                  <dgm:choose name="Name141">
+                    <dgm:if name="Name142" func="var" arg="hierBranch" op="equ" val="l">
+                      <dgm:choose name="Name143">
+                        <dgm:if name="Name144" func="var" arg="dir" op="equ" val="norm">
+                          <dgm:alg type="hierChild">
+                            <dgm:param type="chAlign" val="t"/>
+                            <dgm:param type="linDir" val="fromL"/>
+                          </dgm:alg>
+                        </dgm:if>
+                        <dgm:else name="Name145">
+                          <dgm:alg type="hierChild">
+                            <dgm:param type="chAlign" val="t"/>
+                            <dgm:param type="linDir" val="fromR"/>
+                          </dgm:alg>
+                        </dgm:else>
+                      </dgm:choose>
+                    </dgm:if>
+                    <dgm:if name="Name146" func="var" arg="hierBranch" op="equ" val="r">
+                      <dgm:choose name="Name147">
+                        <dgm:if name="Name148" func="var" arg="dir" op="equ" val="norm">
+                          <dgm:alg type="hierChild">
+                            <dgm:param type="chAlign" val="b"/>
+                            <dgm:param type="linDir" val="fromL"/>
+                          </dgm:alg>
+                        </dgm:if>
+                        <dgm:else name="Name149">
+                          <dgm:alg type="hierChild">
+                            <dgm:param type="chAlign" val="b"/>
+                            <dgm:param type="linDir" val="fromR"/>
+                          </dgm:alg>
+                        </dgm:else>
+                      </dgm:choose>
+                    </dgm:if>
+                    <dgm:if name="Name150" func="var" arg="hierBranch" op="equ" val="hang">
+                      <dgm:choose name="Name151">
+                        <dgm:if name="Name152" func="var" arg="dir" op="equ" val="norm">
+                          <dgm:alg type="hierChild">
+                            <dgm:param type="chAlign" val="l"/>
+                            <dgm:param type="linDir" val="fromT"/>
+                            <dgm:param type="secChAlign" val="t"/>
+                            <dgm:param type="secLinDir" val="fromL"/>
+                          </dgm:alg>
+                        </dgm:if>
+                        <dgm:else name="Name153">
+                          <dgm:alg type="hierChild">
+                            <dgm:param type="chAlign" val="r"/>
+                            <dgm:param type="linDir" val="fromT"/>
+                            <dgm:param type="secChAlign" val="t"/>
+                            <dgm:param type="secLinDir" val="fromR"/>
+                          </dgm:alg>
+                        </dgm:else>
+                      </dgm:choose>
+                    </dgm:if>
+                    <dgm:else name="Name154">
+                      <dgm:choose name="Name155">
+                        <dgm:if name="Name156" func="var" arg="dir" op="equ" val="norm">
+                          <dgm:alg type="hierChild">
+                            <dgm:param type="linDir" val="fromT"/>
+                            <dgm:param type="chAlign" val="l"/>
+                          </dgm:alg>
+                        </dgm:if>
+                        <dgm:else name="Name157">
+                          <dgm:alg type="hierChild">
+                            <dgm:param type="linDir" val="fromT"/>
+                            <dgm:param type="chAlign" val="r"/>
+                          </dgm:alg>
+                        </dgm:else>
+                      </dgm:choose>
+                    </dgm:else>
+                  </dgm:choose>
+                  <dgm:shape xmlns:r="http://schemas.openxmlformats.org/officeDocument/2006/relationships" r:blip="">
+                    <dgm:adjLst/>
+                  </dgm:shape>
+                  <dgm:presOf/>
+                  <dgm:constrLst/>
+                  <dgm:ruleLst/>
+                  <dgm:forEach name="Name158" ref="rep2a"/>
+                </dgm:layoutNode>
+                <dgm:layoutNode name="hierChild7">
+                  <dgm:choose name="Name159">
+                    <dgm:if name="Name160" func="var" arg="dir" op="equ" val="norm">
+                      <dgm:alg type="hierChild">
+                        <dgm:param type="chAlign" val="l"/>
+                        <dgm:param type="linDir" val="fromT"/>
+                        <dgm:param type="secChAlign" val="t"/>
+                        <dgm:param type="secLinDir" val="fromL"/>
+                      </dgm:alg>
+                    </dgm:if>
+                    <dgm:else name="Name161">
+                      <dgm:alg type="hierChild">
+                        <dgm:param type="chAlign" val="r"/>
+                        <dgm:param type="linDir" val="fromT"/>
+                        <dgm:param type="secChAlign" val="t"/>
+                        <dgm:param type="secLinDir" val="fromR"/>
+                      </dgm:alg>
+                    </dgm:else>
+                  </dgm:choose>
+                  <dgm:shape xmlns:r="http://schemas.openxmlformats.org/officeDocument/2006/relationships" r:blip="">
+                    <dgm:adjLst/>
+                  </dgm:shape>
+                  <dgm:presOf/>
+                  <dgm:constrLst/>
+                  <dgm:ruleLst/>
+                  <dgm:forEach name="Name162" ref="rep2b"/>
+                </dgm:layoutNode>
+              </dgm:layoutNode>
+            </dgm:forEach>
+          </dgm:layoutNode>
+        </dgm:layoutNode>
+      </dgm:forEach>
+    </dgm:forEach>
+  </dgm:layoutNode>
+</dgm:layoutDef>
+</file>
+
+<file path=ppt/diagrams/quickStyle1.xml><?xml version="1.0" encoding="utf-8"?>
+<dgm:styleDef xmlns:dgm="http://schemas.openxmlformats.org/drawingml/2006/diagram" xmlns:a="http://schemas.openxmlformats.org/drawingml/2006/main" uniqueId="urn:microsoft.com/office/officeart/2005/8/quickstyle/simple1">
+  <dgm:title val=""/>
+  <dgm:desc val=""/>
+  <dgm:catLst>
+    <dgm:cat type="simple" pri="10100"/>
+  </dgm:catLst>
+  <dgm:scene3d>
+    <a:camera prst="orthographicFront"/>
+    <a:lightRig rig="threePt" dir="t"/>
+  </dgm:scene3d>
+  <dgm:styleLbl name="node0">
+    <dgm:scene3d>
+      <a:camera prst="orthographicFront"/>
+      <a:lightRig rig="threePt" dir="t"/>
+    </dgm:scene3d>
+    <dgm:sp3d/>
+    <dgm:txPr/>
+    <dgm:style>
+      <a:lnRef idx="2">
+        <a:scrgbClr r="0" g="0" b="0"/>
+      </a:lnRef>
+      <a:fillRef idx="1">
+        <a:scrgbClr r="0" g="0" b="0"/>
+      </a:fillRef>
+      <a:effectRef idx="0">
+        <a:scrgbClr r="0" g="0" b="0"/>
+      </a:effectRef>
+      <a:fontRef idx="minor">
+        <a:schemeClr val="lt1"/>
+      </a:fontRef>
+    </dgm:style>
+  </dgm:styleLbl>
+  <dgm:styleLbl name="lnNode1">
+    <dgm:scene3d>
+      <a:camera prst="orthographicFront"/>
+      <a:lightRig rig="threePt" dir="t"/>
+    </dgm:scene3d>
+    <dgm:sp3d/>
+    <dgm:txPr/>
+    <dgm:style>
+      <a:lnRef idx="2">
+        <a:scrgbClr r="0" g="0" b="0"/>
+      </a:lnRef>
+      <a:fillRef idx="1">
+        <a:scrgbClr r="0" g="0" b="0"/>
+      </a:fillRef>
+      <a:effectRef idx="0">
+        <a:scrgbClr r="0" g="0" b="0"/>
+      </a:effectRef>
+      <a:fontRef idx="minor">
+        <a:schemeClr val="lt1"/>
+      </a:fontRef>
+    </dgm:style>
+  </dgm:styleLbl>
+  <dgm:styleLbl name="vennNode1">
+    <dgm:scene3d>
+      <a:camera prst="orthographicFront"/>
+      <a:lightRig rig="threePt" dir="t"/>
+    </dgm:scene3d>
+    <dgm:sp3d/>
+    <dgm:txPr/>
+    <dgm:style>
+      <a:lnRef idx="2">
+        <a:scrgbClr r="0" g="0" b="0"/>
+      </a:lnRef>
+      <a:fillRef idx="1">
+        <a:scrgbClr r="0" g="0" b="0"/>
+      </a:fillRef>
+      <a:effectRef idx="0">
+        <a:scrgbClr r="0" g="0" b="0"/>
+      </a:effectRef>
+      <a:fontRef idx="minor">
+        <a:schemeClr val="tx1"/>
+      </a:fontRef>
+    </dgm:style>
+  </dgm:styleLbl>
+  <dgm:styleLbl name="alignNode1">
+    <dgm:scene3d>
+      <a:camera prst="orthographicFront"/>
+      <a:lightRig rig="threePt" dir="t"/>
+    </dgm:scene3d>
+    <dgm:sp3d/>
+    <dgm:txPr/>
+    <dgm:style>
+      <a:lnRef idx="2">
+        <a:scrgbClr r="0" g="0" b="0"/>
+      </a:lnRef>
+      <a:fillRef idx="1">
+        <a:scrgbClr r="0" g="0" b="0"/>
+      </a:fillRef>
+      <a:effectRef idx="0">
+        <a:scrgbClr r="0" g="0" b="0"/>
+      </a:effectRef>
+      <a:fontRef idx="minor">
+        <a:schemeClr val="lt1"/>
+      </a:fontRef>
+    </dgm:style>
+  </dgm:styleLbl>
+  <dgm:styleLbl name="node1">
+    <dgm:scene3d>
+      <a:camera prst="orthographicFront"/>
+      <a:lightRig rig="threePt" dir="t"/>
+    </dgm:scene3d>
+    <dgm:sp3d/>
+    <dgm:txPr/>
+    <dgm:style>
+      <a:lnRef idx="2">
+        <a:scrgbClr r="0" g="0" b="0"/>
+      </a:lnRef>
+      <a:fillRef idx="1">
+        <a:scrgbClr r="0" g="0" b="0"/>
+      </a:fillRef>
+      <a:effectRef idx="0">
+        <a:scrgbClr r="0" g="0" b="0"/>
+      </a:effectRef>
+      <a:fontRef idx="minor">
+        <a:schemeClr val="lt1"/>
+      </a:fontRef>
+    </dgm:style>
+  </dgm:styleLbl>
+  <dgm:styleLbl name="node2">
+    <dgm:scene3d>
+      <a:camera prst="orthographicFront"/>
+      <a:lightRig rig="threePt" dir="t"/>
+    </dgm:scene3d>
+    <dgm:sp3d/>
+    <dgm:txPr/>
+    <dgm:style>
+      <a:lnRef idx="2">
+        <a:scrgbClr r="0" g="0" b="0"/>
+      </a:lnRef>
+      <a:fillRef idx="1">
+        <a:scrgbClr r="0" g="0" b="0"/>
+      </a:fillRef>
+      <a:effectRef idx="0">
+        <a:scrgbClr r="0" g="0" b="0"/>
+      </a:effectRef>
+      <a:fontRef idx="minor">
+        <a:schemeClr val="lt1"/>
+      </a:fontRef>
+    </dgm:style>
+  </dgm:styleLbl>
+  <dgm:styleLbl name="node3">
+    <dgm:scene3d>
+      <a:camera prst="orthographicFront"/>
+      <a:lightRig rig="threePt" dir="t"/>
+    </dgm:scene3d>
+    <dgm:sp3d/>
+    <dgm:txPr/>
+    <dgm:style>
+      <a:lnRef idx="2">
+        <a:scrgbClr r="0" g="0" b="0"/>
+      </a:lnRef>
+      <a:fillRef idx="1">
+        <a:scrgbClr r="0" g="0" b="0"/>
+      </a:fillRef>
+      <a:effectRef idx="0">
+        <a:scrgbClr r="0" g="0" b="0"/>
+      </a:effectRef>
+      <a:fontRef idx="minor">
+        <a:schemeClr val="lt1"/>
+      </a:fontRef>
+    </dgm:style>
+  </dgm:styleLbl>
+  <dgm:styleLbl name="node4">
+    <dgm:scene3d>
+      <a:camera prst="orthographicFront"/>
+      <a:lightRig rig="threePt" dir="t"/>
+    </dgm:scene3d>
+    <dgm:sp3d/>
+    <dgm:txPr/>
+    <dgm:style>
+      <a:lnRef idx="2">
+        <a:scrgbClr r="0" g="0" b="0"/>
+      </a:lnRef>
+      <a:fillRef idx="1">
+        <a:scrgbClr r="0" g="0" b="0"/>
+      </a:fillRef>
+      <a:effectRef idx="0">
+        <a:scrgbClr r="0" g="0" b="0"/>
+      </a:effectRef>
+      <a:fontRef idx="minor">
+        <a:schemeClr val="lt1"/>
+      </a:fontRef>
+    </dgm:style>
+  </dgm:styleLbl>
+  <dgm:styleLbl name="fgImgPlace1">
+    <dgm:scene3d>
+      <a:camera prst="orthographicFront"/>
+      <a:lightRig rig="threePt" dir="t"/>
+    </dgm:scene3d>
+    <dgm:sp3d/>
+    <dgm:txPr/>
+    <dgm:style>
+      <a:lnRef idx="2">
+        <a:scrgbClr r="0" g="0" b="0"/>
+      </a:lnRef>
+      <a:fillRef idx="1">
+        <a:scrgbClr r="0" g="0" b="0"/>
+      </a:fillRef>
+      <a:effectRef idx="0">
+        <a:scrgbClr r="0" g="0" b="0"/>
+      </a:effectRef>
+      <a:fontRef idx="minor"/>
+    </dgm:style>
+  </dgm:styleLbl>
+  <dgm:styleLbl name="alignImgPlace1">
+    <dgm:scene3d>
+      <a:camera prst="orthographicFront"/>
+      <a:lightRig rig="threePt" dir="t"/>
+    </dgm:scene3d>
+    <dgm:sp3d/>
+    <dgm:txPr/>
+    <dgm:style>
+      <a:lnRef idx="2">
+        <a:scrgbClr r="0" g="0" b="0"/>
+      </a:lnRef>
+      <a:fillRef idx="1">
+        <a:scrgbClr r="0" g="0" b="0"/>
+      </a:fillRef>
+      <a:effectRef idx="0">
+        <a:scrgbClr r="0" g="0" b="0"/>
+      </a:effectRef>
+      <a:fontRef idx="minor"/>
+    </dgm:style>
+  </dgm:styleLbl>
+  <dgm:styleLbl name="bgImgPlace1">
+    <dgm:scene3d>
+      <a:camera prst="orthographicFront"/>
+      <a:lightRig rig="threePt" dir="t"/>
+    </dgm:scene3d>
+    <dgm:sp3d/>
+    <dgm:txPr/>
+    <dgm:style>
+      <a:lnRef idx="2">
+        <a:scrgbClr r="0" g="0" b="0"/>
+      </a:lnRef>
+      <a:fillRef idx="1">
+        <a:scrgbClr r="0" g="0" b="0"/>
+      </a:fillRef>
+      <a:effectRef idx="0">
+        <a:scrgbClr r="0" g="0" b="0"/>
+      </a:effectRef>
+      <a:fontRef idx="minor"/>
+    </dgm:style>
+  </dgm:styleLbl>
+  <dgm:styleLbl name="sibTrans2D1">
+    <dgm:scene3d>
+      <a:camera prst="orthographicFront"/>
+      <a:lightRig rig="threePt" dir="t"/>
+    </dgm:scene3d>
+    <dgm:sp3d/>
+    <dgm:txPr/>
+    <dgm:style>
+      <a:lnRef idx="0">
+        <a:scrgbClr r="0" g="0" b="0"/>
+      </a:lnRef>
+      <a:fillRef idx="1">
+        <a:scrgbClr r="0" g="0" b="0"/>
+      </a:fillRef>
+      <a:effectRef idx="0">
+        <a:scrgbClr r="0" g="0" b="0"/>
+      </a:effectRef>
+      <a:fontRef idx="minor">
+        <a:schemeClr val="lt1"/>
+      </a:fontRef>
+    </dgm:style>
+  </dgm:styleLbl>
+  <dgm:styleLbl name="fgSibTrans2D1">
+    <dgm:scene3d>
+      <a:camera prst="orthographicFront"/>
+      <a:lightRig rig="threePt" dir="t"/>
+    </dgm:scene3d>
+    <dgm:sp3d/>
+    <dgm:txPr/>
+    <dgm:style>
+      <a:lnRef idx="0">
+        <a:scrgbClr r="0" g="0" b="0"/>
+      </a:lnRef>
+      <a:fillRef idx="1">
+        <a:scrgbClr r="0" g="0" b="0"/>
+      </a:fillRef>
+      <a:effectRef idx="0">
+        <a:scrgbClr r="0" g="0" b="0"/>
+      </a:effectRef>
+      <a:fontRef idx="minor">
+        <a:schemeClr val="lt1"/>
+      </a:fontRef>
+    </dgm:style>
+  </dgm:styleLbl>
+  <dgm:styleLbl name="bgSibTrans2D1">
+    <dgm:scene3d>
+      <a:camera prst="orthographicFront"/>
+      <a:lightRig rig="threePt" dir="t"/>
+    </dgm:scene3d>
+    <dgm:sp3d/>
+    <dgm:txPr/>
+    <dgm:style>
+      <a:lnRef idx="0">
+        <a:scrgbClr r="0" g="0" b="0"/>
+      </a:lnRef>
+      <a:fillRef idx="1">
+        <a:scrgbClr r="0" g="0" b="0"/>
+      </a:fillRef>
+      <a:effectRef idx="0">
+        <a:scrgbClr r="0" g="0" b="0"/>
+      </a:effectRef>
+      <a:fontRef idx="minor">
+        <a:schemeClr val="lt1"/>
+      </a:fontRef>
+    </dgm:style>
+  </dgm:styleLbl>
+  <dgm:styleLbl name="sibTrans1D1">
+    <dgm:scene3d>
+      <a:camera prst="orthographicFront"/>
+      <a:lightRig rig="threePt" dir="t"/>
+    </dgm:scene3d>
+    <dgm:sp3d/>
+    <dgm:txPr/>
+    <dgm:style>
+      <a:lnRef idx="1">
+        <a:scrgbClr r="0" g="0" b="0"/>
+      </a:lnRef>
+      <a:fillRef idx="0">
+        <a:scrgbClr r="0" g="0" b="0"/>
+      </a:fillRef>
+      <a:effectRef idx="0">
+        <a:scrgbClr r="0" g="0" b="0"/>
+      </a:effectRef>
+      <a:fontRef idx="minor"/>
+    </dgm:style>
+  </dgm:styleLbl>
+  <dgm:styleLbl name="callout">
+    <dgm:scene3d>
+      <a:camera prst="orthographicFront"/>
+      <a:lightRig rig="threePt" dir="t"/>
+    </dgm:scene3d>
+    <dgm:sp3d/>
+    <dgm:txPr/>
+    <dgm:style>
+      <a:lnRef idx="2">
+        <a:scrgbClr r="0" g="0" b="0"/>
+      </a:lnRef>
+      <a:fillRef idx="1">
+        <a:scrgbClr r="0" g="0" b="0"/>
+      </a:fillRef>
+      <a:effectRef idx="0">
+        <a:scrgbClr r="0" g="0" b="0"/>
+      </a:effectRef>
+      <a:fontRef idx="minor"/>
+    </dgm:style>
+  </dgm:styleLbl>
+  <dgm:styleLbl name="asst0">
+    <dgm:scene3d>
+      <a:camera prst="orthographicFront"/>
+      <a:lightRig rig="threePt" dir="t"/>
+    </dgm:scene3d>
+    <dgm:sp3d/>
+    <dgm:txPr/>
+    <dgm:style>
+      <a:lnRef idx="2">
+        <a:scrgbClr r="0" g="0" b="0"/>
+      </a:lnRef>
+      <a:fillRef idx="1">
+        <a:scrgbClr r="0" g="0" b="0"/>
+      </a:fillRef>
+      <a:effectRef idx="0">
+        <a:scrgbClr r="0" g="0" b="0"/>
+      </a:effectRef>
+      <a:fontRef idx="minor">
+        <a:schemeClr val="lt1"/>
+      </a:fontRef>
+    </dgm:style>
+  </dgm:styleLbl>
+  <dgm:styleLbl name="asst1">
+    <dgm:scene3d>
+      <a:camera prst="orthographicFront"/>
+      <a:lightRig rig="threePt" dir="t"/>
+    </dgm:scene3d>
+    <dgm:sp3d/>
+    <dgm:txPr/>
+    <dgm:style>
+      <a:lnRef idx="2">
+        <a:scrgbClr r="0" g="0" b="0"/>
+      </a:lnRef>
+      <a:fillRef idx="1">
+        <a:scrgbClr r="0" g="0" b="0"/>
+      </a:fillRef>
+      <a:effectRef idx="0">
+        <a:scrgbClr r="0" g="0" b="0"/>
+      </a:effectRef>
+      <a:fontRef idx="minor">
+        <a:schemeClr val="lt1"/>
+      </a:fontRef>
+    </dgm:style>
+  </dgm:styleLbl>
+  <dgm:styleLbl name="asst2">
+    <dgm:scene3d>
+      <a:camera prst="orthographicFront"/>
+      <a:lightRig rig="threePt" dir="t"/>
+    </dgm:scene3d>
+    <dgm:sp3d/>
+    <dgm:txPr/>
+    <dgm:style>
+      <a:lnRef idx="2">
+        <a:scrgbClr r="0" g="0" b="0"/>
+      </a:lnRef>
+      <a:fillRef idx="1">
+        <a:scrgbClr r="0" g="0" b="0"/>
+      </a:fillRef>
+      <a:effectRef idx="0">
+        <a:scrgbClr r="0" g="0" b="0"/>
+      </a:effectRef>
+      <a:fontRef idx="minor">
+        <a:schemeClr val="lt1"/>
+      </a:fontRef>
+    </dgm:style>
+  </dgm:styleLbl>
+  <dgm:styleLbl name="asst3">
+    <dgm:scene3d>
+      <a:camera prst="orthographicFront"/>
+      <a:lightRig rig="threePt" dir="t"/>
+    </dgm:scene3d>
+    <dgm:sp3d/>
+    <dgm:txPr/>
+    <dgm:style>
+      <a:lnRef idx="2">
+        <a:scrgbClr r="0" g="0" b="0"/>
+      </a:lnRef>
+      <a:fillRef idx="1">
+        <a:scrgbClr r="0" g="0" b="0"/>
+      </a:fillRef>
+      <a:effectRef idx="0">
+        <a:scrgbClr r="0" g="0" b="0"/>
+      </a:effectRef>
+      <a:fontRef idx="minor">
+        <a:schemeClr val="lt1"/>
+      </a:fontRef>
+    </dgm:style>
+  </dgm:styleLbl>
+  <dgm:styleLbl name="asst4">
+    <dgm:scene3d>
+      <a:camera prst="orthographicFront"/>
+      <a:lightRig rig="threePt" dir="t"/>
+    </dgm:scene3d>
+    <dgm:sp3d/>
+    <dgm:txPr/>
+    <dgm:style>
+      <a:lnRef idx="2">
+        <a:scrgbClr r="0" g="0" b="0"/>
+      </a:lnRef>
+      <a:fillRef idx="1">
+        <a:scrgbClr r="0" g="0" b="0"/>
+      </a:fillRef>
+      <a:effectRef idx="0">
+        <a:scrgbClr r="0" g="0" b="0"/>
+      </a:effectRef>
+      <a:fontRef idx="minor">
+        <a:schemeClr val="lt1"/>
+      </a:fontRef>
+    </dgm:style>
+  </dgm:styleLbl>
+  <dgm:styleLbl name="parChTrans2D1">
+    <dgm:scene3d>
+      <a:camera prst="orthographicFront"/>
+      <a:lightRig rig="threePt" dir="t"/>
+    </dgm:scene3d>
+    <dgm:sp3d/>
+    <dgm:txPr/>
+    <dgm:style>
+      <a:lnRef idx="2">
+        <a:scrgbClr r="0" g="0" b="0"/>
+      </a:lnRef>
+      <a:fillRef idx="1">
+        <a:scrgbClr r="0" g="0" b="0"/>
+      </a:fillRef>
+      <a:effectRef idx="0">
+        <a:scrgbClr r="0" g="0" b="0"/>
+      </a:effectRef>
+      <a:fontRef idx="minor">
+        <a:schemeClr val="lt1"/>
+      </a:fontRef>
+    </dgm:style>
+  </dgm:styleLbl>
+  <dgm:styleLbl name="parChTrans2D2">
+    <dgm:scene3d>
+      <a:camera prst="orthographicFront"/>
+      <a:lightRig rig="threePt" dir="t"/>
+    </dgm:scene3d>
+    <dgm:sp3d/>
+    <dgm:txPr/>
+    <dgm:style>
+      <a:lnRef idx="2">
+        <a:scrgbClr r="0" g="0" b="0"/>
+      </a:lnRef>
+      <a:fillRef idx="1">
+        <a:scrgbClr r="0" g="0" b="0"/>
+      </a:fillRef>
+      <a:effectRef idx="0">
+        <a:scrgbClr r="0" g="0" b="0"/>
+      </a:effectRef>
+      <a:fontRef idx="minor">
+        <a:schemeClr val="lt1"/>
+      </a:fontRef>
+    </dgm:style>
+  </dgm:styleLbl>
+  <dgm:styleLbl name="parChTrans2D3">
+    <dgm:scene3d>
+      <a:camera prst="orthographicFront"/>
+      <a:lightRig rig="threePt" dir="t"/>
+    </dgm:scene3d>
+    <dgm:sp3d/>
+    <dgm:txPr/>
+    <dgm:style>
+      <a:lnRef idx="2">
+        <a:scrgbClr r="0" g="0" b="0"/>
+      </a:lnRef>
+      <a:fillRef idx="1">
+        <a:scrgbClr r="0" g="0" b="0"/>
+      </a:fillRef>
+      <a:effectRef idx="0">
+        <a:scrgbClr r="0" g="0" b="0"/>
+      </a:effectRef>
+      <a:fontRef idx="minor">
+        <a:schemeClr val="lt1"/>
+      </a:fontRef>
+    </dgm:style>
+  </dgm:styleLbl>
+  <dgm:styleLbl name="parChTrans2D4">
+    <dgm:scene3d>
+      <a:camera prst="orthographicFront"/>
+      <a:lightRig rig="threePt" dir="t"/>
+    </dgm:scene3d>
+    <dgm:sp3d/>
+    <dgm:txPr/>
+    <dgm:style>
+      <a:lnRef idx="2">
+        <a:scrgbClr r="0" g="0" b="0"/>
+      </a:lnRef>
+      <a:fillRef idx="1">
+        <a:scrgbClr r="0" g="0" b="0"/>
+      </a:fillRef>
+      <a:effectRef idx="0">
+        <a:scrgbClr r="0" g="0" b="0"/>
+      </a:effectRef>
+      <a:fontRef idx="minor">
+        <a:schemeClr val="lt1"/>
+      </a:fontRef>
+    </dgm:style>
+  </dgm:styleLbl>
+  <dgm:styleLbl name="parChTrans1D1">
+    <dgm:scene3d>
+      <a:camera prst="orthographicFront"/>
+      <a:lightRig rig="threePt" dir="t"/>
+    </dgm:scene3d>
+    <dgm:sp3d/>
+    <dgm:txPr/>
+    <dgm:style>
+      <a:lnRef idx="2">
+        <a:scrgbClr r="0" g="0" b="0"/>
+      </a:lnRef>
+      <a:fillRef idx="0">
+        <a:scrgbClr r="0" g="0" b="0"/>
+      </a:fillRef>
+      <a:effectRef idx="0">
+        <a:scrgbClr r="0" g="0" b="0"/>
+      </a:effectRef>
+      <a:fontRef idx="minor"/>
+    </dgm:style>
+  </dgm:styleLbl>
+  <dgm:styleLbl name="parChTrans1D2">
+    <dgm:scene3d>
+      <a:camera prst="orthographicFront"/>
+      <a:lightRig rig="threePt" dir="t"/>
+    </dgm:scene3d>
+    <dgm:sp3d/>
+    <dgm:txPr/>
+    <dgm:style>
+      <a:lnRef idx="2">
+        <a:scrgbClr r="0" g="0" b="0"/>
+      </a:lnRef>
+      <a:fillRef idx="0">
+        <a:scrgbClr r="0" g="0" b="0"/>
+      </a:fillRef>
+      <a:effectRef idx="0">
+        <a:scrgbClr r="0" g="0" b="0"/>
+      </a:effectRef>
+      <a:fontRef idx="minor"/>
+    </dgm:style>
+  </dgm:styleLbl>
+  <dgm:styleLbl name="parChTrans1D3">
+    <dgm:scene3d>
+      <a:camera prst="orthographicFront"/>
+      <a:lightRig rig="threePt" dir="t"/>
+    </dgm:scene3d>
+    <dgm:sp3d/>
+    <dgm:txPr/>
+    <dgm:style>
+      <a:lnRef idx="2">
+        <a:scrgbClr r="0" g="0" b="0"/>
+      </a:lnRef>
+      <a:fillRef idx="0">
+        <a:scrgbClr r="0" g="0" b="0"/>
+      </a:fillRef>
+      <a:effectRef idx="0">
+        <a:scrgbClr r="0" g="0" b="0"/>
+      </a:effectRef>
+      <a:fontRef idx="minor"/>
+    </dgm:style>
+  </dgm:styleLbl>
+  <dgm:styleLbl name="parChTrans1D4">
+    <dgm:scene3d>
+      <a:camera prst="orthographicFront"/>
+      <a:lightRig rig="threePt" dir="t"/>
+    </dgm:scene3d>
+    <dgm:sp3d/>
+    <dgm:txPr/>
+    <dgm:style>
+      <a:lnRef idx="2">
+        <a:scrgbClr r="0" g="0" b="0"/>
+      </a:lnRef>
+      <a:fillRef idx="0">
+        <a:scrgbClr r="0" g="0" b="0"/>
+      </a:fillRef>
+      <a:effectRef idx="0">
+        <a:scrgbClr r="0" g="0" b="0"/>
+      </a:effectRef>
+      <a:fontRef idx="minor"/>
+    </dgm:style>
+  </dgm:styleLbl>
+  <dgm:styleLbl name="fgAcc1">
+    <dgm:scene3d>
+      <a:camera prst="orthographicFront"/>
+      <a:lightRig rig="threePt" dir="t"/>
+    </dgm:scene3d>
+    <dgm:sp3d/>
+    <dgm:txPr/>
+    <dgm:style>
+      <a:lnRef idx="2">
+        <a:scrgbClr r="0" g="0" b="0"/>
+      </a:lnRef>
+      <a:fillRef idx="1">
+        <a:scrgbClr r="0" g="0" b="0"/>
+      </a:fillRef>
+      <a:effectRef idx="0">
+        <a:scrgbClr r="0" g="0" b="0"/>
+      </a:effectRef>
+      <a:fontRef idx="minor"/>
+    </dgm:style>
+  </dgm:styleLbl>
+  <dgm:styleLbl name="conFgAcc1">
+    <dgm:scene3d>
+      <a:camera prst="orthographicFront"/>
+      <a:lightRig rig="threePt" dir="t"/>
+    </dgm:scene3d>
+    <dgm:sp3d/>
+    <dgm:txPr/>
+    <dgm:style>
+      <a:lnRef idx="2">
+        <a:scrgbClr r="0" g="0" b="0"/>
+      </a:lnRef>
+      <a:fillRef idx="1">
+        <a:scrgbClr r="0" g="0" b="0"/>
+      </a:fillRef>
+      <a:effectRef idx="0">
+        <a:scrgbClr r="0" g="0" b="0"/>
+      </a:effectRef>
+      <a:fontRef idx="minor"/>
+    </dgm:style>
+  </dgm:styleLbl>
+  <dgm:styleLbl name="alignAcc1">
+    <dgm:scene3d>
+      <a:camera prst="orthographicFront"/>
+      <a:lightRig rig="threePt" dir="t"/>
+    </dgm:scene3d>
+    <dgm:sp3d/>
+    <dgm:txPr/>
+    <dgm:style>
+      <a:lnRef idx="2">
+        <a:scrgbClr r="0" g="0" b="0"/>
+      </a:lnRef>
+      <a:fillRef idx="1">
+        <a:scrgbClr r="0" g="0" b="0"/>
+      </a:fillRef>
+      <a:effectRef idx="0">
+        <a:scrgbClr r="0" g="0" b="0"/>
+      </a:effectRef>
+      <a:fontRef idx="minor"/>
+    </dgm:style>
+  </dgm:styleLbl>
+  <dgm:styleLbl name="trAlignAcc1">
+    <dgm:scene3d>
+      <a:camera prst="orthographicFront"/>
+      <a:lightRig rig="threePt" dir="t"/>
+    </dgm:scene3d>
+    <dgm:sp3d/>
+    <dgm:txPr/>
+    <dgm:style>
+      <a:lnRef idx="1">
+        <a:scrgbClr r="0" g="0" b="0"/>
+      </a:lnRef>
+      <a:fillRef idx="1">
+        <a:scrgbClr r="0" g="0" b="0"/>
+      </a:fillRef>
+      <a:effectRef idx="0">
+        <a:scrgbClr r="0" g="0" b="0"/>
+      </a:effectRef>
+      <a:fontRef idx="minor"/>
+    </dgm:style>
+  </dgm:styleLbl>
+  <dgm:styleLbl name="bgAcc1">
+    <dgm:scene3d>
+      <a:camera prst="orthographicFront"/>
+      <a:lightRig rig="threePt" dir="t"/>
+    </dgm:scene3d>
+    <dgm:sp3d/>
+    <dgm:txPr/>
+    <dgm:style>
+      <a:lnRef idx="2">
+        <a:scrgbClr r="0" g="0" b="0"/>
+      </a:lnRef>
+      <a:fillRef idx="1">
+        <a:scrgbClr r="0" g="0" b="0"/>
+      </a:fillRef>
+      <a:effectRef idx="0">
+        <a:scrgbClr r="0" g="0" b="0"/>
+      </a:effectRef>
+      <a:fontRef idx="minor"/>
+    </dgm:style>
+  </dgm:styleLbl>
+  <dgm:styleLbl name="solidFgAcc1">
+    <dgm:scene3d>
+      <a:camera prst="orthographicFront"/>
+      <a:lightRig rig="threePt" dir="t"/>
+    </dgm:scene3d>
+    <dgm:sp3d/>
+    <dgm:txPr/>
+    <dgm:style>
+      <a:lnRef idx="2">
+        <a:scrgbClr r="0" g="0" b="0"/>
+      </a:lnRef>
+      <a:fillRef idx="1">
+        <a:scrgbClr r="0" g="0" b="0"/>
+      </a:fillRef>
+      <a:effectRef idx="0">
+        <a:scrgbClr r="0" g="0" b="0"/>
+      </a:effectRef>
+      <a:fontRef idx="minor"/>
+    </dgm:style>
+  </dgm:styleLbl>
+  <dgm:styleLbl name="solidAlignAcc1">
+    <dgm:scene3d>
+      <a:camera prst="orthographicFront"/>
+      <a:lightRig rig="threePt" dir="t"/>
+    </dgm:scene3d>
+    <dgm:sp3d/>
+    <dgm:txPr/>
+    <dgm:style>
+      <a:lnRef idx="2">
+        <a:scrgbClr r="0" g="0" b="0"/>
+      </a:lnRef>
+      <a:fillRef idx="1">
+        <a:scrgbClr r="0" g="0" b="0"/>
+      </a:fillRef>
+      <a:effectRef idx="0">
+        <a:scrgbClr r="0" g="0" b="0"/>
+      </a:effectRef>
+      <a:fontRef idx="minor"/>
+    </dgm:style>
+  </dgm:styleLbl>
+  <dgm:styleLbl name="solidBgAcc1">
+    <dgm:scene3d>
+      <a:camera prst="orthographicFront"/>
+      <a:lightRig rig="threePt" dir="t"/>
+    </dgm:scene3d>
+    <dgm:sp3d/>
+    <dgm:txPr/>
+    <dgm:style>
+      <a:lnRef idx="2">
+        <a:scrgbClr r="0" g="0" b="0"/>
+      </a:lnRef>
+      <a:fillRef idx="1">
+        <a:scrgbClr r="0" g="0" b="0"/>
+      </a:fillRef>
+      <a:effectRef idx="0">
+        <a:scrgbClr r="0" g="0" b="0"/>
+      </a:effectRef>
+      <a:fontRef idx="minor"/>
+    </dgm:style>
+  </dgm:styleLbl>
+  <dgm:styleLbl name="fgAccFollowNode1">
+    <dgm:scene3d>
+      <a:camera prst="orthographicFront"/>
+      <a:lightRig rig="threePt" dir="t"/>
+    </dgm:scene3d>
+    <dgm:sp3d/>
+    <dgm:txPr/>
+    <dgm:style>
+      <a:lnRef idx="2">
+        <a:scrgbClr r="0" g="0" b="0"/>
+      </a:lnRef>
+      <a:fillRef idx="1">
+        <a:scrgbClr r="0" g="0" b="0"/>
+      </a:fillRef>
+      <a:effectRef idx="0">
+        <a:scrgbClr r="0" g="0" b="0"/>
+      </a:effectRef>
+      <a:fontRef idx="minor"/>
+    </dgm:style>
+  </dgm:styleLbl>
+  <dgm:styleLbl name="alignAccFollowNode1">
+    <dgm:scene3d>
+      <a:camera prst="orthographicFront"/>
+      <a:lightRig rig="threePt" dir="t"/>
+    </dgm:scene3d>
+    <dgm:sp3d/>
+    <dgm:txPr/>
+    <dgm:style>
+      <a:lnRef idx="2">
+        <a:scrgbClr r="0" g="0" b="0"/>
+      </a:lnRef>
+      <a:fillRef idx="1">
+        <a:scrgbClr r="0" g="0" b="0"/>
+      </a:fillRef>
+      <a:effectRef idx="0">
+        <a:scrgbClr r="0" g="0" b="0"/>
+      </a:effectRef>
+      <a:fontRef idx="minor"/>
+    </dgm:style>
+  </dgm:styleLbl>
+  <dgm:styleLbl name="bgAccFollowNode1">
+    <dgm:scene3d>
+      <a:camera prst="orthographicFront"/>
+      <a:lightRig rig="threePt" dir="t"/>
+    </dgm:scene3d>
+    <dgm:sp3d/>
+    <dgm:txPr/>
+    <dgm:style>
+      <a:lnRef idx="2">
+        <a:scrgbClr r="0" g="0" b="0"/>
+      </a:lnRef>
+      <a:fillRef idx="1">
+        <a:scrgbClr r="0" g="0" b="0"/>
+      </a:fillRef>
+      <a:effectRef idx="0">
+        <a:scrgbClr r="0" g="0" b="0"/>
+      </a:effectRef>
+      <a:fontRef idx="minor"/>
+    </dgm:style>
+  </dgm:styleLbl>
+  <dgm:styleLbl name="fgAcc0">
+    <dgm:scene3d>
+      <a:camera prst="orthographicFront"/>
+      <a:lightRig rig="threePt" dir="t"/>
+    </dgm:scene3d>
+    <dgm:sp3d/>
+    <dgm:txPr/>
+    <dgm:style>
+      <a:lnRef idx="2">
+        <a:scrgbClr r="0" g="0" b="0"/>
+      </a:lnRef>
+      <a:fillRef idx="1">
+        <a:scrgbClr r="0" g="0" b="0"/>
+      </a:fillRef>
+      <a:effectRef idx="0">
+        <a:scrgbClr r="0" g="0" b="0"/>
+      </a:effectRef>
+      <a:fontRef idx="minor"/>
+    </dgm:style>
+  </dgm:styleLbl>
+  <dgm:styleLbl name="fgAcc2">
+    <dgm:scene3d>
+      <a:camera prst="orthographicFront"/>
+      <a:lightRig rig="threePt" dir="t"/>
+    </dgm:scene3d>
+    <dgm:sp3d/>
+    <dgm:txPr/>
+    <dgm:style>
+      <a:lnRef idx="2">
+        <a:scrgbClr r="0" g="0" b="0"/>
+      </a:lnRef>
+      <a:fillRef idx="1">
+        <a:scrgbClr r="0" g="0" b="0"/>
+      </a:fillRef>
+      <a:effectRef idx="0">
+        <a:scrgbClr r="0" g="0" b="0"/>
+      </a:effectRef>
+      <a:fontRef idx="minor"/>
+    </dgm:style>
+  </dgm:styleLbl>
+  <dgm:styleLbl name="fgAcc3">
+    <dgm:scene3d>
+      <a:camera prst="orthographicFront"/>
+      <a:lightRig rig="threePt" dir="t"/>
+    </dgm:scene3d>
+    <dgm:sp3d/>
+    <dgm:txPr/>
+    <dgm:style>
+      <a:lnRef idx="2">
+        <a:scrgbClr r="0" g="0" b="0"/>
+      </a:lnRef>
+      <a:fillRef idx="1">
+        <a:scrgbClr r="0" g="0" b="0"/>
+      </a:fillRef>
+      <a:effectRef idx="0">
+        <a:scrgbClr r="0" g="0" b="0"/>
+      </a:effectRef>
+      <a:fontRef idx="minor"/>
+    </dgm:style>
+  </dgm:styleLbl>
+  <dgm:styleLbl name="fgAcc4">
+    <dgm:scene3d>
+      <a:camera prst="orthographicFront"/>
+      <a:lightRig rig="threePt" dir="t"/>
+    </dgm:scene3d>
+    <dgm:sp3d/>
+    <dgm:txPr/>
+    <dgm:style>
+      <a:lnRef idx="2">
+        <a:scrgbClr r="0" g="0" b="0"/>
+      </a:lnRef>
+      <a:fillRef idx="1">
+        <a:scrgbClr r="0" g="0" b="0"/>
+      </a:fillRef>
+      <a:effectRef idx="0">
+        <a:scrgbClr r="0" g="0" b="0"/>
+      </a:effectRef>
+      <a:fontRef idx="minor"/>
+    </dgm:style>
+  </dgm:styleLbl>
+  <dgm:styleLbl name="bgShp">
+    <dgm:scene3d>
+      <a:camera prst="orthographicFront"/>
+      <a:lightRig rig="threePt" dir="t"/>
+    </dgm:scene3d>
+    <dgm:sp3d/>
+    <dgm:txPr/>
+    <dgm:style>
+      <a:lnRef idx="0">
+        <a:scrgbClr r="0" g="0" b="0"/>
+      </a:lnRef>
+      <a:fillRef idx="1">
+        <a:scrgbClr r="0" g="0" b="0"/>
+      </a:fillRef>
+      <a:effectRef idx="0">
+        <a:scrgbClr r="0" g="0" b="0"/>
+      </a:effectRef>
+      <a:fontRef idx="minor"/>
+    </dgm:style>
+  </dgm:styleLbl>
+  <dgm:styleLbl name="dkBgShp">
+    <dgm:scene3d>
+      <a:camera prst="orthographicFront"/>
+      <a:lightRig rig="threePt" dir="t"/>
+    </dgm:scene3d>
+    <dgm:sp3d/>
+    <dgm:txPr/>
+    <dgm:style>
+      <a:lnRef idx="0">
+        <a:scrgbClr r="0" g="0" b="0"/>
+      </a:lnRef>
+      <a:fillRef idx="1">
+        <a:scrgbClr r="0" g="0" b="0"/>
+      </a:fillRef>
+      <a:effectRef idx="0">
+        <a:scrgbClr r="0" g="0" b="0"/>
+      </a:effectRef>
+      <a:fontRef idx="minor"/>
+    </dgm:style>
+  </dgm:styleLbl>
+  <dgm:styleLbl name="trBgShp">
+    <dgm:scene3d>
+      <a:camera prst="orthographicFront"/>
+      <a:lightRig rig="threePt" dir="t"/>
+    </dgm:scene3d>
+    <dgm:sp3d/>
+    <dgm:txPr/>
+    <dgm:style>
+      <a:lnRef idx="0">
+        <a:scrgbClr r="0" g="0" b="0"/>
+      </a:lnRef>
+      <a:fillRef idx="1">
+        <a:scrgbClr r="0" g="0" b="0"/>
+      </a:fillRef>
+      <a:effectRef idx="0">
+        <a:scrgbClr r="0" g="0" b="0"/>
+      </a:effectRef>
+      <a:fontRef idx="minor"/>
+    </dgm:style>
+  </dgm:styleLbl>
+  <dgm:styleLbl name="fgShp">
+    <dgm:scene3d>
+      <a:camera prst="orthographicFront"/>
+      <a:lightRig rig="threePt" dir="t"/>
+    </dgm:scene3d>
+    <dgm:sp3d/>
+    <dgm:txPr/>
+    <dgm:style>
+      <a:lnRef idx="2">
+        <a:scrgbClr r="0" g="0" b="0"/>
+      </a:lnRef>
+      <a:fillRef idx="1">
+        <a:scrgbClr r="0" g="0" b="0"/>
+      </a:fillRef>
+      <a:effectRef idx="0">
+        <a:scrgbClr r="0" g="0" b="0"/>
+      </a:effectRef>
+      <a:fontRef idx="minor"/>
+    </dgm:style>
+  </dgm:styleLbl>
+  <dgm:styleLbl name="revTx">
+    <dgm:scene3d>
+      <a:camera prst="orthographicFront"/>
+      <a:lightRig rig="threePt" dir="t"/>
+    </dgm:scene3d>
+    <dgm:sp3d/>
+    <dgm:txPr/>
+    <dgm:style>
+      <a:lnRef idx="0">
+        <a:scrgbClr r="0" g="0" b="0"/>
+      </a:lnRef>
+      <a:fillRef idx="0">
+        <a:scrgbClr r="0" g="0" b="0"/>
+      </a:fillRef>
+      <a:effectRef idx="0">
+        <a:scrgbClr r="0" g="0" b="0"/>
+      </a:effectRef>
+      <a:fontRef idx="minor"/>
+    </dgm:style>
+  </dgm:styleLbl>
+</dgm:styleDef>
 </file>
 
 <file path=ppt/slideLayouts/slideLayout1.xml><?xml version="1.0" encoding="utf-8"?>
@@ -3684,7 +7749,9 @@
         </p:nvSpPr>
         <p:spPr/>
         <p:txBody>
-          <a:bodyPr/>
+          <a:bodyPr>
+            <a:normAutofit lnSpcReduction="10000"/>
+          </a:bodyPr>
           <a:lstStyle/>
           <a:p>
             <a:pPr marL="0" indent="0">
@@ -3701,7 +7768,7 @@
             </a:pPr>
             <a:r>
               <a:rPr lang="en-US" dirty="0"/>
-              <a:t>Time can be rearranged to form the words item, emit, and mite.</a:t>
+              <a:t>‘time’ can be rearranged to form the words ‘item’, ‘emit’, and ‘mite’.</a:t>
             </a:r>
           </a:p>
           <a:p>
@@ -3710,7 +7777,7 @@
             </a:pPr>
             <a:r>
               <a:rPr lang="en-US" dirty="0"/>
-              <a:t>Letters in the word terminator can arranged to spell time, item, emit, mite as well </a:t>
+              <a:t>Letters in the word ‘terminator’ can arranged to spell ‘time’, ‘item’, ‘emit’, ‘mite’ as well as several hundred more.</a:t>
             </a:r>
           </a:p>
           <a:p>
@@ -3719,7 +7786,7 @@
             </a:pPr>
             <a:r>
               <a:rPr lang="en-US" dirty="0"/>
-              <a:t>Time, item, emit, and mite are exact anagrams of each other.</a:t>
+              <a:t>‘time’, ‘item’, ‘emit’, and ‘mite’ are exact anagrams of each other.</a:t>
             </a:r>
           </a:p>
           <a:p>
@@ -3728,7 +7795,16 @@
             </a:pPr>
             <a:r>
               <a:rPr lang="en-US" dirty="0"/>
-              <a:t>We can call ‘terminator’ the from/parent word and ‘time’-’item’-’emit’-’mite’ to/child words. </a:t>
+              <a:t>We can ‘terminator’ the from/parent anagram of ‘time’-’item’-’emit’-’mite’ to/child anagrams. </a:t>
+            </a:r>
+          </a:p>
+          <a:p>
+            <a:pPr marL="0" indent="0">
+              <a:buNone/>
+            </a:pPr>
+            <a:r>
+              <a:rPr lang="en-US" dirty="0"/>
+              <a:t>Likewise, ‘it’ is a to/child anagram of ‘time’-’item’-’emit’-’mite’ and a to/child anagram of ‘terminator’</a:t>
             </a:r>
           </a:p>
         </p:txBody>
@@ -3763,12 +7839,237 @@
           <a:chExt cx="0" cy="0"/>
         </a:xfrm>
       </p:grpSpPr>
+      <p:graphicFrame>
+        <p:nvGraphicFramePr>
+          <p:cNvPr id="4" name="Diagram 3">
+            <a:extLst>
+              <a:ext uri="{FF2B5EF4-FFF2-40B4-BE49-F238E27FC236}">
+                <a16:creationId xmlns:a16="http://schemas.microsoft.com/office/drawing/2014/main" id="{BBAD07CE-7F76-402F-B4B1-440DB499F5A3}"/>
+              </a:ext>
+            </a:extLst>
+          </p:cNvPr>
+          <p:cNvGraphicFramePr/>
+          <p:nvPr>
+            <p:extLst>
+              <p:ext uri="{D42A27DB-BD31-4B8C-83A1-F6EECF244321}">
+                <p14:modId xmlns:p14="http://schemas.microsoft.com/office/powerpoint/2010/main" val="1332991972"/>
+              </p:ext>
+            </p:extLst>
+          </p:nvPr>
+        </p:nvGraphicFramePr>
+        <p:xfrm>
+          <a:off x="2032000" y="719666"/>
+          <a:ext cx="8128000" cy="5418667"/>
+        </p:xfrm>
+        <a:graphic>
+          <a:graphicData uri="http://schemas.openxmlformats.org/drawingml/2006/diagram">
+            <dgm:relIds xmlns:dgm="http://schemas.openxmlformats.org/drawingml/2006/diagram" xmlns:r="http://schemas.openxmlformats.org/officeDocument/2006/relationships" r:dm="rId2" r:lo="rId3" r:qs="rId4" r:cs="rId5"/>
+          </a:graphicData>
+        </a:graphic>
+      </p:graphicFrame>
+      <p:cxnSp>
+        <p:nvCxnSpPr>
+          <p:cNvPr id="8" name="Straight Connector 7">
+            <a:extLst>
+              <a:ext uri="{FF2B5EF4-FFF2-40B4-BE49-F238E27FC236}">
+                <a16:creationId xmlns:a16="http://schemas.microsoft.com/office/drawing/2014/main" id="{FBFAB306-C881-4318-905B-059D8270E44B}"/>
+              </a:ext>
+            </a:extLst>
+          </p:cNvPr>
+          <p:cNvCxnSpPr/>
+          <p:nvPr/>
+        </p:nvCxnSpPr>
+        <p:spPr>
+          <a:xfrm>
+            <a:off x="6096000" y="2595154"/>
+            <a:ext cx="0" cy="653143"/>
+          </a:xfrm>
+          <a:prstGeom prst="line">
+            <a:avLst/>
+          </a:prstGeom>
+        </p:spPr>
+        <p:style>
+          <a:lnRef idx="1">
+            <a:schemeClr val="accent1"/>
+          </a:lnRef>
+          <a:fillRef idx="0">
+            <a:schemeClr val="accent1"/>
+          </a:fillRef>
+          <a:effectRef idx="0">
+            <a:schemeClr val="accent1"/>
+          </a:effectRef>
+          <a:fontRef idx="minor">
+            <a:schemeClr val="tx1"/>
+          </a:fontRef>
+        </p:style>
+      </p:cxnSp>
+      <p:cxnSp>
+        <p:nvCxnSpPr>
+          <p:cNvPr id="10" name="Straight Connector 9">
+            <a:extLst>
+              <a:ext uri="{FF2B5EF4-FFF2-40B4-BE49-F238E27FC236}">
+                <a16:creationId xmlns:a16="http://schemas.microsoft.com/office/drawing/2014/main" id="{981B31DB-41A0-437D-8D4C-5F80AFD70B75}"/>
+              </a:ext>
+            </a:extLst>
+          </p:cNvPr>
+          <p:cNvCxnSpPr>
+            <a:cxnSpLocks/>
+          </p:cNvCxnSpPr>
+          <p:nvPr/>
+        </p:nvCxnSpPr>
+        <p:spPr>
+          <a:xfrm>
+            <a:off x="6096000" y="3727269"/>
+            <a:ext cx="0" cy="583474"/>
+          </a:xfrm>
+          <a:prstGeom prst="line">
+            <a:avLst/>
+          </a:prstGeom>
+        </p:spPr>
+        <p:style>
+          <a:lnRef idx="1">
+            <a:schemeClr val="accent1"/>
+          </a:lnRef>
+          <a:fillRef idx="0">
+            <a:schemeClr val="accent1"/>
+          </a:fillRef>
+          <a:effectRef idx="0">
+            <a:schemeClr val="accent1"/>
+          </a:effectRef>
+          <a:fontRef idx="minor">
+            <a:schemeClr val="tx1"/>
+          </a:fontRef>
+        </p:style>
+      </p:cxnSp>
+      <p:cxnSp>
+        <p:nvCxnSpPr>
+          <p:cNvPr id="13" name="Straight Connector 12">
+            <a:extLst>
+              <a:ext uri="{FF2B5EF4-FFF2-40B4-BE49-F238E27FC236}">
+                <a16:creationId xmlns:a16="http://schemas.microsoft.com/office/drawing/2014/main" id="{84570312-AF4E-4402-A9F2-842D86D815F7}"/>
+              </a:ext>
+            </a:extLst>
+          </p:cNvPr>
+          <p:cNvCxnSpPr/>
+          <p:nvPr/>
+        </p:nvCxnSpPr>
+        <p:spPr>
+          <a:xfrm>
+            <a:off x="7062651" y="3428999"/>
+            <a:ext cx="1045029" cy="0"/>
+          </a:xfrm>
+          <a:prstGeom prst="line">
+            <a:avLst/>
+          </a:prstGeom>
+        </p:spPr>
+        <p:style>
+          <a:lnRef idx="1">
+            <a:schemeClr val="accent1"/>
+          </a:lnRef>
+          <a:fillRef idx="0">
+            <a:schemeClr val="accent1"/>
+          </a:fillRef>
+          <a:effectRef idx="0">
+            <a:schemeClr val="accent1"/>
+          </a:effectRef>
+          <a:fontRef idx="minor">
+            <a:schemeClr val="tx1"/>
+          </a:fontRef>
+        </p:style>
+      </p:cxnSp>
+      <p:cxnSp>
+        <p:nvCxnSpPr>
+          <p:cNvPr id="21" name="Connector: Elbow 20">
+            <a:extLst>
+              <a:ext uri="{FF2B5EF4-FFF2-40B4-BE49-F238E27FC236}">
+                <a16:creationId xmlns:a16="http://schemas.microsoft.com/office/drawing/2014/main" id="{8E297DEF-75C6-4CB4-A733-A8552C2CA41D}"/>
+              </a:ext>
+            </a:extLst>
+          </p:cNvPr>
+          <p:cNvCxnSpPr>
+            <a:cxnSpLocks/>
+          </p:cNvCxnSpPr>
+          <p:nvPr/>
+        </p:nvCxnSpPr>
+        <p:spPr>
+          <a:xfrm rot="5400000" flipH="1" flipV="1">
+            <a:off x="7000603" y="3708763"/>
+            <a:ext cx="1082041" cy="522514"/>
+          </a:xfrm>
+          <a:prstGeom prst="bentConnector3">
+            <a:avLst>
+              <a:gd name="adj1" fmla="val -6338"/>
+            </a:avLst>
+          </a:prstGeom>
+          <a:ln>
+            <a:tailEnd type="triangle"/>
+          </a:ln>
+        </p:spPr>
+        <p:style>
+          <a:lnRef idx="1">
+            <a:schemeClr val="accent1"/>
+          </a:lnRef>
+          <a:fillRef idx="0">
+            <a:schemeClr val="accent1"/>
+          </a:fillRef>
+          <a:effectRef idx="0">
+            <a:schemeClr val="accent1"/>
+          </a:effectRef>
+          <a:fontRef idx="minor">
+            <a:schemeClr val="tx1"/>
+          </a:fontRef>
+        </p:style>
+      </p:cxnSp>
+      <p:cxnSp>
+        <p:nvCxnSpPr>
+          <p:cNvPr id="27" name="Connector: Curved 26">
+            <a:extLst>
+              <a:ext uri="{FF2B5EF4-FFF2-40B4-BE49-F238E27FC236}">
+                <a16:creationId xmlns:a16="http://schemas.microsoft.com/office/drawing/2014/main" id="{9DC44A73-24F3-4E1B-BAE3-48EC1CB402AB}"/>
+              </a:ext>
+            </a:extLst>
+          </p:cNvPr>
+          <p:cNvCxnSpPr>
+            <a:cxnSpLocks/>
+          </p:cNvCxnSpPr>
+          <p:nvPr/>
+        </p:nvCxnSpPr>
+        <p:spPr>
+          <a:xfrm>
+            <a:off x="3013166" y="2921725"/>
+            <a:ext cx="6008914" cy="476796"/>
+          </a:xfrm>
+          <a:prstGeom prst="curvedConnector3">
+            <a:avLst>
+              <a:gd name="adj1" fmla="val 50000"/>
+            </a:avLst>
+          </a:prstGeom>
+          <a:ln>
+            <a:headEnd type="triangle"/>
+            <a:tailEnd type="triangle"/>
+          </a:ln>
+        </p:spPr>
+        <p:style>
+          <a:lnRef idx="1">
+            <a:schemeClr val="accent1"/>
+          </a:lnRef>
+          <a:fillRef idx="0">
+            <a:schemeClr val="accent1"/>
+          </a:fillRef>
+          <a:effectRef idx="0">
+            <a:schemeClr val="accent1"/>
+          </a:effectRef>
+          <a:fontRef idx="minor">
+            <a:schemeClr val="tx1"/>
+          </a:fontRef>
+        </p:style>
+      </p:cxnSp>
       <p:sp>
         <p:nvSpPr>
-          <p:cNvPr id="2" name="Title 1">
+          <p:cNvPr id="33" name="Title 32">
             <a:extLst>
               <a:ext uri="{FF2B5EF4-FFF2-40B4-BE49-F238E27FC236}">
-                <a16:creationId xmlns:a16="http://schemas.microsoft.com/office/drawing/2014/main" id="{9BFC70DF-5761-446E-A5E8-F230935F0664}"/>
+                <a16:creationId xmlns:a16="http://schemas.microsoft.com/office/drawing/2014/main" id="{00350A00-00C2-4B58-87D5-B1C591E652AB}"/>
               </a:ext>
             </a:extLst>
           </p:cNvPr>
@@ -3784,7 +8085,68 @@
           <a:bodyPr/>
           <a:lstStyle/>
           <a:p>
-            <a:endParaRPr lang="en-US"/>
+            <a:r>
+              <a:rPr lang="en-US" dirty="0"/>
+              <a:t>As a graph…</a:t>
+            </a:r>
+          </a:p>
+        </p:txBody>
+      </p:sp>
+    </p:spTree>
+    <p:extLst>
+      <p:ext uri="{BB962C8B-B14F-4D97-AF65-F5344CB8AC3E}">
+        <p14:creationId xmlns:p14="http://schemas.microsoft.com/office/powerpoint/2010/main" val="3772792276"/>
+      </p:ext>
+    </p:extLst>
+  </p:cSld>
+  <p:clrMapOvr>
+    <a:masterClrMapping/>
+  </p:clrMapOvr>
+</p:sld>
+</file>
+
+<file path=ppt/slides/slide6.xml><?xml version="1.0" encoding="utf-8"?>
+<p:sld xmlns:a="http://schemas.openxmlformats.org/drawingml/2006/main" xmlns:r="http://schemas.openxmlformats.org/officeDocument/2006/relationships" xmlns:p="http://schemas.openxmlformats.org/presentationml/2006/main">
+  <p:cSld>
+    <p:spTree>
+      <p:nvGrpSpPr>
+        <p:cNvPr id="1" name=""/>
+        <p:cNvGrpSpPr/>
+        <p:nvPr/>
+      </p:nvGrpSpPr>
+      <p:grpSpPr>
+        <a:xfrm>
+          <a:off x="0" y="0"/>
+          <a:ext cx="0" cy="0"/>
+          <a:chOff x="0" y="0"/>
+          <a:chExt cx="0" cy="0"/>
+        </a:xfrm>
+      </p:grpSpPr>
+      <p:sp>
+        <p:nvSpPr>
+          <p:cNvPr id="2" name="Title 1">
+            <a:extLst>
+              <a:ext uri="{FF2B5EF4-FFF2-40B4-BE49-F238E27FC236}">
+                <a16:creationId xmlns:a16="http://schemas.microsoft.com/office/drawing/2014/main" id="{FBA8BF29-2571-4B74-8B51-40DA87A0F554}"/>
+              </a:ext>
+            </a:extLst>
+          </p:cNvPr>
+          <p:cNvSpPr>
+            <a:spLocks noGrp="1"/>
+          </p:cNvSpPr>
+          <p:nvPr>
+            <p:ph type="title"/>
+          </p:nvPr>
+        </p:nvSpPr>
+        <p:spPr/>
+        <p:txBody>
+          <a:bodyPr/>
+          <a:lstStyle/>
+          <a:p>
+            <a:r>
+              <a:rPr lang="en-US" dirty="0"/>
+              <a:t>Data and challenge:</a:t>
+            </a:r>
           </a:p>
         </p:txBody>
       </p:sp>
@@ -3793,7 +8155,7 @@
           <p:cNvPr id="3" name="Content Placeholder 2">
             <a:extLst>
               <a:ext uri="{FF2B5EF4-FFF2-40B4-BE49-F238E27FC236}">
-                <a16:creationId xmlns:a16="http://schemas.microsoft.com/office/drawing/2014/main" id="{AF49A9B1-1045-4327-93E6-ECC33DBB463E}"/>
+                <a16:creationId xmlns:a16="http://schemas.microsoft.com/office/drawing/2014/main" id="{01F95BA6-D23E-4E1E-AE9F-82CBAB5019EF}"/>
               </a:ext>
             </a:extLst>
           </p:cNvPr>
@@ -3809,14 +8171,45 @@
           <a:bodyPr/>
           <a:lstStyle/>
           <a:p>
-            <a:endParaRPr lang="en-US"/>
+            <a:r>
+              <a:rPr lang="en-US" dirty="0"/>
+              <a:t>A list with 235,886 words. </a:t>
+            </a:r>
+          </a:p>
+          <a:p>
+            <a:r>
+              <a:rPr lang="en-US" dirty="0"/>
+              <a:t>How do we efficiently discover, formalize, and store the from/parent, to/child, and exact anagram relationships?</a:t>
+            </a:r>
+          </a:p>
+          <a:p>
+            <a:r>
+              <a:rPr lang="en-US" dirty="0"/>
+              <a:t>We can accomplish this using Python and the pandas, </a:t>
+            </a:r>
+            <a:r>
+              <a:rPr lang="en-US" dirty="0" err="1"/>
+              <a:t>numpy</a:t>
+            </a:r>
+            <a:r>
+              <a:rPr lang="en-US" dirty="0"/>
+              <a:t>, and </a:t>
+            </a:r>
+            <a:r>
+              <a:rPr lang="en-US" dirty="0" err="1"/>
+              <a:t>sqlite</a:t>
+            </a:r>
+            <a:r>
+              <a:rPr lang="en-US" dirty="0"/>
+              <a:t> libraries.</a:t>
+            </a:r>
           </a:p>
         </p:txBody>
       </p:sp>
     </p:spTree>
     <p:extLst>
       <p:ext uri="{BB962C8B-B14F-4D97-AF65-F5344CB8AC3E}">
-        <p14:creationId xmlns:p14="http://schemas.microsoft.com/office/powerpoint/2010/main" val="3772792276"/>
+        <p14:creationId xmlns:p14="http://schemas.microsoft.com/office/powerpoint/2010/main" val="510822462"/>
       </p:ext>
     </p:extLst>
   </p:cSld>
